--- a/Diss (repo)/Explainable AI/Disskurzcheck082018.pptx
+++ b/Diss (repo)/Explainable AI/Disskurzcheck082018.pptx
@@ -1,6 +1,6 @@
 
 <file path=ppt/presentation.xml><?xml version="1.0" encoding="utf-8"?>
-<p:presentation xmlns:a="http://schemas.openxmlformats.org/drawingml/2006/main" xmlns:r="http://schemas.openxmlformats.org/officeDocument/2006/relationships" xmlns:p="http://schemas.openxmlformats.org/presentationml/2006/main" saveSubsetFonts="1" autoCompressPictures="0">
+<p:presentation xmlns:a="http://schemas.openxmlformats.org/drawingml/2006/main" xmlns:r="http://schemas.openxmlformats.org/officeDocument/2006/relationships" xmlns:p="http://schemas.openxmlformats.org/presentationml/2006/main" showSpecialPlsOnTitleSld="0" saveSubsetFonts="1" autoCompressPictures="0">
   <p:sldMasterIdLst>
     <p:sldMasterId id="2147483673" r:id="rId1"/>
   </p:sldMasterIdLst>
@@ -9,15 +9,15 @@
   </p:notesMasterIdLst>
   <p:sldIdLst>
     <p:sldId id="334" r:id="rId2"/>
-    <p:sldId id="335" r:id="rId3"/>
-    <p:sldId id="336" r:id="rId4"/>
-    <p:sldId id="337" r:id="rId5"/>
-    <p:sldId id="338" r:id="rId6"/>
-    <p:sldId id="330" r:id="rId7"/>
-    <p:sldId id="339" r:id="rId8"/>
-    <p:sldId id="340" r:id="rId9"/>
-    <p:sldId id="341" r:id="rId10"/>
-    <p:sldId id="329" r:id="rId11"/>
+    <p:sldId id="330" r:id="rId3"/>
+    <p:sldId id="342" r:id="rId4"/>
+    <p:sldId id="338" r:id="rId5"/>
+    <p:sldId id="343" r:id="rId6"/>
+    <p:sldId id="344" r:id="rId7"/>
+    <p:sldId id="341" r:id="rId8"/>
+    <p:sldId id="329" r:id="rId9"/>
+    <p:sldId id="345" r:id="rId10"/>
+    <p:sldId id="339" r:id="rId11"/>
   </p:sldIdLst>
   <p:sldSz cx="9144000" cy="6858000" type="screen4x3"/>
   <p:notesSz cx="6858000" cy="9144000"/>
@@ -264,7 +264,7 @@
           <a:p>
             <a:fld id="{A9533422-EA17-F948-BF63-CBC5318A2B77}" type="datetimeFigureOut">
               <a:rPr lang="en-US" smtClean="0"/>
-              <a:t>7/13/2018</a:t>
+              <a:t>7/31/2018</a:t>
             </a:fld>
             <a:endParaRPr lang="en-US"/>
           </a:p>
@@ -685,7 +685,7 @@
           <a:p>
             <a:fld id="{FB77DEBE-DB84-1445-A195-EA89E0287CFF}" type="slidenum">
               <a:rPr lang="en-US" smtClean="0"/>
-              <a:t>6</a:t>
+              <a:t>2</a:t>
             </a:fld>
             <a:endParaRPr lang="en-US"/>
           </a:p>
@@ -750,8 +750,49 @@
           <a:p>
             <a:r>
               <a:rPr lang="de-DE" dirty="0" smtClean="0"/>
-              <a:t>http://explainablesystems.comp.nus.edu.sg/wp-content/uploads/2018/03/XAI%20for%20IUI%202018.pdf</a:t>
-            </a:r>
+              <a:t>DARPA </a:t>
+            </a:r>
+            <a:r>
+              <a:rPr lang="de-DE" dirty="0" err="1" smtClean="0"/>
+              <a:t>Defence</a:t>
+            </a:r>
+            <a:r>
+              <a:rPr lang="de-DE" dirty="0" smtClean="0"/>
+              <a:t> </a:t>
+            </a:r>
+            <a:r>
+              <a:rPr lang="de-DE" dirty="0" err="1" smtClean="0"/>
+              <a:t>Advanced</a:t>
+            </a:r>
+            <a:r>
+              <a:rPr lang="de-DE" baseline="0" dirty="0" smtClean="0"/>
+              <a:t> Research Projects Agency : </a:t>
+            </a:r>
+            <a:r>
+              <a:rPr lang="en-US" sz="1200" b="0" i="0" kern="1200" dirty="0" smtClean="0">
+                <a:solidFill>
+                  <a:schemeClr val="tx1"/>
+                </a:solidFill>
+                <a:effectLst/>
+                <a:latin typeface="+mn-lt"/>
+                <a:ea typeface="+mn-ea"/>
+                <a:cs typeface="+mn-cs"/>
+              </a:rPr>
+              <a:t> to make pivotal investments in breakthrough technologies for national security.</a:t>
+            </a:r>
+            <a:endParaRPr lang="de-DE" dirty="0" smtClean="0"/>
+          </a:p>
+          <a:p>
+            <a:r>
+              <a:rPr lang="de-DE" dirty="0" smtClean="0"/>
+              <a:t/>
+            </a:r>
+            <a:br>
+              <a:rPr lang="de-DE" dirty="0" smtClean="0"/>
+            </a:br>
+            <a:endParaRPr lang="de-DE" dirty="0" smtClean="0"/>
+          </a:p>
+          <a:p>
             <a:endParaRPr lang="de-DE" dirty="0"/>
           </a:p>
         </p:txBody>
@@ -773,7 +814,7 @@
           <a:p>
             <a:fld id="{FB77DEBE-DB84-1445-A195-EA89E0287CFF}" type="slidenum">
               <a:rPr lang="en-US" smtClean="0"/>
-              <a:t>7</a:t>
+              <a:t>3</a:t>
             </a:fld>
             <a:endParaRPr lang="en-US"/>
           </a:p>
@@ -782,7 +823,7 @@
     </p:spTree>
     <p:extLst>
       <p:ext uri="{BB962C8B-B14F-4D97-AF65-F5344CB8AC3E}">
-        <p14:creationId xmlns:p14="http://schemas.microsoft.com/office/powerpoint/2010/main" val="4249145853"/>
+        <p14:creationId xmlns:p14="http://schemas.microsoft.com/office/powerpoint/2010/main" val="3474471860"/>
       </p:ext>
     </p:extLst>
   </p:cSld>
@@ -836,10 +877,6 @@
           <a:bodyPr/>
           <a:lstStyle/>
           <a:p>
-            <a:r>
-              <a:rPr lang="de-DE" dirty="0" smtClean="0"/>
-              <a:t>http://explainablesystems.comp.nus.edu.sg/wp-content/uploads/2018/03/XAI%20for%20IUI%202018.pdf</a:t>
-            </a:r>
             <a:endParaRPr lang="de-DE" dirty="0"/>
           </a:p>
         </p:txBody>
@@ -861,7 +898,7 @@
           <a:p>
             <a:fld id="{FB77DEBE-DB84-1445-A195-EA89E0287CFF}" type="slidenum">
               <a:rPr lang="en-US" smtClean="0"/>
-              <a:t>8</a:t>
+              <a:t>4</a:t>
             </a:fld>
             <a:endParaRPr lang="en-US"/>
           </a:p>
@@ -870,7 +907,7 @@
     </p:spTree>
     <p:extLst>
       <p:ext uri="{BB962C8B-B14F-4D97-AF65-F5344CB8AC3E}">
-        <p14:creationId xmlns:p14="http://schemas.microsoft.com/office/powerpoint/2010/main" val="2387741566"/>
+        <p14:creationId xmlns:p14="http://schemas.microsoft.com/office/powerpoint/2010/main" val="1822943927"/>
       </p:ext>
     </p:extLst>
   </p:cSld>
@@ -949,7 +986,7 @@
           <a:p>
             <a:fld id="{FB77DEBE-DB84-1445-A195-EA89E0287CFF}" type="slidenum">
               <a:rPr lang="en-US" smtClean="0"/>
-              <a:t>9</a:t>
+              <a:t>7</a:t>
             </a:fld>
             <a:endParaRPr lang="en-US"/>
           </a:p>
@@ -959,6 +996,94 @@
     <p:extLst>
       <p:ext uri="{BB962C8B-B14F-4D97-AF65-F5344CB8AC3E}">
         <p14:creationId xmlns:p14="http://schemas.microsoft.com/office/powerpoint/2010/main" val="3726193308"/>
+      </p:ext>
+    </p:extLst>
+  </p:cSld>
+  <p:clrMapOvr>
+    <a:masterClrMapping/>
+  </p:clrMapOvr>
+</p:notes>
+</file>
+
+<file path=ppt/notesSlides/notesSlide6.xml><?xml version="1.0" encoding="utf-8"?>
+<p:notes xmlns:a="http://schemas.openxmlformats.org/drawingml/2006/main" xmlns:r="http://schemas.openxmlformats.org/officeDocument/2006/relationships" xmlns:p="http://schemas.openxmlformats.org/presentationml/2006/main">
+  <p:cSld>
+    <p:spTree>
+      <p:nvGrpSpPr>
+        <p:cNvPr id="1" name=""/>
+        <p:cNvGrpSpPr/>
+        <p:nvPr/>
+      </p:nvGrpSpPr>
+      <p:grpSpPr>
+        <a:xfrm>
+          <a:off x="0" y="0"/>
+          <a:ext cx="0" cy="0"/>
+          <a:chOff x="0" y="0"/>
+          <a:chExt cx="0" cy="0"/>
+        </a:xfrm>
+      </p:grpSpPr>
+      <p:sp>
+        <p:nvSpPr>
+          <p:cNvPr id="2" name="Folienbildplatzhalter 1"/>
+          <p:cNvSpPr>
+            <a:spLocks noGrp="1" noRot="1" noChangeAspect="1"/>
+          </p:cNvSpPr>
+          <p:nvPr>
+            <p:ph type="sldImg"/>
+          </p:nvPr>
+        </p:nvSpPr>
+        <p:spPr/>
+      </p:sp>
+      <p:sp>
+        <p:nvSpPr>
+          <p:cNvPr id="3" name="Notizenplatzhalter 2"/>
+          <p:cNvSpPr>
+            <a:spLocks noGrp="1"/>
+          </p:cNvSpPr>
+          <p:nvPr>
+            <p:ph type="body" idx="1"/>
+          </p:nvPr>
+        </p:nvSpPr>
+        <p:spPr/>
+        <p:txBody>
+          <a:bodyPr/>
+          <a:lstStyle/>
+          <a:p>
+            <a:r>
+              <a:rPr lang="de-DE" dirty="0" smtClean="0"/>
+              <a:t>http://explainablesystems.comp.nus.edu.sg/wp-content/uploads/2018/03/XAI%20for%20IUI%202018.pdf</a:t>
+            </a:r>
+            <a:endParaRPr lang="de-DE" dirty="0"/>
+          </a:p>
+        </p:txBody>
+      </p:sp>
+      <p:sp>
+        <p:nvSpPr>
+          <p:cNvPr id="4" name="Foliennummernplatzhalter 3"/>
+          <p:cNvSpPr>
+            <a:spLocks noGrp="1"/>
+          </p:cNvSpPr>
+          <p:nvPr>
+            <p:ph type="sldNum" sz="quarter" idx="10"/>
+          </p:nvPr>
+        </p:nvSpPr>
+        <p:spPr/>
+        <p:txBody>
+          <a:bodyPr/>
+          <a:lstStyle/>
+          <a:p>
+            <a:fld id="{FB77DEBE-DB84-1445-A195-EA89E0287CFF}" type="slidenum">
+              <a:rPr lang="en-US" smtClean="0"/>
+              <a:t>10</a:t>
+            </a:fld>
+            <a:endParaRPr lang="en-US"/>
+          </a:p>
+        </p:txBody>
+      </p:sp>
+    </p:spTree>
+    <p:extLst>
+      <p:ext uri="{BB962C8B-B14F-4D97-AF65-F5344CB8AC3E}">
+        <p14:creationId xmlns:p14="http://schemas.microsoft.com/office/powerpoint/2010/main" val="4249145853"/>
       </p:ext>
     </p:extLst>
   </p:cSld>
@@ -1197,6 +1322,13 @@
   <p:clrMapOvr>
     <a:masterClrMapping/>
   </p:clrMapOvr>
+  <p:timing>
+    <p:tnLst>
+      <p:par>
+        <p:cTn id="1" dur="indefinite" restart="never" nodeType="tmRoot"/>
+      </p:par>
+    </p:tnLst>
+  </p:timing>
 </p:sldLayout>
 </file>
 
@@ -1553,12 +1685,58 @@
             <p:ph type="ftr" sz="quarter" idx="11"/>
           </p:nvPr>
         </p:nvSpPr>
-        <p:spPr/>
+        <p:spPr>
+          <a:xfrm>
+            <a:off x="3124200" y="6535035"/>
+            <a:ext cx="4712170" cy="277058"/>
+          </a:xfrm>
+        </p:spPr>
         <p:txBody>
           <a:bodyPr/>
-          <a:lstStyle/>
-          <a:p>
-            <a:endParaRPr lang="de-DE"/>
+          <a:lstStyle>
+            <a:lvl1pPr marL="0" algn="ctr" defTabSz="457200" rtl="0" eaLnBrk="1" latinLnBrk="0" hangingPunct="1">
+              <a:defRPr lang="en-US" sz="900" kern="1200" smtClean="0">
+                <a:solidFill>
+                  <a:schemeClr val="tx1">
+                    <a:tint val="75000"/>
+                  </a:schemeClr>
+                </a:solidFill>
+                <a:latin typeface="Verdana"/>
+                <a:ea typeface="+mn-ea"/>
+                <a:cs typeface="Verdana"/>
+              </a:defRPr>
+            </a:lvl1pPr>
+          </a:lstStyle>
+          <a:p>
+            <a:r>
+              <a:rPr lang="de-DE" dirty="0" smtClean="0"/>
+              <a:t>Engineering </a:t>
+            </a:r>
+            <a:r>
+              <a:rPr lang="de-DE" dirty="0" err="1" smtClean="0"/>
+              <a:t>Interpretable</a:t>
+            </a:r>
+            <a:r>
+              <a:rPr lang="de-DE" dirty="0" smtClean="0"/>
+              <a:t> </a:t>
+            </a:r>
+            <a:r>
+              <a:rPr lang="de-DE" dirty="0" err="1" smtClean="0"/>
+              <a:t>Cognitive</a:t>
+            </a:r>
+            <a:r>
+              <a:rPr lang="de-DE" dirty="0" smtClean="0"/>
+              <a:t> Computing Systems, </a:t>
+            </a:r>
+            <a:r>
+              <a:rPr lang="de-DE" dirty="0" err="1" smtClean="0"/>
+              <a:t>Diss</a:t>
+            </a:r>
+            <a:r>
+              <a:rPr lang="de-DE" dirty="0" smtClean="0"/>
+              <a:t>-Kurzcheck, 15.08.2018, Jacqueline Büttner </a:t>
+            </a:r>
+            <a:endParaRPr lang="de-DE" dirty="0"/>
           </a:p>
         </p:txBody>
       </p:sp>
@@ -1572,7 +1750,12 @@
             <p:ph type="sldNum" sz="quarter" idx="12"/>
           </p:nvPr>
         </p:nvSpPr>
-        <p:spPr/>
+        <p:spPr>
+          <a:xfrm>
+            <a:off x="7964899" y="6535035"/>
+            <a:ext cx="718726" cy="277058"/>
+          </a:xfrm>
+        </p:spPr>
         <p:txBody>
           <a:bodyPr/>
           <a:lstStyle/>
@@ -1582,7 +1765,7 @@
               <a:pPr/>
               <a:t>‹Nr.›</a:t>
             </a:fld>
-            <a:endParaRPr lang="de-DE"/>
+            <a:endParaRPr lang="de-DE" dirty="0"/>
           </a:p>
         </p:txBody>
       </p:sp>
@@ -1627,6 +1810,13 @@
   <p:clrMapOvr>
     <a:masterClrMapping/>
   </p:clrMapOvr>
+  <p:timing>
+    <p:tnLst>
+      <p:par>
+        <p:cTn id="1" dur="indefinite" restart="never" nodeType="tmRoot"/>
+      </p:par>
+    </p:tnLst>
+  </p:timing>
 </p:sldLayout>
 </file>
 
@@ -1657,12 +1847,58 @@
             <p:ph type="ftr" sz="quarter" idx="11"/>
           </p:nvPr>
         </p:nvSpPr>
-        <p:spPr/>
+        <p:spPr>
+          <a:xfrm>
+            <a:off x="3124200" y="6543273"/>
+            <a:ext cx="4712170" cy="277058"/>
+          </a:xfrm>
+        </p:spPr>
         <p:txBody>
           <a:bodyPr/>
-          <a:lstStyle/>
-          <a:p>
-            <a:endParaRPr lang="de-DE"/>
+          <a:lstStyle>
+            <a:lvl1pPr marL="0" algn="ctr" defTabSz="457200" rtl="0" eaLnBrk="1" latinLnBrk="0" hangingPunct="1">
+              <a:defRPr lang="en-US" sz="900" kern="1200" smtClean="0">
+                <a:solidFill>
+                  <a:schemeClr val="tx1">
+                    <a:tint val="75000"/>
+                  </a:schemeClr>
+                </a:solidFill>
+                <a:latin typeface="Verdana"/>
+                <a:ea typeface="+mn-ea"/>
+                <a:cs typeface="Verdana"/>
+              </a:defRPr>
+            </a:lvl1pPr>
+          </a:lstStyle>
+          <a:p>
+            <a:r>
+              <a:rPr lang="de-DE" dirty="0" smtClean="0"/>
+              <a:t>Engineering </a:t>
+            </a:r>
+            <a:r>
+              <a:rPr lang="de-DE" dirty="0" err="1" smtClean="0"/>
+              <a:t>Interpretable</a:t>
+            </a:r>
+            <a:r>
+              <a:rPr lang="de-DE" dirty="0" smtClean="0"/>
+              <a:t> </a:t>
+            </a:r>
+            <a:r>
+              <a:rPr lang="de-DE" dirty="0" err="1" smtClean="0"/>
+              <a:t>Cognitive</a:t>
+            </a:r>
+            <a:r>
+              <a:rPr lang="de-DE" dirty="0" smtClean="0"/>
+              <a:t> Computing Systems, </a:t>
+            </a:r>
+            <a:r>
+              <a:rPr lang="de-DE" dirty="0" err="1" smtClean="0"/>
+              <a:t>Diss</a:t>
+            </a:r>
+            <a:r>
+              <a:rPr lang="de-DE" dirty="0" smtClean="0"/>
+              <a:t>-Kurzcheck, 15.08.2018, Jacqueline Büttner </a:t>
+            </a:r>
+            <a:endParaRPr lang="de-DE" dirty="0"/>
           </a:p>
         </p:txBody>
       </p:sp>
@@ -1676,7 +1912,12 @@
             <p:ph type="sldNum" sz="quarter" idx="12"/>
           </p:nvPr>
         </p:nvSpPr>
-        <p:spPr/>
+        <p:spPr>
+          <a:xfrm>
+            <a:off x="7968074" y="6543273"/>
+            <a:ext cx="718726" cy="277058"/>
+          </a:xfrm>
+        </p:spPr>
         <p:txBody>
           <a:bodyPr/>
           <a:lstStyle/>
@@ -1966,6 +2207,13 @@
   <p:clrMapOvr>
     <a:masterClrMapping/>
   </p:clrMapOvr>
+  <p:timing>
+    <p:tnLst>
+      <p:par>
+        <p:cTn id="1" dur="indefinite" restart="never" nodeType="tmRoot"/>
+      </p:par>
+    </p:tnLst>
+  </p:timing>
 </p:sldLayout>
 </file>
 
@@ -2178,12 +2426,58 @@
             <p:ph type="ftr" sz="quarter" idx="11"/>
           </p:nvPr>
         </p:nvSpPr>
-        <p:spPr/>
+        <p:spPr>
+          <a:xfrm>
+            <a:off x="3124200" y="6535035"/>
+            <a:ext cx="4712170" cy="277058"/>
+          </a:xfrm>
+        </p:spPr>
         <p:txBody>
           <a:bodyPr/>
-          <a:lstStyle/>
-          <a:p>
-            <a:endParaRPr lang="de-DE"/>
+          <a:lstStyle>
+            <a:lvl1pPr marL="0" algn="ctr" defTabSz="457200" rtl="0" eaLnBrk="1" latinLnBrk="0" hangingPunct="1">
+              <a:defRPr lang="en-US" sz="900" kern="1200" smtClean="0">
+                <a:solidFill>
+                  <a:schemeClr val="tx1">
+                    <a:tint val="75000"/>
+                  </a:schemeClr>
+                </a:solidFill>
+                <a:latin typeface="Verdana"/>
+                <a:ea typeface="+mn-ea"/>
+                <a:cs typeface="Verdana"/>
+              </a:defRPr>
+            </a:lvl1pPr>
+          </a:lstStyle>
+          <a:p>
+            <a:r>
+              <a:rPr lang="de-DE" dirty="0" smtClean="0"/>
+              <a:t>Engineering </a:t>
+            </a:r>
+            <a:r>
+              <a:rPr lang="de-DE" dirty="0" err="1" smtClean="0"/>
+              <a:t>Interpretable</a:t>
+            </a:r>
+            <a:r>
+              <a:rPr lang="de-DE" dirty="0" smtClean="0"/>
+              <a:t> </a:t>
+            </a:r>
+            <a:r>
+              <a:rPr lang="de-DE" dirty="0" err="1" smtClean="0"/>
+              <a:t>Cognitive</a:t>
+            </a:r>
+            <a:r>
+              <a:rPr lang="de-DE" dirty="0" smtClean="0"/>
+              <a:t> Computing Systems, </a:t>
+            </a:r>
+            <a:r>
+              <a:rPr lang="de-DE" dirty="0" err="1" smtClean="0"/>
+              <a:t>Diss</a:t>
+            </a:r>
+            <a:r>
+              <a:rPr lang="de-DE" dirty="0" smtClean="0"/>
+              <a:t>-Kurzcheck, 15.08.2018, Jacqueline Büttner </a:t>
+            </a:r>
+            <a:endParaRPr lang="de-DE" dirty="0"/>
           </a:p>
         </p:txBody>
       </p:sp>
@@ -2197,7 +2491,12 @@
             <p:ph type="sldNum" sz="quarter" idx="12"/>
           </p:nvPr>
         </p:nvSpPr>
-        <p:spPr/>
+        <p:spPr>
+          <a:xfrm>
+            <a:off x="7968074" y="6535035"/>
+            <a:ext cx="718726" cy="277058"/>
+          </a:xfrm>
+        </p:spPr>
         <p:txBody>
           <a:bodyPr/>
           <a:lstStyle/>
@@ -2252,6 +2551,13 @@
   <p:clrMapOvr>
     <a:masterClrMapping/>
   </p:clrMapOvr>
+  <p:timing>
+    <p:tnLst>
+      <p:par>
+        <p:cTn id="1" dur="indefinite" restart="never" nodeType="tmRoot"/>
+      </p:par>
+    </p:tnLst>
+  </p:timing>
 </p:sldLayout>
 </file>
 
@@ -2444,12 +2750,58 @@
             <p:ph type="ftr" sz="quarter" idx="11"/>
           </p:nvPr>
         </p:nvSpPr>
-        <p:spPr/>
+        <p:spPr>
+          <a:xfrm>
+            <a:off x="3124200" y="6535035"/>
+            <a:ext cx="4712170" cy="277058"/>
+          </a:xfrm>
+        </p:spPr>
         <p:txBody>
           <a:bodyPr/>
-          <a:lstStyle/>
-          <a:p>
-            <a:endParaRPr lang="de-DE"/>
+          <a:lstStyle>
+            <a:lvl1pPr marL="0" algn="ctr" defTabSz="457200" rtl="0" eaLnBrk="1" latinLnBrk="0" hangingPunct="1">
+              <a:defRPr lang="en-US" sz="900" kern="1200" smtClean="0">
+                <a:solidFill>
+                  <a:schemeClr val="tx1">
+                    <a:tint val="75000"/>
+                  </a:schemeClr>
+                </a:solidFill>
+                <a:latin typeface="Verdana"/>
+                <a:ea typeface="+mn-ea"/>
+                <a:cs typeface="Verdana"/>
+              </a:defRPr>
+            </a:lvl1pPr>
+          </a:lstStyle>
+          <a:p>
+            <a:r>
+              <a:rPr lang="de-DE" dirty="0" smtClean="0"/>
+              <a:t>Engineering </a:t>
+            </a:r>
+            <a:r>
+              <a:rPr lang="de-DE" dirty="0" err="1" smtClean="0"/>
+              <a:t>Interpretable</a:t>
+            </a:r>
+            <a:r>
+              <a:rPr lang="de-DE" dirty="0" smtClean="0"/>
+              <a:t> </a:t>
+            </a:r>
+            <a:r>
+              <a:rPr lang="de-DE" dirty="0" err="1" smtClean="0"/>
+              <a:t>Cognitive</a:t>
+            </a:r>
+            <a:r>
+              <a:rPr lang="de-DE" dirty="0" smtClean="0"/>
+              <a:t> Computing Systems, </a:t>
+            </a:r>
+            <a:r>
+              <a:rPr lang="de-DE" dirty="0" err="1" smtClean="0"/>
+              <a:t>Diss</a:t>
+            </a:r>
+            <a:r>
+              <a:rPr lang="de-DE" dirty="0" smtClean="0"/>
+              <a:t>-Kurzcheck, 15.08.2018, Jacqueline Büttner </a:t>
+            </a:r>
+            <a:endParaRPr lang="de-DE" dirty="0"/>
           </a:p>
         </p:txBody>
       </p:sp>
@@ -2463,7 +2815,12 @@
             <p:ph type="sldNum" sz="quarter" idx="12"/>
           </p:nvPr>
         </p:nvSpPr>
-        <p:spPr/>
+        <p:spPr>
+          <a:xfrm>
+            <a:off x="7968074" y="6535035"/>
+            <a:ext cx="718726" cy="277058"/>
+          </a:xfrm>
+        </p:spPr>
         <p:txBody>
           <a:bodyPr/>
           <a:lstStyle/>
@@ -2518,6 +2875,13 @@
   <p:clrMapOvr>
     <a:masterClrMapping/>
   </p:clrMapOvr>
+  <p:timing>
+    <p:tnLst>
+      <p:par>
+        <p:cTn id="1" dur="indefinite" restart="never" nodeType="tmRoot"/>
+      </p:par>
+    </p:tnLst>
+  </p:timing>
 </p:sldLayout>
 </file>
 
@@ -2575,12 +2939,58 @@
             <p:ph type="ftr" sz="quarter" idx="11"/>
           </p:nvPr>
         </p:nvSpPr>
-        <p:spPr/>
+        <p:spPr>
+          <a:xfrm>
+            <a:off x="3124200" y="6535035"/>
+            <a:ext cx="4712170" cy="277058"/>
+          </a:xfrm>
+        </p:spPr>
         <p:txBody>
           <a:bodyPr/>
-          <a:lstStyle/>
-          <a:p>
-            <a:endParaRPr lang="de-DE"/>
+          <a:lstStyle>
+            <a:lvl1pPr marL="0" algn="ctr" defTabSz="457200" rtl="0" eaLnBrk="1" latinLnBrk="0" hangingPunct="1">
+              <a:defRPr lang="en-US" sz="900" kern="1200" smtClean="0">
+                <a:solidFill>
+                  <a:schemeClr val="tx1">
+                    <a:tint val="75000"/>
+                  </a:schemeClr>
+                </a:solidFill>
+                <a:latin typeface="Verdana"/>
+                <a:ea typeface="+mn-ea"/>
+                <a:cs typeface="Verdana"/>
+              </a:defRPr>
+            </a:lvl1pPr>
+          </a:lstStyle>
+          <a:p>
+            <a:r>
+              <a:rPr lang="de-DE" dirty="0" smtClean="0"/>
+              <a:t>Engineering </a:t>
+            </a:r>
+            <a:r>
+              <a:rPr lang="de-DE" dirty="0" err="1" smtClean="0"/>
+              <a:t>Interpretable</a:t>
+            </a:r>
+            <a:r>
+              <a:rPr lang="de-DE" dirty="0" smtClean="0"/>
+              <a:t> </a:t>
+            </a:r>
+            <a:r>
+              <a:rPr lang="de-DE" dirty="0" err="1" smtClean="0"/>
+              <a:t>Cognitive</a:t>
+            </a:r>
+            <a:r>
+              <a:rPr lang="de-DE" dirty="0" smtClean="0"/>
+              <a:t> Computing Systems, </a:t>
+            </a:r>
+            <a:r>
+              <a:rPr lang="de-DE" dirty="0" err="1" smtClean="0"/>
+              <a:t>Diss</a:t>
+            </a:r>
+            <a:r>
+              <a:rPr lang="de-DE" dirty="0" smtClean="0"/>
+              <a:t>-Kurzcheck, 15.08.2018, Jacqueline Büttner </a:t>
+            </a:r>
+            <a:endParaRPr lang="de-DE" dirty="0"/>
           </a:p>
         </p:txBody>
       </p:sp>
@@ -2594,7 +3004,12 @@
             <p:ph type="sldNum" sz="quarter" idx="12"/>
           </p:nvPr>
         </p:nvSpPr>
-        <p:spPr/>
+        <p:spPr>
+          <a:xfrm>
+            <a:off x="7968074" y="6535035"/>
+            <a:ext cx="718726" cy="277058"/>
+          </a:xfrm>
+        </p:spPr>
         <p:txBody>
           <a:bodyPr/>
           <a:lstStyle/>
@@ -2764,6 +3179,13 @@
   <p:clrMapOvr>
     <a:masterClrMapping/>
   </p:clrMapOvr>
+  <p:timing>
+    <p:tnLst>
+      <p:par>
+        <p:cTn id="1" dur="indefinite" restart="never" nodeType="tmRoot"/>
+      </p:par>
+    </p:tnLst>
+  </p:timing>
 </p:sldLayout>
 </file>
 
@@ -2821,12 +3243,58 @@
             <p:ph type="ftr" sz="quarter" idx="11"/>
           </p:nvPr>
         </p:nvSpPr>
-        <p:spPr/>
+        <p:spPr>
+          <a:xfrm>
+            <a:off x="3124200" y="6535035"/>
+            <a:ext cx="4712170" cy="277058"/>
+          </a:xfrm>
+        </p:spPr>
         <p:txBody>
           <a:bodyPr/>
-          <a:lstStyle/>
-          <a:p>
-            <a:endParaRPr lang="de-DE"/>
+          <a:lstStyle>
+            <a:lvl1pPr marL="0" algn="ctr" defTabSz="457200" rtl="0" eaLnBrk="1" latinLnBrk="0" hangingPunct="1">
+              <a:defRPr lang="en-US" sz="900" kern="1200" smtClean="0">
+                <a:solidFill>
+                  <a:schemeClr val="tx1">
+                    <a:tint val="75000"/>
+                  </a:schemeClr>
+                </a:solidFill>
+                <a:latin typeface="Verdana"/>
+                <a:ea typeface="+mn-ea"/>
+                <a:cs typeface="Verdana"/>
+              </a:defRPr>
+            </a:lvl1pPr>
+          </a:lstStyle>
+          <a:p>
+            <a:r>
+              <a:rPr lang="de-DE" dirty="0" smtClean="0"/>
+              <a:t>Engineering </a:t>
+            </a:r>
+            <a:r>
+              <a:rPr lang="de-DE" dirty="0" err="1" smtClean="0"/>
+              <a:t>Interpretable</a:t>
+            </a:r>
+            <a:r>
+              <a:rPr lang="de-DE" dirty="0" smtClean="0"/>
+              <a:t> </a:t>
+            </a:r>
+            <a:r>
+              <a:rPr lang="de-DE" dirty="0" err="1" smtClean="0"/>
+              <a:t>Cognitive</a:t>
+            </a:r>
+            <a:r>
+              <a:rPr lang="de-DE" dirty="0" smtClean="0"/>
+              <a:t> Computing Systems, </a:t>
+            </a:r>
+            <a:r>
+              <a:rPr lang="de-DE" dirty="0" err="1" smtClean="0"/>
+              <a:t>Diss</a:t>
+            </a:r>
+            <a:r>
+              <a:rPr lang="de-DE" dirty="0" smtClean="0"/>
+              <a:t>-Kurzcheck, 15.08.2018, Jacqueline Büttner </a:t>
+            </a:r>
+            <a:endParaRPr lang="de-DE" dirty="0"/>
           </a:p>
         </p:txBody>
       </p:sp>
@@ -2840,7 +3308,12 @@
             <p:ph type="sldNum" sz="quarter" idx="12"/>
           </p:nvPr>
         </p:nvSpPr>
-        <p:spPr/>
+        <p:spPr>
+          <a:xfrm>
+            <a:off x="7968074" y="6535035"/>
+            <a:ext cx="718726" cy="277058"/>
+          </a:xfrm>
+        </p:spPr>
         <p:txBody>
           <a:bodyPr/>
           <a:lstStyle/>
@@ -2945,6 +3418,13 @@
   <p:clrMapOvr>
     <a:masterClrMapping/>
   </p:clrMapOvr>
+  <p:timing>
+    <p:tnLst>
+      <p:par>
+        <p:cTn id="1" dur="indefinite" restart="never" nodeType="tmRoot"/>
+      </p:par>
+    </p:tnLst>
+  </p:timing>
 </p:sldLayout>
 </file>
 
@@ -3242,35 +3722,35 @@
           <a:p>
             <a:pPr lvl="0"/>
             <a:r>
-              <a:rPr lang="de-DE"/>
+              <a:rPr lang="de-DE" dirty="0"/>
               <a:t>Mastertextformat bearbeiten</a:t>
             </a:r>
           </a:p>
           <a:p>
             <a:pPr lvl="1"/>
             <a:r>
-              <a:rPr lang="de-DE"/>
+              <a:rPr lang="de-DE" dirty="0"/>
               <a:t>Zweite Ebene</a:t>
             </a:r>
           </a:p>
           <a:p>
             <a:pPr lvl="2"/>
             <a:r>
-              <a:rPr lang="de-DE"/>
+              <a:rPr lang="de-DE" dirty="0"/>
               <a:t>Dritte Ebene</a:t>
             </a:r>
           </a:p>
           <a:p>
             <a:pPr lvl="3"/>
             <a:r>
-              <a:rPr lang="de-DE"/>
+              <a:rPr lang="de-DE" dirty="0"/>
               <a:t>Vierte Ebene</a:t>
             </a:r>
           </a:p>
           <a:p>
             <a:pPr lvl="4"/>
             <a:r>
-              <a:rPr lang="de-DE"/>
+              <a:rPr lang="de-DE" dirty="0"/>
               <a:t>Fünfte Ebene</a:t>
             </a:r>
             <a:endParaRPr lang="en-US" dirty="0"/>
@@ -3287,7 +3767,12 @@
             <p:ph type="sldNum" sz="quarter" idx="11"/>
           </p:nvPr>
         </p:nvSpPr>
-        <p:spPr/>
+        <p:spPr>
+          <a:xfrm>
+            <a:off x="7968074" y="6526797"/>
+            <a:ext cx="718726" cy="277058"/>
+          </a:xfrm>
+        </p:spPr>
         <p:txBody>
           <a:bodyPr/>
           <a:lstStyle>
@@ -3374,8 +3859,8 @@
         </p:nvSpPr>
         <p:spPr>
           <a:xfrm>
-            <a:off x="3582937" y="6422010"/>
-            <a:ext cx="4396303" cy="283590"/>
+            <a:off x="2982097" y="6512628"/>
+            <a:ext cx="4997143" cy="283590"/>
           </a:xfrm>
           <a:prstGeom prst="rect">
             <a:avLst/>
@@ -3385,7 +3870,7 @@
           <a:bodyPr vert="horz" lIns="91440" tIns="45720" rIns="91440" bIns="45720" rtlCol="0" anchor="ctr"/>
           <a:lstStyle>
             <a:lvl1pPr algn="l">
-              <a:defRPr sz="1200">
+              <a:defRPr sz="900">
                 <a:solidFill>
                   <a:schemeClr val="tx1">
                     <a:tint val="75000"/>
@@ -3399,8 +3884,16 @@
           <a:p>
             <a:pPr algn="ctr"/>
             <a:r>
-              <a:rPr lang="en-US"/>
-              <a:t>Abnahme QG1 – M. Hesenius</a:t>
+              <a:rPr lang="en-US" dirty="0" smtClean="0"/>
+              <a:t>Engineering Interpretable Cognitive Computing Systems, </a:t>
+            </a:r>
+            <a:r>
+              <a:rPr lang="en-US" dirty="0" err="1" smtClean="0"/>
+              <a:t>Diss-Kurzcheck</a:t>
+            </a:r>
+            <a:r>
+              <a:rPr lang="en-US" dirty="0" smtClean="0"/>
+              <a:t>, 15.08.2018, Jacqueline Büttner </a:t>
             </a:r>
             <a:endParaRPr lang="en-US" dirty="0"/>
           </a:p>
@@ -3416,6 +3909,13 @@
   <p:clrMapOvr>
     <a:masterClrMapping/>
   </p:clrMapOvr>
+  <p:timing>
+    <p:tnLst>
+      <p:par>
+        <p:cTn id="1" dur="indefinite" restart="never" nodeType="tmRoot"/>
+      </p:par>
+    </p:tnLst>
+  </p:timing>
 </p:sldLayout>
 </file>
 
@@ -3640,6 +4140,13 @@
   <p:clrMapOvr>
     <a:masterClrMapping/>
   </p:clrMapOvr>
+  <p:timing>
+    <p:tnLst>
+      <p:par>
+        <p:cTn id="1" dur="indefinite" restart="never" nodeType="tmRoot"/>
+      </p:par>
+    </p:tnLst>
+  </p:timing>
 </p:sldLayout>
 </file>
 
@@ -3692,12 +4199,58 @@
             <p:ph type="ftr" sz="quarter" idx="11"/>
           </p:nvPr>
         </p:nvSpPr>
-        <p:spPr/>
+        <p:spPr>
+          <a:xfrm>
+            <a:off x="3124200" y="6526797"/>
+            <a:ext cx="4712170" cy="277058"/>
+          </a:xfrm>
+        </p:spPr>
         <p:txBody>
           <a:bodyPr/>
-          <a:lstStyle/>
-          <a:p>
-            <a:endParaRPr lang="de-DE"/>
+          <a:lstStyle>
+            <a:lvl1pPr marL="0" algn="ctr" defTabSz="457200" rtl="0" eaLnBrk="1" latinLnBrk="0" hangingPunct="1">
+              <a:defRPr lang="en-US" sz="900" kern="1200" smtClean="0">
+                <a:solidFill>
+                  <a:schemeClr val="tx1">
+                    <a:tint val="75000"/>
+                  </a:schemeClr>
+                </a:solidFill>
+                <a:latin typeface="Verdana"/>
+                <a:ea typeface="+mn-ea"/>
+                <a:cs typeface="Verdana"/>
+              </a:defRPr>
+            </a:lvl1pPr>
+          </a:lstStyle>
+          <a:p>
+            <a:r>
+              <a:rPr lang="de-DE" dirty="0" smtClean="0"/>
+              <a:t>Engineering </a:t>
+            </a:r>
+            <a:r>
+              <a:rPr lang="de-DE" dirty="0" err="1" smtClean="0"/>
+              <a:t>Interpretable</a:t>
+            </a:r>
+            <a:r>
+              <a:rPr lang="de-DE" dirty="0" smtClean="0"/>
+              <a:t> </a:t>
+            </a:r>
+            <a:r>
+              <a:rPr lang="de-DE" dirty="0" err="1" smtClean="0"/>
+              <a:t>Cognitive</a:t>
+            </a:r>
+            <a:r>
+              <a:rPr lang="de-DE" dirty="0" smtClean="0"/>
+              <a:t> Computing Systems, </a:t>
+            </a:r>
+            <a:r>
+              <a:rPr lang="de-DE" dirty="0" err="1" smtClean="0"/>
+              <a:t>Diss</a:t>
+            </a:r>
+            <a:r>
+              <a:rPr lang="de-DE" dirty="0" smtClean="0"/>
+              <a:t>-Kurzcheck, 15.08.2018, Jacqueline Büttner </a:t>
+            </a:r>
+            <a:endParaRPr lang="de-DE" dirty="0"/>
           </a:p>
         </p:txBody>
       </p:sp>
@@ -3711,7 +4264,12 @@
             <p:ph type="sldNum" sz="quarter" idx="12"/>
           </p:nvPr>
         </p:nvSpPr>
-        <p:spPr/>
+        <p:spPr>
+          <a:xfrm>
+            <a:off x="7968074" y="6529225"/>
+            <a:ext cx="718726" cy="277058"/>
+          </a:xfrm>
+        </p:spPr>
         <p:txBody>
           <a:bodyPr/>
           <a:lstStyle/>
@@ -3721,7 +4279,7 @@
               <a:pPr/>
               <a:t>‹Nr.›</a:t>
             </a:fld>
-            <a:endParaRPr lang="de-DE"/>
+            <a:endParaRPr lang="de-DE" dirty="0"/>
           </a:p>
         </p:txBody>
       </p:sp>
@@ -3766,6 +4324,13 @@
   <p:clrMapOvr>
     <a:masterClrMapping/>
   </p:clrMapOvr>
+  <p:timing>
+    <p:tnLst>
+      <p:par>
+        <p:cTn id="1" dur="indefinite" restart="never" nodeType="tmRoot"/>
+      </p:par>
+    </p:tnLst>
+  </p:timing>
 </p:sldLayout>
 </file>
 
@@ -3796,12 +4361,58 @@
             <p:ph type="ftr" sz="quarter" idx="11"/>
           </p:nvPr>
         </p:nvSpPr>
-        <p:spPr/>
+        <p:spPr>
+          <a:xfrm>
+            <a:off x="3124200" y="6539752"/>
+            <a:ext cx="4712170" cy="277058"/>
+          </a:xfrm>
+        </p:spPr>
         <p:txBody>
           <a:bodyPr/>
-          <a:lstStyle/>
-          <a:p>
-            <a:endParaRPr lang="de-DE"/>
+          <a:lstStyle>
+            <a:lvl1pPr marL="0" algn="ctr" defTabSz="457200" rtl="0" eaLnBrk="1" latinLnBrk="0" hangingPunct="1">
+              <a:defRPr lang="en-US" sz="900" kern="1200" smtClean="0">
+                <a:solidFill>
+                  <a:schemeClr val="tx1">
+                    <a:tint val="75000"/>
+                  </a:schemeClr>
+                </a:solidFill>
+                <a:latin typeface="Verdana"/>
+                <a:ea typeface="+mn-ea"/>
+                <a:cs typeface="Verdana"/>
+              </a:defRPr>
+            </a:lvl1pPr>
+          </a:lstStyle>
+          <a:p>
+            <a:r>
+              <a:rPr lang="de-DE" dirty="0" smtClean="0"/>
+              <a:t>Engineering </a:t>
+            </a:r>
+            <a:r>
+              <a:rPr lang="de-DE" dirty="0" err="1" smtClean="0"/>
+              <a:t>Interpretable</a:t>
+            </a:r>
+            <a:r>
+              <a:rPr lang="de-DE" dirty="0" smtClean="0"/>
+              <a:t> </a:t>
+            </a:r>
+            <a:r>
+              <a:rPr lang="de-DE" dirty="0" err="1" smtClean="0"/>
+              <a:t>Cognitive</a:t>
+            </a:r>
+            <a:r>
+              <a:rPr lang="de-DE" dirty="0" smtClean="0"/>
+              <a:t> Computing Systems, </a:t>
+            </a:r>
+            <a:r>
+              <a:rPr lang="de-DE" dirty="0" err="1" smtClean="0"/>
+              <a:t>Diss</a:t>
+            </a:r>
+            <a:r>
+              <a:rPr lang="de-DE" dirty="0" smtClean="0"/>
+              <a:t>-Kurzcheck, 15.08.2018, Jacqueline Büttner </a:t>
+            </a:r>
+            <a:endParaRPr lang="de-DE" dirty="0"/>
           </a:p>
         </p:txBody>
       </p:sp>
@@ -3815,7 +4426,12 @@
             <p:ph type="sldNum" sz="quarter" idx="12"/>
           </p:nvPr>
         </p:nvSpPr>
-        <p:spPr/>
+        <p:spPr>
+          <a:xfrm>
+            <a:off x="7968074" y="6531514"/>
+            <a:ext cx="718726" cy="277058"/>
+          </a:xfrm>
+        </p:spPr>
         <p:txBody>
           <a:bodyPr/>
           <a:lstStyle/>
@@ -3825,7 +4441,7 @@
               <a:pPr/>
               <a:t>‹Nr.›</a:t>
             </a:fld>
-            <a:endParaRPr lang="de-DE"/>
+            <a:endParaRPr lang="de-DE" dirty="0"/>
           </a:p>
         </p:txBody>
       </p:sp>
@@ -4044,6 +4660,13 @@
   <p:clrMapOvr>
     <a:masterClrMapping/>
   </p:clrMapOvr>
+  <p:timing>
+    <p:tnLst>
+      <p:par>
+        <p:cTn id="1" dur="indefinite" restart="never" nodeType="tmRoot"/>
+      </p:par>
+    </p:tnLst>
+  </p:timing>
 </p:sldLayout>
 </file>
 
@@ -4221,12 +4844,58 @@
             <p:ph type="ftr" sz="quarter" idx="11"/>
           </p:nvPr>
         </p:nvSpPr>
-        <p:spPr/>
+        <p:spPr>
+          <a:xfrm>
+            <a:off x="3124200" y="6543273"/>
+            <a:ext cx="4712170" cy="277058"/>
+          </a:xfrm>
+        </p:spPr>
         <p:txBody>
           <a:bodyPr/>
-          <a:lstStyle/>
-          <a:p>
-            <a:endParaRPr lang="de-DE"/>
+          <a:lstStyle>
+            <a:lvl1pPr marL="0" algn="ctr" defTabSz="457200" rtl="0" eaLnBrk="1" latinLnBrk="0" hangingPunct="1">
+              <a:defRPr lang="en-US" sz="900" kern="1200" smtClean="0">
+                <a:solidFill>
+                  <a:schemeClr val="tx1">
+                    <a:tint val="75000"/>
+                  </a:schemeClr>
+                </a:solidFill>
+                <a:latin typeface="Verdana"/>
+                <a:ea typeface="+mn-ea"/>
+                <a:cs typeface="Verdana"/>
+              </a:defRPr>
+            </a:lvl1pPr>
+          </a:lstStyle>
+          <a:p>
+            <a:r>
+              <a:rPr lang="de-DE" dirty="0" smtClean="0"/>
+              <a:t>Engineering </a:t>
+            </a:r>
+            <a:r>
+              <a:rPr lang="de-DE" dirty="0" err="1" smtClean="0"/>
+              <a:t>Interpretable</a:t>
+            </a:r>
+            <a:r>
+              <a:rPr lang="de-DE" dirty="0" smtClean="0"/>
+              <a:t> </a:t>
+            </a:r>
+            <a:r>
+              <a:rPr lang="de-DE" dirty="0" err="1" smtClean="0"/>
+              <a:t>Cognitive</a:t>
+            </a:r>
+            <a:r>
+              <a:rPr lang="de-DE" dirty="0" smtClean="0"/>
+              <a:t> Computing Systems, </a:t>
+            </a:r>
+            <a:r>
+              <a:rPr lang="de-DE" dirty="0" err="1" smtClean="0"/>
+              <a:t>Diss</a:t>
+            </a:r>
+            <a:r>
+              <a:rPr lang="de-DE" dirty="0" smtClean="0"/>
+              <a:t>-Kurzcheck, 15.08.2018, Jacqueline Büttner </a:t>
+            </a:r>
+            <a:endParaRPr lang="de-DE" dirty="0"/>
           </a:p>
         </p:txBody>
       </p:sp>
@@ -4240,7 +4909,12 @@
             <p:ph type="sldNum" sz="quarter" idx="12"/>
           </p:nvPr>
         </p:nvSpPr>
-        <p:spPr/>
+        <p:spPr>
+          <a:xfrm>
+            <a:off x="7968074" y="6543273"/>
+            <a:ext cx="718726" cy="277058"/>
+          </a:xfrm>
+        </p:spPr>
         <p:txBody>
           <a:bodyPr/>
           <a:lstStyle/>
@@ -4295,6 +4969,13 @@
   <p:clrMapOvr>
     <a:masterClrMapping/>
   </p:clrMapOvr>
+  <p:timing>
+    <p:tnLst>
+      <p:par>
+        <p:cTn id="1" dur="indefinite" restart="never" nodeType="tmRoot"/>
+      </p:par>
+    </p:tnLst>
+  </p:timing>
 </p:sldLayout>
 </file>
 
@@ -4325,12 +5006,58 @@
             <p:ph type="ftr" sz="quarter" idx="11"/>
           </p:nvPr>
         </p:nvSpPr>
-        <p:spPr/>
+        <p:spPr>
+          <a:xfrm>
+            <a:off x="3124200" y="6535035"/>
+            <a:ext cx="4712170" cy="277058"/>
+          </a:xfrm>
+        </p:spPr>
         <p:txBody>
           <a:bodyPr/>
-          <a:lstStyle/>
-          <a:p>
-            <a:endParaRPr lang="de-DE"/>
+          <a:lstStyle>
+            <a:lvl1pPr marL="0" algn="ctr" defTabSz="457200" rtl="0" eaLnBrk="1" latinLnBrk="0" hangingPunct="1">
+              <a:defRPr lang="en-US" sz="900" kern="1200" smtClean="0">
+                <a:solidFill>
+                  <a:schemeClr val="tx1">
+                    <a:tint val="75000"/>
+                  </a:schemeClr>
+                </a:solidFill>
+                <a:latin typeface="Verdana"/>
+                <a:ea typeface="+mn-ea"/>
+                <a:cs typeface="Verdana"/>
+              </a:defRPr>
+            </a:lvl1pPr>
+          </a:lstStyle>
+          <a:p>
+            <a:r>
+              <a:rPr lang="de-DE" dirty="0" smtClean="0"/>
+              <a:t>Engineering </a:t>
+            </a:r>
+            <a:r>
+              <a:rPr lang="de-DE" dirty="0" err="1" smtClean="0"/>
+              <a:t>Interpretable</a:t>
+            </a:r>
+            <a:r>
+              <a:rPr lang="de-DE" dirty="0" smtClean="0"/>
+              <a:t> </a:t>
+            </a:r>
+            <a:r>
+              <a:rPr lang="de-DE" dirty="0" err="1" smtClean="0"/>
+              <a:t>Cognitive</a:t>
+            </a:r>
+            <a:r>
+              <a:rPr lang="de-DE" dirty="0" smtClean="0"/>
+              <a:t> Computing Systems, </a:t>
+            </a:r>
+            <a:r>
+              <a:rPr lang="de-DE" dirty="0" err="1" smtClean="0"/>
+              <a:t>Diss</a:t>
+            </a:r>
+            <a:r>
+              <a:rPr lang="de-DE" dirty="0" smtClean="0"/>
+              <a:t>-Kurzcheck, 15.08.2018, Jacqueline Büttner </a:t>
+            </a:r>
+            <a:endParaRPr lang="de-DE" dirty="0"/>
           </a:p>
         </p:txBody>
       </p:sp>
@@ -4344,7 +5071,12 @@
             <p:ph type="sldNum" sz="quarter" idx="12"/>
           </p:nvPr>
         </p:nvSpPr>
-        <p:spPr/>
+        <p:spPr>
+          <a:xfrm>
+            <a:off x="7968074" y="6535035"/>
+            <a:ext cx="718726" cy="277058"/>
+          </a:xfrm>
+        </p:spPr>
         <p:txBody>
           <a:bodyPr/>
           <a:lstStyle/>
@@ -4399,12 +5131,24 @@
   <p:clrMapOvr>
     <a:masterClrMapping/>
   </p:clrMapOvr>
+  <p:timing>
+    <p:tnLst>
+      <p:par>
+        <p:cTn id="1" dur="indefinite" restart="never" nodeType="tmRoot"/>
+      </p:par>
+    </p:tnLst>
+  </p:timing>
 </p:sldLayout>
 </file>
 
 <file path=ppt/slideLayouts/slideLayout7.xml><?xml version="1.0" encoding="utf-8"?>
 <p:sldLayout xmlns:a="http://schemas.openxmlformats.org/drawingml/2006/main" xmlns:r="http://schemas.openxmlformats.org/officeDocument/2006/relationships" xmlns:p="http://schemas.openxmlformats.org/presentationml/2006/main" type="obj" preserve="1">
   <p:cSld name="1_Titel und Inhalt">
+    <p:bg>
+      <p:bgRef idx="1001">
+        <a:schemeClr val="bg1"/>
+      </p:bgRef>
+    </p:bg>
     <p:spTree>
       <p:nvGrpSpPr>
         <p:cNvPr id="1" name=""/>
@@ -4499,62 +5243,107 @@
           <a:p>
             <a:pPr lvl="0"/>
             <a:r>
-              <a:rPr lang="de-DE"/>
+              <a:rPr lang="de-DE" dirty="0"/>
               <a:t>Mastertextformat bearbeiten</a:t>
             </a:r>
           </a:p>
           <a:p>
             <a:pPr lvl="1"/>
             <a:r>
-              <a:rPr lang="de-DE"/>
+              <a:rPr lang="de-DE" dirty="0"/>
               <a:t>Zweite Ebene</a:t>
             </a:r>
           </a:p>
           <a:p>
             <a:pPr lvl="2"/>
             <a:r>
-              <a:rPr lang="de-DE"/>
+              <a:rPr lang="de-DE" dirty="0"/>
               <a:t>Dritte Ebene</a:t>
             </a:r>
           </a:p>
           <a:p>
             <a:pPr lvl="3"/>
             <a:r>
-              <a:rPr lang="de-DE"/>
+              <a:rPr lang="de-DE" dirty="0"/>
               <a:t>Vierte Ebene</a:t>
             </a:r>
           </a:p>
           <a:p>
             <a:pPr lvl="4"/>
             <a:r>
-              <a:rPr lang="de-DE"/>
+              <a:rPr lang="de-DE" dirty="0"/>
               <a:t>Fünfte Ebene</a:t>
             </a:r>
+          </a:p>
+        </p:txBody>
+      </p:sp>
+      <p:sp>
+        <p:nvSpPr>
+          <p:cNvPr id="5" name="Fußzeilenplatzhalter 4"/>
+          <p:cNvSpPr>
+            <a:spLocks noGrp="1"/>
+          </p:cNvSpPr>
+          <p:nvPr>
+            <p:ph type="ftr" sz="quarter" idx="11"/>
+          </p:nvPr>
+        </p:nvSpPr>
+        <p:spPr>
+          <a:xfrm>
+            <a:off x="3124200" y="6530906"/>
+            <a:ext cx="4712170" cy="277058"/>
+          </a:xfrm>
+        </p:spPr>
+        <p:txBody>
+          <a:bodyPr/>
+          <a:lstStyle>
+            <a:lvl1pPr marL="0" algn="ctr" defTabSz="457200" rtl="0" eaLnBrk="1" latinLnBrk="0" hangingPunct="1">
+              <a:defRPr lang="en-US" sz="900" kern="1200" smtClean="0">
+                <a:solidFill>
+                  <a:schemeClr val="tx1">
+                    <a:tint val="75000"/>
+                  </a:schemeClr>
+                </a:solidFill>
+                <a:latin typeface="Verdana"/>
+                <a:ea typeface="+mn-ea"/>
+                <a:cs typeface="Verdana"/>
+              </a:defRPr>
+            </a:lvl1pPr>
+          </a:lstStyle>
+          <a:p>
+            <a:r>
+              <a:rPr lang="de-DE" dirty="0" smtClean="0"/>
+              <a:t>Engineering </a:t>
+            </a:r>
+            <a:r>
+              <a:rPr lang="de-DE" dirty="0" err="1" smtClean="0"/>
+              <a:t>Interpretable</a:t>
+            </a:r>
+            <a:r>
+              <a:rPr lang="de-DE" dirty="0" smtClean="0"/>
+              <a:t> </a:t>
+            </a:r>
+            <a:r>
+              <a:rPr lang="de-DE" dirty="0" err="1" smtClean="0"/>
+              <a:t>Cognitive</a:t>
+            </a:r>
+            <a:r>
+              <a:rPr lang="de-DE" dirty="0" smtClean="0"/>
+              <a:t> Computing Systems, </a:t>
+            </a:r>
+            <a:r>
+              <a:rPr lang="de-DE" dirty="0" err="1" smtClean="0"/>
+              <a:t>Diss</a:t>
+            </a:r>
+            <a:r>
+              <a:rPr lang="de-DE" dirty="0" smtClean="0"/>
+              <a:t>-Kurzcheck, 15.08.2018, Jacqueline Büttner </a:t>
+            </a:r>
             <a:endParaRPr lang="de-DE" dirty="0"/>
           </a:p>
         </p:txBody>
       </p:sp>
       <p:sp>
         <p:nvSpPr>
-          <p:cNvPr id="5" name="Fußzeilenplatzhalter 4"/>
-          <p:cNvSpPr>
-            <a:spLocks noGrp="1"/>
-          </p:cNvSpPr>
-          <p:nvPr>
-            <p:ph type="ftr" sz="quarter" idx="11"/>
-          </p:nvPr>
-        </p:nvSpPr>
-        <p:spPr/>
-        <p:txBody>
-          <a:bodyPr/>
-          <a:lstStyle/>
-          <a:p>
-            <a:endParaRPr lang="de-DE"/>
-          </a:p>
-        </p:txBody>
-      </p:sp>
-      <p:sp>
-        <p:nvSpPr>
           <p:cNvPr id="6" name="Foliennummernplatzhalter 5"/>
           <p:cNvSpPr>
             <a:spLocks noGrp="1"/>
@@ -4563,7 +5352,12 @@
             <p:ph type="sldNum" sz="quarter" idx="12"/>
           </p:nvPr>
         </p:nvSpPr>
-        <p:spPr/>
+        <p:spPr>
+          <a:xfrm>
+            <a:off x="7968074" y="6530906"/>
+            <a:ext cx="718726" cy="277058"/>
+          </a:xfrm>
+        </p:spPr>
         <p:txBody>
           <a:bodyPr/>
           <a:lstStyle/>
@@ -4573,7 +5367,7 @@
               <a:pPr/>
               <a:t>‹Nr.›</a:t>
             </a:fld>
-            <a:endParaRPr lang="de-DE"/>
+            <a:endParaRPr lang="de-DE" dirty="0"/>
           </a:p>
         </p:txBody>
       </p:sp>
@@ -4616,8 +5410,15 @@
     </p:spTree>
   </p:cSld>
   <p:clrMapOvr>
-    <a:masterClrMapping/>
+    <a:overrideClrMapping bg1="lt1" tx1="dk1" bg2="lt2" tx2="dk2" accent1="accent1" accent2="accent2" accent3="accent3" accent4="accent4" accent5="accent5" accent6="accent6" hlink="hlink" folHlink="folHlink"/>
   </p:clrMapOvr>
+  <p:timing>
+    <p:tnLst>
+      <p:par>
+        <p:cTn id="1" dur="indefinite" restart="never" nodeType="tmRoot"/>
+      </p:par>
+    </p:tnLst>
+  </p:timing>
 </p:sldLayout>
 </file>
 
@@ -4753,12 +5554,58 @@
             <p:ph type="ftr" sz="quarter" idx="11"/>
           </p:nvPr>
         </p:nvSpPr>
-        <p:spPr/>
+        <p:spPr>
+          <a:xfrm>
+            <a:off x="3124200" y="6535035"/>
+            <a:ext cx="4712170" cy="277058"/>
+          </a:xfrm>
+        </p:spPr>
         <p:txBody>
           <a:bodyPr/>
-          <a:lstStyle/>
-          <a:p>
-            <a:endParaRPr lang="de-DE"/>
+          <a:lstStyle>
+            <a:lvl1pPr marL="0" algn="ctr" defTabSz="457200" rtl="0" eaLnBrk="1" latinLnBrk="0" hangingPunct="1">
+              <a:defRPr lang="en-US" sz="900" kern="1200" smtClean="0">
+                <a:solidFill>
+                  <a:schemeClr val="tx1">
+                    <a:tint val="75000"/>
+                  </a:schemeClr>
+                </a:solidFill>
+                <a:latin typeface="Verdana"/>
+                <a:ea typeface="+mn-ea"/>
+                <a:cs typeface="Verdana"/>
+              </a:defRPr>
+            </a:lvl1pPr>
+          </a:lstStyle>
+          <a:p>
+            <a:r>
+              <a:rPr lang="de-DE" dirty="0" smtClean="0"/>
+              <a:t>Engineering </a:t>
+            </a:r>
+            <a:r>
+              <a:rPr lang="de-DE" dirty="0" err="1" smtClean="0"/>
+              <a:t>Interpretable</a:t>
+            </a:r>
+            <a:r>
+              <a:rPr lang="de-DE" dirty="0" smtClean="0"/>
+              <a:t> </a:t>
+            </a:r>
+            <a:r>
+              <a:rPr lang="de-DE" dirty="0" err="1" smtClean="0"/>
+              <a:t>Cognitive</a:t>
+            </a:r>
+            <a:r>
+              <a:rPr lang="de-DE" dirty="0" smtClean="0"/>
+              <a:t> Computing Systems, </a:t>
+            </a:r>
+            <a:r>
+              <a:rPr lang="de-DE" dirty="0" err="1" smtClean="0"/>
+              <a:t>Diss</a:t>
+            </a:r>
+            <a:r>
+              <a:rPr lang="de-DE" dirty="0" smtClean="0"/>
+              <a:t>-Kurzcheck, 15.08.2018, Jacqueline Büttner </a:t>
+            </a:r>
+            <a:endParaRPr lang="de-DE" dirty="0"/>
           </a:p>
         </p:txBody>
       </p:sp>
@@ -4772,7 +5619,12 @@
             <p:ph type="sldNum" sz="quarter" idx="12"/>
           </p:nvPr>
         </p:nvSpPr>
-        <p:spPr/>
+        <p:spPr>
+          <a:xfrm>
+            <a:off x="7968074" y="6535035"/>
+            <a:ext cx="718726" cy="277058"/>
+          </a:xfrm>
+        </p:spPr>
         <p:txBody>
           <a:bodyPr/>
           <a:lstStyle/>
@@ -4827,6 +5679,13 @@
   <p:clrMapOvr>
     <a:masterClrMapping/>
   </p:clrMapOvr>
+  <p:timing>
+    <p:tnLst>
+      <p:par>
+        <p:cTn id="1" dur="indefinite" restart="never" nodeType="tmRoot"/>
+      </p:par>
+    </p:tnLst>
+  </p:timing>
 </p:sldLayout>
 </file>
 
@@ -5047,12 +5906,58 @@
             <p:ph type="ftr" sz="quarter" idx="11"/>
           </p:nvPr>
         </p:nvSpPr>
-        <p:spPr/>
+        <p:spPr>
+          <a:xfrm>
+            <a:off x="3124200" y="6526797"/>
+            <a:ext cx="4712170" cy="277058"/>
+          </a:xfrm>
+        </p:spPr>
         <p:txBody>
           <a:bodyPr/>
-          <a:lstStyle/>
-          <a:p>
-            <a:endParaRPr lang="de-DE"/>
+          <a:lstStyle>
+            <a:lvl1pPr marL="0" algn="ctr" defTabSz="457200" rtl="0" eaLnBrk="1" latinLnBrk="0" hangingPunct="1">
+              <a:defRPr lang="en-US" sz="900" kern="1200" smtClean="0">
+                <a:solidFill>
+                  <a:schemeClr val="tx1">
+                    <a:tint val="75000"/>
+                  </a:schemeClr>
+                </a:solidFill>
+                <a:latin typeface="Verdana"/>
+                <a:ea typeface="+mn-ea"/>
+                <a:cs typeface="Verdana"/>
+              </a:defRPr>
+            </a:lvl1pPr>
+          </a:lstStyle>
+          <a:p>
+            <a:r>
+              <a:rPr lang="de-DE" dirty="0" smtClean="0"/>
+              <a:t>Engineering </a:t>
+            </a:r>
+            <a:r>
+              <a:rPr lang="de-DE" dirty="0" err="1" smtClean="0"/>
+              <a:t>Interpretable</a:t>
+            </a:r>
+            <a:r>
+              <a:rPr lang="de-DE" dirty="0" smtClean="0"/>
+              <a:t> </a:t>
+            </a:r>
+            <a:r>
+              <a:rPr lang="de-DE" dirty="0" err="1" smtClean="0"/>
+              <a:t>Cognitive</a:t>
+            </a:r>
+            <a:r>
+              <a:rPr lang="de-DE" dirty="0" smtClean="0"/>
+              <a:t> Computing Systems, </a:t>
+            </a:r>
+            <a:r>
+              <a:rPr lang="de-DE" dirty="0" err="1" smtClean="0"/>
+              <a:t>Diss</a:t>
+            </a:r>
+            <a:r>
+              <a:rPr lang="de-DE" dirty="0" smtClean="0"/>
+              <a:t>-Kurzcheck, 15.08.2018, Jacqueline Büttner </a:t>
+            </a:r>
+            <a:endParaRPr lang="de-DE" dirty="0"/>
           </a:p>
         </p:txBody>
       </p:sp>
@@ -5066,7 +5971,12 @@
             <p:ph type="sldNum" sz="quarter" idx="12"/>
           </p:nvPr>
         </p:nvSpPr>
-        <p:spPr/>
+        <p:spPr>
+          <a:xfrm>
+            <a:off x="7968074" y="6526797"/>
+            <a:ext cx="718726" cy="277058"/>
+          </a:xfrm>
+        </p:spPr>
         <p:txBody>
           <a:bodyPr/>
           <a:lstStyle/>
@@ -5121,6 +6031,13 @@
   <p:clrMapOvr>
     <a:masterClrMapping/>
   </p:clrMapOvr>
+  <p:timing>
+    <p:tnLst>
+      <p:par>
+        <p:cTn id="1" dur="indefinite" restart="never" nodeType="tmRoot"/>
+      </p:par>
+    </p:tnLst>
+  </p:timing>
 </p:sldLayout>
 </file>
 
@@ -5261,20 +6178,47 @@
         <p:txBody>
           <a:bodyPr vert="horz" lIns="91440" tIns="45720" rIns="91440" bIns="45720" rtlCol="0" anchor="ctr"/>
           <a:lstStyle>
-            <a:lvl1pPr algn="ctr">
-              <a:defRPr sz="1000">
+            <a:lvl1pPr marL="0" algn="ctr" defTabSz="457200" rtl="0" eaLnBrk="1" latinLnBrk="0" hangingPunct="1">
+              <a:defRPr lang="en-US" sz="900" kern="1200" smtClean="0">
                 <a:solidFill>
-                  <a:srgbClr val="000000"/>
+                  <a:schemeClr val="tx1">
+                    <a:tint val="75000"/>
+                  </a:schemeClr>
                 </a:solidFill>
-                <a:latin typeface="Arial"/>
-                <a:cs typeface="Arial"/>
+                <a:latin typeface="Verdana"/>
+                <a:ea typeface="+mn-ea"/>
+                <a:cs typeface="Verdana"/>
               </a:defRPr>
             </a:lvl1pPr>
           </a:lstStyle>
           <a:p>
             <a:r>
-              <a:rPr lang="de-DE"/>
-              <a:t>Fußnote 10pt</a:t>
+              <a:rPr lang="de-DE" dirty="0" smtClean="0"/>
+              <a:t>Engineering </a:t>
+            </a:r>
+            <a:r>
+              <a:rPr lang="de-DE" dirty="0" err="1" smtClean="0"/>
+              <a:t>Interpretable</a:t>
+            </a:r>
+            <a:r>
+              <a:rPr lang="de-DE" dirty="0" smtClean="0"/>
+              <a:t> </a:t>
+            </a:r>
+            <a:r>
+              <a:rPr lang="de-DE" dirty="0" err="1" smtClean="0"/>
+              <a:t>Cognitive</a:t>
+            </a:r>
+            <a:r>
+              <a:rPr lang="de-DE" dirty="0" smtClean="0"/>
+              <a:t> Computing Systems, </a:t>
+            </a:r>
+            <a:r>
+              <a:rPr lang="de-DE" dirty="0" err="1" smtClean="0"/>
+              <a:t>Diss</a:t>
+            </a:r>
+            <a:r>
+              <a:rPr lang="de-DE" dirty="0" smtClean="0"/>
+              <a:t>-Kurzcheck, 15.08.2018, Jacqueline Büttner </a:t>
             </a:r>
             <a:endParaRPr lang="de-DE" dirty="0"/>
           </a:p>
@@ -5472,6 +6416,14 @@
     <p:sldLayoutId id="2147483690" r:id="rId15"/>
     <p:sldLayoutId id="2147483694" r:id="rId16"/>
   </p:sldLayoutIdLst>
+  <p:timing>
+    <p:tnLst>
+      <p:par>
+        <p:cTn id="1" dur="indefinite" restart="never" nodeType="tmRoot"/>
+      </p:par>
+    </p:tnLst>
+  </p:timing>
+  <p:hf hdr="0" dt="0"/>
   <p:txStyles>
     <p:titleStyle>
       <a:lvl1pPr algn="l" defTabSz="457200" rtl="0" eaLnBrk="1" latinLnBrk="0" hangingPunct="1">
@@ -5767,61 +6719,81 @@
             <p:ph type="body" sz="quarter" idx="13"/>
           </p:nvPr>
         </p:nvSpPr>
-        <p:spPr/>
-        <p:txBody>
-          <a:bodyPr/>
+        <p:spPr>
+          <a:xfrm>
+            <a:off x="285728" y="4375072"/>
+            <a:ext cx="8737691" cy="1191715"/>
+          </a:xfrm>
+        </p:spPr>
+        <p:txBody>
+          <a:bodyPr>
+            <a:normAutofit/>
+          </a:bodyPr>
           <a:lstStyle/>
           <a:p>
-            <a:r>
-              <a:rPr lang="de-DE" dirty="0" smtClean="0"/>
+            <a:pPr algn="ctr"/>
+            <a:r>
+              <a:rPr lang="de-DE" dirty="0" smtClean="0">
+                <a:solidFill>
+                  <a:schemeClr val="tx1"/>
+                </a:solidFill>
+              </a:rPr>
               <a:t>Engineering </a:t>
             </a:r>
             <a:r>
-              <a:rPr lang="de-DE" dirty="0" err="1" smtClean="0"/>
-              <a:t>interpretable</a:t>
-            </a:r>
-            <a:r>
-              <a:rPr lang="de-DE" dirty="0" smtClean="0"/>
+              <a:rPr lang="de-DE" dirty="0" err="1" smtClean="0">
+                <a:solidFill>
+                  <a:schemeClr val="tx1"/>
+                </a:solidFill>
+              </a:rPr>
+              <a:t>Interpretable</a:t>
+            </a:r>
+            <a:r>
+              <a:rPr lang="de-DE" dirty="0" smtClean="0">
+                <a:solidFill>
+                  <a:schemeClr val="tx1"/>
+                </a:solidFill>
+              </a:rPr>
               <a:t> </a:t>
             </a:r>
-            <a:r>
-              <a:rPr lang="de-DE" dirty="0" err="1" smtClean="0"/>
+          </a:p>
+          <a:p>
+            <a:pPr algn="ctr"/>
+            <a:r>
+              <a:rPr lang="de-DE" dirty="0" err="1" smtClean="0">
+                <a:solidFill>
+                  <a:schemeClr val="tx1"/>
+                </a:solidFill>
+              </a:rPr>
               <a:t>Cognitive</a:t>
             </a:r>
             <a:r>
-              <a:rPr lang="de-DE" dirty="0" smtClean="0"/>
-              <a:t> Computing Systems</a:t>
-            </a:r>
-            <a:endParaRPr lang="de-DE" dirty="0"/>
-          </a:p>
-        </p:txBody>
-      </p:sp>
-      <p:sp>
-        <p:nvSpPr>
-          <p:cNvPr id="5" name="Textplatzhalter 4"/>
-          <p:cNvSpPr>
-            <a:spLocks noGrp="1"/>
-          </p:cNvSpPr>
-          <p:nvPr>
-            <p:ph type="body" sz="quarter" idx="15"/>
-          </p:nvPr>
-        </p:nvSpPr>
-        <p:spPr/>
-        <p:txBody>
-          <a:bodyPr/>
-          <a:lstStyle/>
-          <a:p>
-            <a:r>
-              <a:rPr lang="de-DE" dirty="0" smtClean="0"/>
-              <a:t>(Arbeitstitel)</a:t>
-            </a:r>
-            <a:endParaRPr lang="de-DE" dirty="0"/>
+              <a:rPr lang="de-DE" dirty="0" smtClean="0">
+                <a:solidFill>
+                  <a:schemeClr val="tx1"/>
+                </a:solidFill>
+              </a:rPr>
+              <a:t> </a:t>
+            </a:r>
+            <a:r>
+              <a:rPr lang="de-DE" dirty="0" smtClean="0">
+                <a:solidFill>
+                  <a:schemeClr val="tx1"/>
+                </a:solidFill>
+              </a:rPr>
+              <a:t>Computing Systems</a:t>
+            </a:r>
+            <a:endParaRPr lang="de-DE" dirty="0">
+              <a:solidFill>
+                <a:schemeClr val="tx1"/>
+              </a:solidFill>
+            </a:endParaRPr>
           </a:p>
         </p:txBody>
       </p:sp>
       <p:pic>
         <p:nvPicPr>
-          <p:cNvPr id="1026" name="Picture 2" descr="Bildergebnis fÃ¼r box vector"/>
+          <p:cNvPr id="1028" name="Picture 4" descr="Government Data Mining"/>
           <p:cNvPicPr>
             <a:picLocks noChangeAspect="1" noChangeArrowheads="1"/>
           </p:cNvPicPr>
@@ -5842,8 +6814,8 @@
         </p:blipFill>
         <p:spPr bwMode="auto">
           <a:xfrm>
-            <a:off x="3969808" y="2008965"/>
-            <a:ext cx="2172019" cy="1985361"/>
+            <a:off x="2187" y="0"/>
+            <a:ext cx="9176184" cy="4170066"/>
           </a:xfrm>
           <a:prstGeom prst="rect">
             <a:avLst/>
@@ -5860,47 +6832,53 @@
           </a:extLst>
         </p:spPr>
       </p:pic>
-      <p:pic>
-        <p:nvPicPr>
-          <p:cNvPr id="1030" name="Picture 6" descr="Bildergebnis fÃ¼r untersuchen clip art"/>
-          <p:cNvPicPr>
-            <a:picLocks noChangeAspect="1" noChangeArrowheads="1"/>
-          </p:cNvPicPr>
-          <p:nvPr/>
-        </p:nvPicPr>
-        <p:blipFill>
-          <a:blip r:embed="rId4">
-            <a:extLst>
-              <a:ext uri="{28A0092B-C50C-407E-A947-70E740481C1C}">
-                <a14:useLocalDpi xmlns:a14="http://schemas.microsoft.com/office/drawing/2010/main" val="0"/>
-              </a:ext>
-            </a:extLst>
-          </a:blip>
-          <a:srcRect/>
-          <a:stretch>
-            <a:fillRect/>
-          </a:stretch>
-        </p:blipFill>
-        <p:spPr bwMode="auto">
-          <a:xfrm>
-            <a:off x="1798108" y="821328"/>
-            <a:ext cx="2171700" cy="2286001"/>
-          </a:xfrm>
-          <a:prstGeom prst="rect">
-            <a:avLst/>
-          </a:prstGeom>
-          <a:noFill/>
-          <a:extLst>
-            <a:ext uri="{909E8E84-426E-40DD-AFC4-6F175D3DCCD1}">
-              <a14:hiddenFill xmlns:a14="http://schemas.microsoft.com/office/drawing/2010/main">
+      <p:sp>
+        <p:nvSpPr>
+          <p:cNvPr id="8" name="Textplatzhalter 2"/>
+          <p:cNvSpPr>
+            <a:spLocks noGrp="1"/>
+          </p:cNvSpPr>
+          <p:nvPr>
+            <p:ph type="body" sz="quarter" idx="13"/>
+          </p:nvPr>
+        </p:nvSpPr>
+        <p:spPr>
+          <a:xfrm>
+            <a:off x="221433" y="5550384"/>
+            <a:ext cx="8737691" cy="799829"/>
+          </a:xfrm>
+        </p:spPr>
+        <p:txBody>
+          <a:bodyPr>
+            <a:normAutofit/>
+          </a:bodyPr>
+          <a:lstStyle/>
+          <a:p>
+            <a:pPr algn="ctr"/>
+            <a:r>
+              <a:rPr lang="de-DE" sz="1600" dirty="0" err="1" smtClean="0">
                 <a:solidFill>
-                  <a:srgbClr val="FFFFFF"/>
+                  <a:schemeClr val="tx1"/>
                 </a:solidFill>
-              </a14:hiddenFill>
-            </a:ext>
-          </a:extLst>
-        </p:spPr>
-      </p:pic>
+              </a:rPr>
+              <a:t>Diss</a:t>
+            </a:r>
+            <a:r>
+              <a:rPr lang="de-DE" sz="1600" dirty="0" smtClean="0">
+                <a:solidFill>
+                  <a:schemeClr val="tx1"/>
+                </a:solidFill>
+              </a:rPr>
+              <a:t>-Kurzcheck | 15.08.2018 | Jacqueline Büttner</a:t>
+            </a:r>
+            <a:endParaRPr lang="de-DE" sz="1600" dirty="0">
+              <a:solidFill>
+                <a:schemeClr val="tx1"/>
+              </a:solidFill>
+            </a:endParaRPr>
+          </a:p>
+        </p:txBody>
+      </p:sp>
     </p:spTree>
     <p:extLst>
       <p:ext uri="{BB962C8B-B14F-4D97-AF65-F5344CB8AC3E}">
@@ -5922,7 +6900,7 @@
 </file>
 
 <file path=ppt/slides/slide10.xml><?xml version="1.0" encoding="utf-8"?>
-<p:sld xmlns:a="http://schemas.openxmlformats.org/drawingml/2006/main" xmlns:r="http://schemas.openxmlformats.org/officeDocument/2006/relationships" xmlns:p="http://schemas.openxmlformats.org/presentationml/2006/main">
+<p:sld xmlns:a="http://schemas.openxmlformats.org/drawingml/2006/main" xmlns:r="http://schemas.openxmlformats.org/officeDocument/2006/relationships" xmlns:p="http://schemas.openxmlformats.org/presentationml/2006/main" show="0">
   <p:cSld>
     <p:spTree>
       <p:nvGrpSpPr>
@@ -5940,7 +6918,13 @@
       </p:grpSpPr>
       <p:sp>
         <p:nvSpPr>
-          <p:cNvPr id="2" name="Titel 1"/>
+          <p:cNvPr id="2" name="Title 1">
+            <a:extLst>
+              <a:ext uri="{FF2B5EF4-FFF2-40B4-BE49-F238E27FC236}">
+                <a16:creationId xmlns:a16="http://schemas.microsoft.com/office/drawing/2014/main" id="{7577113E-E9BE-F74B-BF92-9D8520C58403}"/>
+              </a:ext>
+            </a:extLst>
+          </p:cNvPr>
           <p:cNvSpPr>
             <a:spLocks noGrp="1"/>
           </p:cNvSpPr>
@@ -5955,7 +6939,7 @@
           <a:p>
             <a:r>
               <a:rPr lang="de-DE" dirty="0" smtClean="0"/>
-              <a:t>Hypothesen</a:t>
+              <a:t>Interaktives, iteratives Entwickeln</a:t>
             </a:r>
             <a:endParaRPr lang="de-DE" dirty="0"/>
           </a:p>
@@ -5963,14 +6947,125 @@
       </p:sp>
       <p:sp>
         <p:nvSpPr>
-          <p:cNvPr id="3" name="Textfeld 2"/>
+          <p:cNvPr id="4" name="Inhaltsplatzhalter 3"/>
+          <p:cNvSpPr>
+            <a:spLocks noGrp="1"/>
+          </p:cNvSpPr>
+          <p:nvPr>
+            <p:ph sz="half" idx="2"/>
+          </p:nvPr>
+        </p:nvSpPr>
+        <p:spPr>
+          <a:xfrm>
+            <a:off x="457200" y="946151"/>
+            <a:ext cx="8448089" cy="1696566"/>
+          </a:xfrm>
+        </p:spPr>
+        <p:txBody>
+          <a:bodyPr/>
+          <a:lstStyle/>
+          <a:p>
+            <a:pPr>
+              <a:buClr>
+                <a:schemeClr val="tx2"/>
+              </a:buClr>
+              <a:buAutoNum type="arabicPeriod"/>
+            </a:pPr>
+            <a:r>
+              <a:rPr lang="de-DE" dirty="0"/>
+              <a:t>Einflussfaktoren für Ausgabe</a:t>
+            </a:r>
+          </a:p>
+          <a:p>
+            <a:pPr>
+              <a:buClr>
+                <a:schemeClr val="tx2"/>
+              </a:buClr>
+              <a:buAutoNum type="arabicPeriod"/>
+            </a:pPr>
+            <a:r>
+              <a:rPr lang="de-DE" dirty="0"/>
+              <a:t>Thesen Generierung für Black Box Modell</a:t>
+            </a:r>
+          </a:p>
+          <a:p>
+            <a:pPr marL="800100" lvl="1" indent="-342900">
+              <a:buClr>
+                <a:schemeClr val="tx2"/>
+              </a:buClr>
+              <a:buAutoNum type="arabicPeriod"/>
+            </a:pPr>
+            <a:r>
+              <a:rPr lang="de-DE" dirty="0"/>
+              <a:t>Das Modell kann nur gut ausgeleuchtete Spieler erkennen</a:t>
+            </a:r>
+          </a:p>
+          <a:p>
+            <a:pPr marL="800100" lvl="1" indent="-342900">
+              <a:buClr>
+                <a:schemeClr val="tx2"/>
+              </a:buClr>
+              <a:buAutoNum type="arabicPeriod"/>
+            </a:pPr>
+            <a:r>
+              <a:rPr lang="de-DE" dirty="0"/>
+              <a:t>Das Modell basiert auf zwei nebeneinander liegenden „Strichen“</a:t>
+            </a:r>
+          </a:p>
+          <a:p>
+            <a:pPr>
+              <a:buClr>
+                <a:schemeClr val="tx2"/>
+              </a:buClr>
+              <a:buAutoNum type="arabicPeriod"/>
+            </a:pPr>
+            <a:endParaRPr lang="de-DE" dirty="0"/>
+          </a:p>
+          <a:p>
+            <a:endParaRPr lang="de-DE" dirty="0"/>
+          </a:p>
+        </p:txBody>
+      </p:sp>
+      <p:pic>
+        <p:nvPicPr>
+          <p:cNvPr id="5" name="Grafik 4"/>
+          <p:cNvPicPr>
+            <a:picLocks noChangeAspect="1"/>
+          </p:cNvPicPr>
+          <p:nvPr/>
+        </p:nvPicPr>
+        <p:blipFill>
+          <a:blip r:embed="rId3">
+            <a:extLst>
+              <a:ext uri="{28A0092B-C50C-407E-A947-70E740481C1C}">
+                <a14:useLocalDpi xmlns:a14="http://schemas.microsoft.com/office/drawing/2010/main" val="0"/>
+              </a:ext>
+            </a:extLst>
+          </a:blip>
+          <a:stretch>
+            <a:fillRect/>
+          </a:stretch>
+        </p:blipFill>
+        <p:spPr>
+          <a:xfrm>
+            <a:off x="457200" y="2533171"/>
+            <a:ext cx="5559187" cy="3696188"/>
+          </a:xfrm>
+          <a:prstGeom prst="rect">
+            <a:avLst/>
+          </a:prstGeom>
+        </p:spPr>
+      </p:pic>
+      <p:sp>
+        <p:nvSpPr>
+          <p:cNvPr id="6" name="Textfeld 5"/>
           <p:cNvSpPr txBox="1"/>
           <p:nvPr/>
         </p:nvSpPr>
         <p:spPr>
           <a:xfrm>
-            <a:off x="457200" y="946150"/>
-            <a:ext cx="8103996" cy="5303925"/>
+            <a:off x="457200" y="813916"/>
+            <a:ext cx="5732585" cy="552660"/>
           </a:xfrm>
           <a:prstGeom prst="rect">
             <a:avLst/>
@@ -5983,169 +7078,81 @@
           </a:bodyPr>
           <a:lstStyle/>
           <a:p>
-            <a:pPr marL="285750" indent="-285750">
+            <a:pPr marL="342900" indent="-342900">
               <a:buClr>
                 <a:schemeClr val="tx2"/>
               </a:buClr>
-              <a:buFont typeface="Arial" panose="020B0604020202020204" pitchFamily="34" charset="0"/>
-              <a:buChar char="•"/>
-            </a:pPr>
-            <a:r>
-              <a:rPr lang="de-DE" dirty="0" smtClean="0"/>
-              <a:t>Die Interpretierbarkeit eines Modells hängt maßgeblich ab von</a:t>
-            </a:r>
-          </a:p>
-          <a:p>
-            <a:pPr marL="742950" lvl="1" indent="-285750">
-              <a:buClr>
-                <a:schemeClr val="tx2"/>
-              </a:buClr>
-              <a:buFont typeface="Arial" panose="020B0604020202020204" pitchFamily="34" charset="0"/>
-              <a:buChar char="•"/>
-            </a:pPr>
-            <a:r>
-              <a:rPr lang="de-DE" dirty="0" smtClean="0"/>
-              <a:t>Der Komplexität des statistischen Modells</a:t>
-            </a:r>
-          </a:p>
-          <a:p>
-            <a:pPr marL="742950" lvl="1" indent="-285750">
-              <a:buClr>
-                <a:schemeClr val="tx2"/>
-              </a:buClr>
-              <a:buFont typeface="Arial" panose="020B0604020202020204" pitchFamily="34" charset="0"/>
-              <a:buChar char="•"/>
-            </a:pPr>
-            <a:r>
-              <a:rPr lang="de-DE" dirty="0" smtClean="0"/>
-              <a:t>Dem Verständnis der Fachdomäne</a:t>
-            </a:r>
-          </a:p>
-          <a:p>
-            <a:pPr marL="285750" indent="-285750">
-              <a:buClr>
-                <a:schemeClr val="tx2"/>
-              </a:buClr>
-              <a:buFont typeface="Arial" panose="020B0604020202020204" pitchFamily="34" charset="0"/>
-              <a:buChar char="•"/>
-            </a:pPr>
-            <a:r>
-              <a:rPr lang="de-DE" dirty="0" smtClean="0"/>
-              <a:t>Die Komplexität eines Modells kann durch die Anzahl der geschätzten Freiheitsgrade verringert werden. Dies erhöht zugleich die Interpretierbarkeit des Modells.</a:t>
-            </a:r>
-          </a:p>
-          <a:p>
-            <a:pPr marL="285750" indent="-285750">
-              <a:buClr>
-                <a:schemeClr val="tx2"/>
-              </a:buClr>
-              <a:buFont typeface="Arial" panose="020B0604020202020204" pitchFamily="34" charset="0"/>
-              <a:buChar char="•"/>
-            </a:pPr>
-            <a:r>
-              <a:rPr lang="de-DE" dirty="0" smtClean="0"/>
-              <a:t>Durch einen iterativen </a:t>
-            </a:r>
-            <a:r>
-              <a:rPr lang="de-DE" dirty="0" err="1" smtClean="0"/>
-              <a:t>Verstehensprozess</a:t>
-            </a:r>
-            <a:r>
-              <a:rPr lang="de-DE" dirty="0" smtClean="0"/>
-              <a:t> auf Basis der Eingabedaten und des Modells kann ein erhöhtes Verständnis der Fachdomäne erreicht werden. Dies erhöht zugleich die Interpretierbarkeit des Modells.</a:t>
-            </a:r>
-          </a:p>
-          <a:p>
-            <a:pPr marL="285750" indent="-285750">
-              <a:buClr>
-                <a:schemeClr val="tx2"/>
-              </a:buClr>
-              <a:buFont typeface="Arial" panose="020B0604020202020204" pitchFamily="34" charset="0"/>
-              <a:buChar char="•"/>
-            </a:pPr>
-            <a:r>
-              <a:rPr lang="de-DE" dirty="0" smtClean="0"/>
-              <a:t>Dies kann man erreichen durch</a:t>
-            </a:r>
-          </a:p>
-          <a:p>
-            <a:pPr marL="800100" lvl="1" indent="-342900">
-              <a:buClr>
-                <a:schemeClr val="tx2"/>
-              </a:buClr>
-              <a:buAutoNum type="alphaLcParenR"/>
-            </a:pPr>
-            <a:r>
-              <a:rPr lang="de-DE" dirty="0" smtClean="0"/>
-              <a:t>Aufteilen in mehrere Modelle mit höherer Spezialisierung</a:t>
-            </a:r>
-          </a:p>
-          <a:p>
-            <a:pPr marL="800100" lvl="1" indent="-342900">
-              <a:buClr>
-                <a:schemeClr val="tx2"/>
-              </a:buClr>
-              <a:buAutoNum type="alphaLcParenR"/>
-            </a:pPr>
-            <a:r>
-              <a:rPr lang="de-DE" dirty="0" smtClean="0"/>
-              <a:t>Verbesserung der Güte der Merkmale</a:t>
-            </a:r>
-          </a:p>
-          <a:p>
-            <a:pPr marL="800100" lvl="1" indent="-342900">
-              <a:buClr>
-                <a:schemeClr val="tx2"/>
-              </a:buClr>
-              <a:buAutoNum type="alphaLcParenR"/>
-            </a:pPr>
-            <a:r>
-              <a:rPr lang="de-DE" dirty="0" smtClean="0"/>
-              <a:t>Reengineering durch Simulation</a:t>
-            </a:r>
-          </a:p>
-          <a:p>
-            <a:pPr marL="800100" lvl="1" indent="-342900">
-              <a:buClr>
-                <a:schemeClr val="tx2"/>
-              </a:buClr>
-              <a:buAutoNum type="alphaLcParenR"/>
-            </a:pPr>
-            <a:r>
-              <a:rPr lang="de-DE" dirty="0" smtClean="0"/>
-              <a:t>Transfer Lernen zu leichter interpretierbaren Modellen</a:t>
-            </a:r>
-          </a:p>
-          <a:p>
-            <a:pPr marL="800100" lvl="1" indent="-342900">
-              <a:buClr>
-                <a:schemeClr val="tx2"/>
-              </a:buClr>
-              <a:buAutoNum type="alphaLcParenR"/>
+              <a:buAutoNum type="arabicPeriod"/>
             </a:pPr>
             <a:endParaRPr lang="de-DE" dirty="0" smtClean="0"/>
           </a:p>
-          <a:p>
-            <a:pPr marL="800100" lvl="1" indent="-342900">
-              <a:buClr>
-                <a:schemeClr val="tx2"/>
-              </a:buClr>
-              <a:buAutoNum type="alphaLcParenR"/>
-            </a:pPr>
-            <a:endParaRPr lang="de-DE" dirty="0" smtClean="0"/>
+        </p:txBody>
+      </p:sp>
+      <p:sp>
+        <p:nvSpPr>
+          <p:cNvPr id="9" name="Foliennummernplatzhalter 8"/>
+          <p:cNvSpPr>
+            <a:spLocks noGrp="1"/>
+          </p:cNvSpPr>
+          <p:nvPr>
+            <p:ph type="sldNum" sz="quarter" idx="12"/>
+          </p:nvPr>
+        </p:nvSpPr>
+        <p:spPr/>
+        <p:txBody>
+          <a:bodyPr/>
+          <a:lstStyle/>
+          <a:p>
+            <a:fld id="{16878A96-99AD-184B-A8E8-77C65609B727}" type="slidenum">
+              <a:rPr lang="de-DE" smtClean="0"/>
+              <a:pPr/>
+              <a:t>10</a:t>
+            </a:fld>
+            <a:endParaRPr lang="de-DE"/>
+          </a:p>
+        </p:txBody>
+      </p:sp>
+      <p:sp>
+        <p:nvSpPr>
+          <p:cNvPr id="10" name="Fußzeilenplatzhalter 9"/>
+          <p:cNvSpPr>
+            <a:spLocks noGrp="1"/>
+          </p:cNvSpPr>
+          <p:nvPr>
+            <p:ph type="ftr" sz="quarter" idx="11"/>
+          </p:nvPr>
+        </p:nvSpPr>
+        <p:spPr/>
+        <p:txBody>
+          <a:bodyPr/>
+          <a:lstStyle/>
+          <a:p>
+            <a:r>
+              <a:rPr lang="en-US" smtClean="0"/>
+              <a:t>Engineering Interpretable Cognitive Computing Systems, Diss-Kurzcheck, 15.08.2018, Jacqueline Büttner </a:t>
+            </a:r>
+            <a:endParaRPr lang="de-DE"/>
           </a:p>
         </p:txBody>
       </p:sp>
     </p:spTree>
     <p:extLst>
       <p:ext uri="{BB962C8B-B14F-4D97-AF65-F5344CB8AC3E}">
-        <p14:creationId xmlns:p14="http://schemas.microsoft.com/office/powerpoint/2010/main" val="274331917"/>
+        <p14:creationId xmlns:p14="http://schemas.microsoft.com/office/powerpoint/2010/main" val="2700289573"/>
       </p:ext>
     </p:extLst>
   </p:cSld>
   <p:clrMapOvr>
     <a:masterClrMapping/>
   </p:clrMapOvr>
+  <mc:AlternateContent xmlns:mc="http://schemas.openxmlformats.org/markup-compatibility/2006">
+    <mc:Choice xmlns:p14="http://schemas.microsoft.com/office/powerpoint/2010/main" Requires="p14">
+      <p:transition spd="slow" p14:dur="2000"/>
+    </mc:Choice>
+    <mc:Fallback>
+      <p:transition spd="slow"/>
+    </mc:Fallback>
+  </mc:AlternateContent>
   <p:timing>
     <p:tnLst>
       <p:par>
@@ -6175,7 +7182,13 @@
       </p:grpSpPr>
       <p:sp>
         <p:nvSpPr>
-          <p:cNvPr id="7" name="Titel 6"/>
+          <p:cNvPr id="2" name="Title 1">
+            <a:extLst>
+              <a:ext uri="{FF2B5EF4-FFF2-40B4-BE49-F238E27FC236}">
+                <a16:creationId xmlns:a16="http://schemas.microsoft.com/office/drawing/2014/main" id="{7577113E-E9BE-F74B-BF92-9D8520C58403}"/>
+              </a:ext>
+            </a:extLst>
+          </p:cNvPr>
           <p:cNvSpPr>
             <a:spLocks noGrp="1"/>
           </p:cNvSpPr>
@@ -6189,47 +7202,160 @@
           <a:lstStyle/>
           <a:p>
             <a:r>
-              <a:rPr lang="de-DE" dirty="0" smtClean="0"/>
-              <a:t>Interpretierbarkeit</a:t>
+              <a:rPr lang="de-DE" dirty="0" err="1"/>
+              <a:t>Explainable</a:t>
+            </a:r>
+            <a:r>
+              <a:rPr lang="de-DE" dirty="0"/>
+              <a:t> </a:t>
+            </a:r>
+            <a:r>
+              <a:rPr lang="de-DE" dirty="0" err="1"/>
+              <a:t>Artificial</a:t>
+            </a:r>
+            <a:r>
+              <a:rPr lang="de-DE" dirty="0"/>
+              <a:t> </a:t>
+            </a:r>
+            <a:r>
+              <a:rPr lang="de-DE" dirty="0" err="1"/>
+              <a:t>Intelligence</a:t>
             </a:r>
             <a:endParaRPr lang="de-DE" dirty="0"/>
+          </a:p>
+        </p:txBody>
+      </p:sp>
+      <p:sp>
+        <p:nvSpPr>
+          <p:cNvPr id="4" name="Textfeld 3"/>
+          <p:cNvSpPr txBox="1"/>
+          <p:nvPr/>
+        </p:nvSpPr>
+        <p:spPr>
+          <a:xfrm>
+            <a:off x="4966711" y="6220714"/>
+            <a:ext cx="2848708" cy="582805"/>
+          </a:xfrm>
+          <a:prstGeom prst="rect">
+            <a:avLst/>
+          </a:prstGeom>
+          <a:noFill/>
+        </p:spPr>
+        <p:txBody>
+          <a:bodyPr wrap="square" lIns="0" rIns="0" rtlCol="0">
+            <a:noAutofit/>
+          </a:bodyPr>
+          <a:lstStyle/>
+          <a:p>
+            <a:pPr>
+              <a:buClr>
+                <a:schemeClr val="tx2"/>
+              </a:buClr>
+            </a:pPr>
+            <a:r>
+              <a:rPr lang="de-DE" sz="800" dirty="0"/>
+              <a:t>https://www.darpa.mil/attachments/XAIProgramUpdate.pdf</a:t>
+            </a:r>
+            <a:endParaRPr lang="de-DE" sz="800" dirty="0" smtClean="0"/>
           </a:p>
         </p:txBody>
       </p:sp>
       <p:pic>
         <p:nvPicPr>
-          <p:cNvPr id="10" name="Grafik 9"/>
+          <p:cNvPr id="5" name="Grafik 4"/>
           <p:cNvPicPr>
             <a:picLocks noChangeAspect="1"/>
           </p:cNvPicPr>
           <p:nvPr/>
         </p:nvPicPr>
         <p:blipFill>
-          <a:blip r:embed="rId2"/>
+          <a:blip r:embed="rId3"/>
           <a:stretch>
             <a:fillRect/>
           </a:stretch>
         </p:blipFill>
         <p:spPr>
           <a:xfrm>
-            <a:off x="1452562" y="1069574"/>
-            <a:ext cx="6238875" cy="4276725"/>
+            <a:off x="314325" y="957262"/>
+            <a:ext cx="8515350" cy="4943475"/>
           </a:xfrm>
           <a:prstGeom prst="rect">
             <a:avLst/>
           </a:prstGeom>
         </p:spPr>
       </p:pic>
+      <p:sp>
+        <p:nvSpPr>
+          <p:cNvPr id="6" name="Foliennummernplatzhalter 5"/>
+          <p:cNvSpPr>
+            <a:spLocks noGrp="1"/>
+          </p:cNvSpPr>
+          <p:nvPr>
+            <p:ph type="sldNum" sz="quarter" idx="12"/>
+          </p:nvPr>
+        </p:nvSpPr>
+        <p:spPr/>
+        <p:txBody>
+          <a:bodyPr/>
+          <a:lstStyle/>
+          <a:p>
+            <a:fld id="{16878A96-99AD-184B-A8E8-77C65609B727}" type="slidenum">
+              <a:rPr lang="de-DE" smtClean="0"/>
+              <a:pPr/>
+              <a:t>2</a:t>
+            </a:fld>
+            <a:endParaRPr lang="de-DE" dirty="0"/>
+          </a:p>
+        </p:txBody>
+      </p:sp>
+      <p:sp>
+        <p:nvSpPr>
+          <p:cNvPr id="7" name="Fußzeilenplatzhalter 6"/>
+          <p:cNvSpPr>
+            <a:spLocks noGrp="1"/>
+          </p:cNvSpPr>
+          <p:nvPr>
+            <p:ph type="ftr" sz="quarter" idx="11"/>
+          </p:nvPr>
+        </p:nvSpPr>
+        <p:spPr/>
+        <p:txBody>
+          <a:bodyPr/>
+          <a:lstStyle/>
+          <a:p>
+            <a:r>
+              <a:rPr lang="en-US" dirty="0"/>
+              <a:t>Engineering Interpretable Cognitive Computing Systems, </a:t>
+            </a:r>
+            <a:r>
+              <a:rPr lang="en-US" dirty="0" err="1"/>
+              <a:t>Diss-Kurzcheck</a:t>
+            </a:r>
+            <a:r>
+              <a:rPr lang="en-US" dirty="0"/>
+              <a:t>, 15.08.2018, Jacqueline Büttner </a:t>
+            </a:r>
+            <a:endParaRPr lang="de-DE" dirty="0"/>
+          </a:p>
+        </p:txBody>
+      </p:sp>
     </p:spTree>
     <p:extLst>
       <p:ext uri="{BB962C8B-B14F-4D97-AF65-F5344CB8AC3E}">
-        <p14:creationId xmlns:p14="http://schemas.microsoft.com/office/powerpoint/2010/main" val="1058011085"/>
+        <p14:creationId xmlns:p14="http://schemas.microsoft.com/office/powerpoint/2010/main" val="2779718912"/>
       </p:ext>
     </p:extLst>
   </p:cSld>
   <p:clrMapOvr>
     <a:masterClrMapping/>
   </p:clrMapOvr>
+  <p:timing>
+    <p:tnLst>
+      <p:par>
+        <p:cTn id="1" dur="indefinite" restart="never" nodeType="tmRoot"/>
+      </p:par>
+    </p:tnLst>
+  </p:timing>
 </p:sld>
 </file>
 
@@ -6266,107 +7392,482 @@
           <a:lstStyle/>
           <a:p>
             <a:r>
-              <a:rPr lang="de-DE" dirty="0" smtClean="0"/>
-              <a:t>Interpretierbarkeit</a:t>
-            </a:r>
+              <a:rPr lang="de-DE" dirty="0" err="1" smtClean="0"/>
+              <a:t>Explainable</a:t>
+            </a:r>
+            <a:r>
+              <a:rPr lang="de-DE" dirty="0" smtClean="0"/>
+              <a:t> </a:t>
+            </a:r>
+            <a:r>
+              <a:rPr lang="de-DE" dirty="0" err="1" smtClean="0"/>
+              <a:t>Artificial</a:t>
+            </a:r>
+            <a:r>
+              <a:rPr lang="de-DE" dirty="0" smtClean="0"/>
+              <a:t> </a:t>
+            </a:r>
+            <a:r>
+              <a:rPr lang="de-DE" dirty="0" err="1" smtClean="0"/>
+              <a:t>Intelligence</a:t>
+            </a:r>
+            <a:endParaRPr lang="de-DE" dirty="0"/>
+          </a:p>
+        </p:txBody>
+      </p:sp>
+      <p:sp>
+        <p:nvSpPr>
+          <p:cNvPr id="4" name="Inhaltsplatzhalter 3"/>
+          <p:cNvSpPr>
+            <a:spLocks noGrp="1"/>
+          </p:cNvSpPr>
+          <p:nvPr>
+            <p:ph sz="half" idx="1"/>
+          </p:nvPr>
+        </p:nvSpPr>
+        <p:spPr>
+          <a:xfrm>
+            <a:off x="457200" y="855488"/>
+            <a:ext cx="8229600" cy="2025457"/>
+          </a:xfrm>
+        </p:spPr>
+        <p:txBody>
+          <a:bodyPr/>
+          <a:lstStyle/>
+          <a:p>
+            <a:r>
+              <a:rPr lang="de-DE" dirty="0" smtClean="0"/>
+              <a:t>Viele Begriffe in der Literatur, keine klaren Abgrenzungen</a:t>
+            </a:r>
+          </a:p>
+          <a:p>
+            <a:r>
+              <a:rPr lang="de-DE" dirty="0" smtClean="0"/>
+              <a:t>Viel Literatur zur Erklärung </a:t>
+            </a:r>
+          </a:p>
+          <a:p>
+            <a:pPr lvl="1"/>
+            <a:r>
+              <a:rPr lang="de-DE" dirty="0" smtClean="0"/>
+              <a:t>mittels Visualisierung von Aktivierungen</a:t>
+            </a:r>
+          </a:p>
+          <a:p>
+            <a:pPr lvl="1"/>
+            <a:r>
+              <a:rPr lang="de-DE" dirty="0"/>
+              <a:t>Einfluss von </a:t>
+            </a:r>
+            <a:r>
+              <a:rPr lang="de-DE" dirty="0" smtClean="0"/>
+              <a:t>Features</a:t>
+            </a:r>
+          </a:p>
+          <a:p>
+            <a:pPr lvl="1"/>
+            <a:r>
+              <a:rPr lang="de-DE" dirty="0" smtClean="0"/>
+              <a:t>Vergleich von</a:t>
+            </a:r>
+          </a:p>
+          <a:p>
+            <a:pPr marL="457200" lvl="1" indent="0">
+              <a:buNone/>
+            </a:pPr>
+            <a:r>
+              <a:rPr lang="de-DE" dirty="0" smtClean="0"/>
+              <a:t>	Beispielen</a:t>
+            </a:r>
+          </a:p>
+          <a:p>
+            <a:pPr lvl="1"/>
+            <a:endParaRPr lang="de-DE" dirty="0" smtClean="0"/>
+          </a:p>
+          <a:p>
             <a:endParaRPr lang="de-DE" dirty="0"/>
           </a:p>
         </p:txBody>
       </p:sp>
       <p:pic>
         <p:nvPicPr>
-          <p:cNvPr id="10" name="Grafik 9"/>
+          <p:cNvPr id="3" name="Grafik 2"/>
           <p:cNvPicPr>
             <a:picLocks noChangeAspect="1"/>
           </p:cNvPicPr>
           <p:nvPr/>
         </p:nvPicPr>
         <p:blipFill>
-          <a:blip r:embed="rId2"/>
+          <a:blip r:embed="rId3"/>
           <a:stretch>
             <a:fillRect/>
           </a:stretch>
         </p:blipFill>
         <p:spPr>
           <a:xfrm>
-            <a:off x="1452562" y="1069574"/>
-            <a:ext cx="6238875" cy="4276725"/>
+            <a:off x="3521947" y="2310345"/>
+            <a:ext cx="5300505" cy="3837141"/>
           </a:xfrm>
           <a:prstGeom prst="rect">
             <a:avLst/>
           </a:prstGeom>
         </p:spPr>
       </p:pic>
-      <p:cxnSp>
-        <p:nvCxnSpPr>
-          <p:cNvPr id="3" name="Gerader Verbinder 2"/>
-          <p:cNvCxnSpPr/>
+      <p:sp>
+        <p:nvSpPr>
+          <p:cNvPr id="5" name="Textfeld 4"/>
+          <p:cNvSpPr txBox="1"/>
           <p:nvPr/>
-        </p:nvCxnSpPr>
-        <p:spPr>
-          <a:xfrm>
-            <a:off x="1699846" y="2763298"/>
-            <a:ext cx="5334000" cy="271304"/>
-          </a:xfrm>
-          <a:prstGeom prst="line">
+        </p:nvSpPr>
+        <p:spPr>
+          <a:xfrm>
+            <a:off x="3054699" y="6270171"/>
+            <a:ext cx="6531428" cy="271306"/>
+          </a:xfrm>
+          <a:prstGeom prst="rect">
             <a:avLst/>
           </a:prstGeom>
-        </p:spPr>
-        <p:style>
-          <a:lnRef idx="2">
-            <a:schemeClr val="accent1"/>
-          </a:lnRef>
-          <a:fillRef idx="0">
-            <a:schemeClr val="accent1"/>
-          </a:fillRef>
-          <a:effectRef idx="1">
-            <a:schemeClr val="accent1"/>
-          </a:effectRef>
-          <a:fontRef idx="minor">
-            <a:schemeClr val="tx1"/>
-          </a:fontRef>
-        </p:style>
-      </p:cxnSp>
-      <p:cxnSp>
-        <p:nvCxnSpPr>
-          <p:cNvPr id="6" name="Gerader Verbinder 5"/>
-          <p:cNvCxnSpPr/>
+          <a:noFill/>
+        </p:spPr>
+        <p:txBody>
+          <a:bodyPr wrap="square" lIns="0" rIns="0" rtlCol="0">
+            <a:noAutofit/>
+          </a:bodyPr>
+          <a:lstStyle/>
+          <a:p>
+            <a:endParaRPr lang="de-DE" dirty="0" smtClean="0"/>
+          </a:p>
+        </p:txBody>
+      </p:sp>
+      <p:pic>
+        <p:nvPicPr>
+          <p:cNvPr id="6" name="Grafik 5"/>
+          <p:cNvPicPr>
+            <a:picLocks noChangeAspect="1"/>
+          </p:cNvPicPr>
           <p:nvPr/>
-        </p:nvCxnSpPr>
-        <p:spPr>
-          <a:xfrm flipV="1">
-            <a:off x="1699846" y="2763298"/>
-            <a:ext cx="5102888" cy="271304"/>
-          </a:xfrm>
-          <a:prstGeom prst="line">
+        </p:nvPicPr>
+        <p:blipFill>
+          <a:blip r:embed="rId4"/>
+          <a:stretch>
+            <a:fillRect/>
+          </a:stretch>
+        </p:blipFill>
+        <p:spPr>
+          <a:xfrm>
+            <a:off x="422588" y="3422872"/>
+            <a:ext cx="2859314" cy="2724614"/>
+          </a:xfrm>
+          <a:prstGeom prst="rect">
             <a:avLst/>
           </a:prstGeom>
         </p:spPr>
-        <p:style>
-          <a:lnRef idx="2">
-            <a:schemeClr val="accent1"/>
-          </a:lnRef>
-          <a:fillRef idx="0">
-            <a:schemeClr val="accent1"/>
-          </a:fillRef>
-          <a:effectRef idx="1">
-            <a:schemeClr val="accent1"/>
-          </a:effectRef>
-          <a:fontRef idx="minor">
-            <a:schemeClr val="tx1"/>
-          </a:fontRef>
-        </p:style>
-      </p:cxnSp>
+      </p:pic>
+      <p:pic>
+        <p:nvPicPr>
+          <p:cNvPr id="8" name="Grafik 7"/>
+          <p:cNvPicPr>
+            <a:picLocks noChangeAspect="1"/>
+          </p:cNvPicPr>
+          <p:nvPr/>
+        </p:nvPicPr>
+        <p:blipFill>
+          <a:blip r:embed="rId5"/>
+          <a:stretch>
+            <a:fillRect/>
+          </a:stretch>
+        </p:blipFill>
+        <p:spPr>
+          <a:xfrm>
+            <a:off x="7275006" y="0"/>
+            <a:ext cx="1868993" cy="876393"/>
+          </a:xfrm>
+          <a:prstGeom prst="rect">
+            <a:avLst/>
+          </a:prstGeom>
+        </p:spPr>
+      </p:pic>
+      <p:sp>
+        <p:nvSpPr>
+          <p:cNvPr id="10" name="Textfeld 9"/>
+          <p:cNvSpPr txBox="1"/>
+          <p:nvPr/>
+        </p:nvSpPr>
+        <p:spPr>
+          <a:xfrm>
+            <a:off x="467806" y="6148882"/>
+            <a:ext cx="2848708" cy="582805"/>
+          </a:xfrm>
+          <a:prstGeom prst="rect">
+            <a:avLst/>
+          </a:prstGeom>
+          <a:noFill/>
+        </p:spPr>
+        <p:txBody>
+          <a:bodyPr wrap="square" lIns="0" rIns="0" rtlCol="0">
+            <a:noAutofit/>
+          </a:bodyPr>
+          <a:lstStyle/>
+          <a:p>
+            <a:pPr>
+              <a:buClr>
+                <a:schemeClr val="tx2"/>
+              </a:buClr>
+            </a:pPr>
+            <a:r>
+              <a:rPr lang="de-DE" sz="800" dirty="0"/>
+              <a:t>https://www.darpa.mil/attachments/XAIProgramUpdate.pdf</a:t>
+            </a:r>
+            <a:endParaRPr lang="de-DE" sz="800" dirty="0" smtClean="0"/>
+          </a:p>
+        </p:txBody>
+      </p:sp>
+      <p:sp>
+        <p:nvSpPr>
+          <p:cNvPr id="9" name="Textfeld 8"/>
+          <p:cNvSpPr txBox="1"/>
+          <p:nvPr/>
+        </p:nvSpPr>
+        <p:spPr>
+          <a:xfrm>
+            <a:off x="3521947" y="6148882"/>
+            <a:ext cx="5345723" cy="231112"/>
+          </a:xfrm>
+          <a:prstGeom prst="rect">
+            <a:avLst/>
+          </a:prstGeom>
+          <a:noFill/>
+        </p:spPr>
+        <p:txBody>
+          <a:bodyPr wrap="square" lIns="0" rIns="0" rtlCol="0">
+            <a:noAutofit/>
+          </a:bodyPr>
+          <a:lstStyle/>
+          <a:p>
+            <a:r>
+              <a:rPr lang="de-DE" sz="800" dirty="0" err="1"/>
+              <a:t>Simonyan</a:t>
+            </a:r>
+            <a:r>
+              <a:rPr lang="de-DE" sz="800" dirty="0"/>
+              <a:t>, K., </a:t>
+            </a:r>
+            <a:r>
+              <a:rPr lang="de-DE" sz="800" dirty="0" err="1"/>
+              <a:t>Vedaldi</a:t>
+            </a:r>
+            <a:r>
+              <a:rPr lang="de-DE" sz="800" dirty="0"/>
+              <a:t>, A. &amp; </a:t>
+            </a:r>
+            <a:r>
+              <a:rPr lang="de-DE" sz="800" dirty="0" err="1"/>
+              <a:t>Zisserman</a:t>
+            </a:r>
+            <a:r>
+              <a:rPr lang="de-DE" sz="800" dirty="0"/>
+              <a:t>, A., 2014. </a:t>
+            </a:r>
+            <a:r>
+              <a:rPr lang="de-DE" sz="800" dirty="0" err="1"/>
+              <a:t>Deep</a:t>
+            </a:r>
+            <a:r>
+              <a:rPr lang="de-DE" sz="800" dirty="0"/>
+              <a:t> </a:t>
+            </a:r>
+            <a:r>
+              <a:rPr lang="de-DE" sz="800" dirty="0" err="1"/>
+              <a:t>inside</a:t>
+            </a:r>
+            <a:r>
+              <a:rPr lang="de-DE" sz="800" dirty="0"/>
+              <a:t> </a:t>
+            </a:r>
+            <a:r>
+              <a:rPr lang="de-DE" sz="800" dirty="0" err="1"/>
+              <a:t>convolutional</a:t>
+            </a:r>
+            <a:r>
+              <a:rPr lang="de-DE" sz="800" dirty="0"/>
+              <a:t> </a:t>
+            </a:r>
+            <a:r>
+              <a:rPr lang="de-DE" sz="800" dirty="0" err="1"/>
+              <a:t>networks</a:t>
+            </a:r>
+            <a:r>
+              <a:rPr lang="de-DE" sz="800" dirty="0"/>
+              <a:t>: </a:t>
+            </a:r>
+            <a:r>
+              <a:rPr lang="de-DE" sz="800" dirty="0" err="1"/>
+              <a:t>Visualising</a:t>
+            </a:r>
+            <a:r>
+              <a:rPr lang="de-DE" sz="800" dirty="0"/>
+              <a:t> </a:t>
+            </a:r>
+            <a:r>
+              <a:rPr lang="de-DE" sz="800" dirty="0" err="1"/>
+              <a:t>image</a:t>
+            </a:r>
+            <a:r>
+              <a:rPr lang="de-DE" sz="800" dirty="0"/>
+              <a:t> </a:t>
+            </a:r>
+            <a:r>
+              <a:rPr lang="de-DE" sz="800" dirty="0" err="1"/>
+              <a:t>classification</a:t>
+            </a:r>
+            <a:r>
+              <a:rPr lang="de-DE" sz="800" dirty="0"/>
+              <a:t> </a:t>
+            </a:r>
+            <a:r>
+              <a:rPr lang="de-DE" sz="800" dirty="0" err="1"/>
+              <a:t>models</a:t>
+            </a:r>
+            <a:r>
+              <a:rPr lang="de-DE" sz="800" dirty="0"/>
+              <a:t> </a:t>
+            </a:r>
+            <a:r>
+              <a:rPr lang="de-DE" sz="800" dirty="0" err="1"/>
+              <a:t>and</a:t>
+            </a:r>
+            <a:r>
+              <a:rPr lang="de-DE" sz="800" dirty="0"/>
+              <a:t> </a:t>
+            </a:r>
+            <a:r>
+              <a:rPr lang="de-DE" sz="800" dirty="0" err="1"/>
+              <a:t>saliency</a:t>
+            </a:r>
+            <a:r>
+              <a:rPr lang="de-DE" sz="800" dirty="0"/>
+              <a:t> </a:t>
+            </a:r>
+            <a:r>
+              <a:rPr lang="de-DE" sz="800" dirty="0" err="1"/>
+              <a:t>maps</a:t>
+            </a:r>
+            <a:r>
+              <a:rPr lang="de-DE" sz="800" dirty="0"/>
+              <a:t>. In </a:t>
+            </a:r>
+            <a:r>
+              <a:rPr lang="de-DE" sz="800" i="1" dirty="0"/>
+              <a:t>International Conference on Learning </a:t>
+            </a:r>
+            <a:r>
+              <a:rPr lang="de-DE" sz="800" i="1" dirty="0" err="1"/>
+              <a:t>Representations</a:t>
+            </a:r>
+            <a:r>
+              <a:rPr lang="de-DE" sz="800" i="1" dirty="0"/>
+              <a:t> ICLR 2014</a:t>
+            </a:r>
+            <a:r>
+              <a:rPr lang="de-DE" sz="800" dirty="0"/>
+              <a:t>.</a:t>
+            </a:r>
+          </a:p>
+          <a:p>
+            <a:r>
+              <a:rPr lang="de-DE" sz="800" dirty="0"/>
+              <a:t/>
+            </a:r>
+            <a:br>
+              <a:rPr lang="de-DE" sz="800" dirty="0"/>
+            </a:br>
+            <a:endParaRPr lang="de-DE" sz="800" dirty="0"/>
+          </a:p>
+          <a:p>
+            <a:endParaRPr lang="de-DE" sz="800" dirty="0"/>
+          </a:p>
+          <a:p>
+            <a:pPr>
+              <a:buClr>
+                <a:schemeClr val="tx2"/>
+              </a:buClr>
+            </a:pPr>
+            <a:endParaRPr lang="de-DE" sz="800" dirty="0" err="1" smtClean="0"/>
+          </a:p>
+        </p:txBody>
+      </p:sp>
+      <p:sp>
+        <p:nvSpPr>
+          <p:cNvPr id="12" name="Foliennummernplatzhalter 11"/>
+          <p:cNvSpPr>
+            <a:spLocks noGrp="1"/>
+          </p:cNvSpPr>
+          <p:nvPr>
+            <p:ph type="sldNum" sz="quarter" idx="12"/>
+          </p:nvPr>
+        </p:nvSpPr>
+        <p:spPr/>
+        <p:txBody>
+          <a:bodyPr/>
+          <a:lstStyle/>
+          <a:p>
+            <a:fld id="{16878A96-99AD-184B-A8E8-77C65609B727}" type="slidenum">
+              <a:rPr lang="de-DE" smtClean="0"/>
+              <a:pPr/>
+              <a:t>3</a:t>
+            </a:fld>
+            <a:endParaRPr lang="de-DE"/>
+          </a:p>
+        </p:txBody>
+      </p:sp>
+      <p:sp>
+        <p:nvSpPr>
+          <p:cNvPr id="13" name="Fußzeilenplatzhalter 12"/>
+          <p:cNvSpPr>
+            <a:spLocks noGrp="1"/>
+          </p:cNvSpPr>
+          <p:nvPr>
+            <p:ph type="ftr" sz="quarter" idx="11"/>
+          </p:nvPr>
+        </p:nvSpPr>
+        <p:spPr/>
+        <p:txBody>
+          <a:bodyPr/>
+          <a:lstStyle/>
+          <a:p>
+            <a:r>
+              <a:rPr lang="en-US" dirty="0" smtClean="0"/>
+              <a:t>Engineering Interpretable Cognitive Computing Systems, </a:t>
+            </a:r>
+            <a:r>
+              <a:rPr lang="en-US" dirty="0" err="1" smtClean="0"/>
+              <a:t>Diss-Kurzcheck</a:t>
+            </a:r>
+            <a:r>
+              <a:rPr lang="en-US" dirty="0" smtClean="0"/>
+              <a:t>, 15.08.2018, Jacqueline Büttner </a:t>
+            </a:r>
+            <a:endParaRPr lang="de-DE" dirty="0"/>
+          </a:p>
+        </p:txBody>
+      </p:sp>
     </p:spTree>
     <p:extLst>
       <p:ext uri="{BB962C8B-B14F-4D97-AF65-F5344CB8AC3E}">
-        <p14:creationId xmlns:p14="http://schemas.microsoft.com/office/powerpoint/2010/main" val="1605609653"/>
+        <p14:creationId xmlns:p14="http://schemas.microsoft.com/office/powerpoint/2010/main" val="1837564046"/>
       </p:ext>
     </p:extLst>
   </p:cSld>
   <p:clrMapOvr>
     <a:masterClrMapping/>
   </p:clrMapOvr>
+  <p:timing>
+    <p:tnLst>
+      <p:par>
+        <p:cTn id="1" dur="indefinite" restart="never" nodeType="tmRoot"/>
+      </p:par>
+    </p:tnLst>
+  </p:timing>
 </p:sld>
 </file>
 
@@ -6387,6 +7888,29 @@
           <a:chExt cx="0" cy="0"/>
         </a:xfrm>
       </p:grpSpPr>
+      <p:sp>
+        <p:nvSpPr>
+          <p:cNvPr id="7" name="Titel 6"/>
+          <p:cNvSpPr>
+            <a:spLocks noGrp="1"/>
+          </p:cNvSpPr>
+          <p:nvPr>
+            <p:ph type="title"/>
+          </p:nvPr>
+        </p:nvSpPr>
+        <p:spPr/>
+        <p:txBody>
+          <a:bodyPr/>
+          <a:lstStyle/>
+          <a:p>
+            <a:r>
+              <a:rPr lang="de-DE" dirty="0" smtClean="0"/>
+              <a:t>Erklärbarkeit nach DARPA</a:t>
+            </a:r>
+            <a:endParaRPr lang="de-DE" dirty="0"/>
+          </a:p>
+        </p:txBody>
+      </p:sp>
       <p:pic>
         <p:nvPicPr>
           <p:cNvPr id="2" name="Grafik 1"/>
@@ -6396,15 +7920,15 @@
           <p:nvPr/>
         </p:nvPicPr>
         <p:blipFill>
-          <a:blip r:embed="rId2"/>
+          <a:blip r:embed="rId3"/>
           <a:stretch>
             <a:fillRect/>
           </a:stretch>
         </p:blipFill>
         <p:spPr>
           <a:xfrm>
-            <a:off x="1452562" y="1089670"/>
-            <a:ext cx="6238875" cy="4276725"/>
+            <a:off x="416643" y="746559"/>
+            <a:ext cx="8310714" cy="5347205"/>
           </a:xfrm>
           <a:prstGeom prst="rect">
             <a:avLst/>
@@ -6413,37 +7937,49 @@
       </p:pic>
       <p:sp>
         <p:nvSpPr>
-          <p:cNvPr id="7" name="Titel 6"/>
-          <p:cNvSpPr>
-            <a:spLocks noGrp="1"/>
-          </p:cNvSpPr>
-          <p:nvPr>
-            <p:ph type="title"/>
-          </p:nvPr>
-        </p:nvSpPr>
-        <p:spPr/>
-        <p:txBody>
-          <a:bodyPr/>
+          <p:cNvPr id="11" name="Textfeld 10"/>
+          <p:cNvSpPr txBox="1"/>
+          <p:nvPr/>
+        </p:nvSpPr>
+        <p:spPr>
+          <a:xfrm>
+            <a:off x="5962357" y="6138101"/>
+            <a:ext cx="2848708" cy="582805"/>
+          </a:xfrm>
+          <a:prstGeom prst="rect">
+            <a:avLst/>
+          </a:prstGeom>
+          <a:noFill/>
+        </p:spPr>
+        <p:txBody>
+          <a:bodyPr wrap="square" lIns="0" rIns="0" rtlCol="0">
+            <a:noAutofit/>
+          </a:bodyPr>
           <a:lstStyle/>
           <a:p>
-            <a:r>
-              <a:rPr lang="de-DE" dirty="0" smtClean="0"/>
-              <a:t>Interpretierbarkeit</a:t>
-            </a:r>
-            <a:endParaRPr lang="de-DE" dirty="0"/>
+            <a:pPr>
+              <a:buClr>
+                <a:schemeClr val="tx2"/>
+              </a:buClr>
+            </a:pPr>
+            <a:r>
+              <a:rPr lang="de-DE" sz="800" dirty="0"/>
+              <a:t>https://www.darpa.mil/attachments/XAIProgramUpdate.pdf</a:t>
+            </a:r>
+            <a:endParaRPr lang="de-DE" sz="800" dirty="0" smtClean="0"/>
           </a:p>
         </p:txBody>
       </p:sp>
       <p:cxnSp>
         <p:nvCxnSpPr>
-          <p:cNvPr id="3" name="Gerader Verbinder 2"/>
+          <p:cNvPr id="14" name="Gerader Verbinder 13"/>
           <p:cNvCxnSpPr/>
           <p:nvPr/>
         </p:nvCxnSpPr>
         <p:spPr>
           <a:xfrm>
-            <a:off x="1699846" y="2763298"/>
-            <a:ext cx="5334000" cy="271304"/>
+            <a:off x="6923314" y="2793442"/>
+            <a:ext cx="1637882" cy="0"/>
           </a:xfrm>
           <a:prstGeom prst="line">
             <a:avLst/>
@@ -6466,14 +8002,14 @@
       </p:cxnSp>
       <p:cxnSp>
         <p:nvCxnSpPr>
-          <p:cNvPr id="6" name="Gerader Verbinder 5"/>
+          <p:cNvPr id="18" name="Gerader Verbinder 17"/>
           <p:cNvCxnSpPr/>
           <p:nvPr/>
         </p:nvCxnSpPr>
         <p:spPr>
-          <a:xfrm flipV="1">
-            <a:off x="1699846" y="2763298"/>
-            <a:ext cx="5102888" cy="271304"/>
+          <a:xfrm>
+            <a:off x="6852976" y="5416062"/>
+            <a:ext cx="1708220" cy="0"/>
           </a:xfrm>
           <a:prstGeom prst="line">
             <a:avLst/>
@@ -6494,16 +8030,279 @@
           </a:fontRef>
         </p:style>
       </p:cxnSp>
+      <p:cxnSp>
+        <p:nvCxnSpPr>
+          <p:cNvPr id="21" name="Gerader Verbinder 20"/>
+          <p:cNvCxnSpPr/>
+          <p:nvPr/>
+        </p:nvCxnSpPr>
+        <p:spPr>
+          <a:xfrm>
+            <a:off x="6888145" y="2384810"/>
+            <a:ext cx="1708220" cy="0"/>
+          </a:xfrm>
+          <a:prstGeom prst="line">
+            <a:avLst/>
+          </a:prstGeom>
+        </p:spPr>
+        <p:style>
+          <a:lnRef idx="2">
+            <a:schemeClr val="accent1"/>
+          </a:lnRef>
+          <a:fillRef idx="0">
+            <a:schemeClr val="accent1"/>
+          </a:fillRef>
+          <a:effectRef idx="1">
+            <a:schemeClr val="accent1"/>
+          </a:effectRef>
+          <a:fontRef idx="minor">
+            <a:schemeClr val="tx1"/>
+          </a:fontRef>
+        </p:style>
+      </p:cxnSp>
+      <p:cxnSp>
+        <p:nvCxnSpPr>
+          <p:cNvPr id="22" name="Gerader Verbinder 21"/>
+          <p:cNvCxnSpPr/>
+          <p:nvPr/>
+        </p:nvCxnSpPr>
+        <p:spPr>
+          <a:xfrm>
+            <a:off x="6852976" y="4995706"/>
+            <a:ext cx="1708220" cy="0"/>
+          </a:xfrm>
+          <a:prstGeom prst="line">
+            <a:avLst/>
+          </a:prstGeom>
+        </p:spPr>
+        <p:style>
+          <a:lnRef idx="2">
+            <a:schemeClr val="accent1"/>
+          </a:lnRef>
+          <a:fillRef idx="0">
+            <a:schemeClr val="accent1"/>
+          </a:fillRef>
+          <a:effectRef idx="1">
+            <a:schemeClr val="accent1"/>
+          </a:effectRef>
+          <a:fontRef idx="minor">
+            <a:schemeClr val="tx1"/>
+          </a:fontRef>
+        </p:style>
+      </p:cxnSp>
+      <p:sp>
+        <p:nvSpPr>
+          <p:cNvPr id="23" name="Foliennummernplatzhalter 22"/>
+          <p:cNvSpPr>
+            <a:spLocks noGrp="1"/>
+          </p:cNvSpPr>
+          <p:nvPr>
+            <p:ph type="sldNum" sz="quarter" idx="12"/>
+          </p:nvPr>
+        </p:nvSpPr>
+        <p:spPr/>
+        <p:txBody>
+          <a:bodyPr/>
+          <a:lstStyle/>
+          <a:p>
+            <a:fld id="{16878A96-99AD-184B-A8E8-77C65609B727}" type="slidenum">
+              <a:rPr lang="de-DE" smtClean="0"/>
+              <a:pPr/>
+              <a:t>4</a:t>
+            </a:fld>
+            <a:endParaRPr lang="de-DE"/>
+          </a:p>
+        </p:txBody>
+      </p:sp>
+      <p:sp>
+        <p:nvSpPr>
+          <p:cNvPr id="24" name="Fußzeilenplatzhalter 23"/>
+          <p:cNvSpPr>
+            <a:spLocks noGrp="1"/>
+          </p:cNvSpPr>
+          <p:nvPr>
+            <p:ph type="ftr" sz="quarter" idx="11"/>
+          </p:nvPr>
+        </p:nvSpPr>
+        <p:spPr/>
+        <p:txBody>
+          <a:bodyPr/>
+          <a:lstStyle/>
+          <a:p>
+            <a:r>
+              <a:rPr lang="en-US" smtClean="0"/>
+              <a:t>Engineering Interpretable Cognitive Computing Systems, Diss-Kurzcheck, 15.08.2018, Jacqueline Büttner </a:t>
+            </a:r>
+            <a:endParaRPr lang="de-DE"/>
+          </a:p>
+        </p:txBody>
+      </p:sp>
     </p:spTree>
     <p:extLst>
       <p:ext uri="{BB962C8B-B14F-4D97-AF65-F5344CB8AC3E}">
-        <p14:creationId xmlns:p14="http://schemas.microsoft.com/office/powerpoint/2010/main" val="1317545268"/>
+        <p14:creationId xmlns:p14="http://schemas.microsoft.com/office/powerpoint/2010/main" val="281299624"/>
       </p:ext>
     </p:extLst>
   </p:cSld>
   <p:clrMapOvr>
     <a:masterClrMapping/>
   </p:clrMapOvr>
+  <p:timing>
+    <p:tnLst>
+      <p:par>
+        <p:cTn id="1" dur="indefinite" restart="never" nodeType="tmRoot">
+          <p:childTnLst>
+            <p:seq concurrent="1" nextAc="seek">
+              <p:cTn id="2" dur="indefinite" nodeType="mainSeq">
+                <p:childTnLst>
+                  <p:par>
+                    <p:cTn id="3" fill="hold">
+                      <p:stCondLst>
+                        <p:cond delay="indefinite"/>
+                      </p:stCondLst>
+                      <p:childTnLst>
+                        <p:par>
+                          <p:cTn id="4" fill="hold">
+                            <p:stCondLst>
+                              <p:cond delay="0"/>
+                            </p:stCondLst>
+                            <p:childTnLst>
+                              <p:par>
+                                <p:cTn id="5" presetID="1" presetClass="entr" presetSubtype="0" fill="hold" nodeType="clickEffect">
+                                  <p:stCondLst>
+                                    <p:cond delay="0"/>
+                                  </p:stCondLst>
+                                  <p:childTnLst>
+                                    <p:set>
+                                      <p:cBhvr>
+                                        <p:cTn id="6" dur="1" fill="hold">
+                                          <p:stCondLst>
+                                            <p:cond delay="0"/>
+                                          </p:stCondLst>
+                                        </p:cTn>
+                                        <p:tgtEl>
+                                          <p:spTgt spid="18"/>
+                                        </p:tgtEl>
+                                        <p:attrNameLst>
+                                          <p:attrName>style.visibility</p:attrName>
+                                        </p:attrNameLst>
+                                      </p:cBhvr>
+                                      <p:to>
+                                        <p:strVal val="visible"/>
+                                      </p:to>
+                                    </p:set>
+                                  </p:childTnLst>
+                                </p:cTn>
+                              </p:par>
+                              <p:par>
+                                <p:cTn id="7" presetID="1" presetClass="entr" presetSubtype="0" fill="hold" nodeType="withEffect">
+                                  <p:stCondLst>
+                                    <p:cond delay="0"/>
+                                  </p:stCondLst>
+                                  <p:childTnLst>
+                                    <p:set>
+                                      <p:cBhvr>
+                                        <p:cTn id="8" dur="1" fill="hold">
+                                          <p:stCondLst>
+                                            <p:cond delay="0"/>
+                                          </p:stCondLst>
+                                        </p:cTn>
+                                        <p:tgtEl>
+                                          <p:spTgt spid="22"/>
+                                        </p:tgtEl>
+                                        <p:attrNameLst>
+                                          <p:attrName>style.visibility</p:attrName>
+                                        </p:attrNameLst>
+                                      </p:cBhvr>
+                                      <p:to>
+                                        <p:strVal val="visible"/>
+                                      </p:to>
+                                    </p:set>
+                                  </p:childTnLst>
+                                </p:cTn>
+                              </p:par>
+                              <p:par>
+                                <p:cTn id="9" presetID="1" presetClass="entr" presetSubtype="0" fill="hold" nodeType="withEffect">
+                                  <p:stCondLst>
+                                    <p:cond delay="0"/>
+                                  </p:stCondLst>
+                                  <p:childTnLst>
+                                    <p:set>
+                                      <p:cBhvr>
+                                        <p:cTn id="10" dur="1" fill="hold">
+                                          <p:stCondLst>
+                                            <p:cond delay="0"/>
+                                          </p:stCondLst>
+                                        </p:cTn>
+                                        <p:tgtEl>
+                                          <p:spTgt spid="14"/>
+                                        </p:tgtEl>
+                                        <p:attrNameLst>
+                                          <p:attrName>style.visibility</p:attrName>
+                                        </p:attrNameLst>
+                                      </p:cBhvr>
+                                      <p:to>
+                                        <p:strVal val="visible"/>
+                                      </p:to>
+                                    </p:set>
+                                  </p:childTnLst>
+                                </p:cTn>
+                              </p:par>
+                              <p:par>
+                                <p:cTn id="11" presetID="1" presetClass="entr" presetSubtype="0" fill="hold" nodeType="withEffect">
+                                  <p:stCondLst>
+                                    <p:cond delay="0"/>
+                                  </p:stCondLst>
+                                  <p:childTnLst>
+                                    <p:set>
+                                      <p:cBhvr>
+                                        <p:cTn id="12" dur="1" fill="hold">
+                                          <p:stCondLst>
+                                            <p:cond delay="0"/>
+                                          </p:stCondLst>
+                                        </p:cTn>
+                                        <p:tgtEl>
+                                          <p:spTgt spid="21"/>
+                                        </p:tgtEl>
+                                        <p:attrNameLst>
+                                          <p:attrName>style.visibility</p:attrName>
+                                        </p:attrNameLst>
+                                      </p:cBhvr>
+                                      <p:to>
+                                        <p:strVal val="visible"/>
+                                      </p:to>
+                                    </p:set>
+                                  </p:childTnLst>
+                                </p:cTn>
+                              </p:par>
+                            </p:childTnLst>
+                          </p:cTn>
+                        </p:par>
+                      </p:childTnLst>
+                    </p:cTn>
+                  </p:par>
+                </p:childTnLst>
+              </p:cTn>
+              <p:prevCondLst>
+                <p:cond evt="onPrev" delay="0">
+                  <p:tgtEl>
+                    <p:sldTgt/>
+                  </p:tgtEl>
+                </p:cond>
+              </p:prevCondLst>
+              <p:nextCondLst>
+                <p:cond evt="onNext" delay="0">
+                  <p:tgtEl>
+                    <p:sldTgt/>
+                  </p:tgtEl>
+                </p:cond>
+              </p:nextCondLst>
+            </p:seq>
+          </p:childTnLst>
+        </p:cTn>
+      </p:par>
+    </p:tnLst>
+  </p:timing>
 </p:sld>
 </file>
 
@@ -6526,7 +8325,7 @@
       </p:grpSpPr>
       <p:sp>
         <p:nvSpPr>
-          <p:cNvPr id="7" name="Titel 6"/>
+          <p:cNvPr id="2" name="Titel 1"/>
           <p:cNvSpPr>
             <a:spLocks noGrp="1"/>
           </p:cNvSpPr>
@@ -6540,48 +8339,132 @@
           <a:lstStyle/>
           <a:p>
             <a:r>
-              <a:rPr lang="de-DE" dirty="0" smtClean="0"/>
-              <a:t>Interpretierbarkeit vs. Erklärbarkeit vs. Verständlichkeit</a:t>
-            </a:r>
-            <a:endParaRPr lang="de-DE" dirty="0"/>
-          </a:p>
-        </p:txBody>
-      </p:sp>
-      <p:sp>
-        <p:nvSpPr>
+              <a:rPr lang="de-DE" dirty="0"/>
+              <a:t>Interpretierbarkeit, Erklärbarkeit, Verständlichkeit</a:t>
+            </a:r>
+          </a:p>
+        </p:txBody>
+      </p:sp>
+      <p:pic>
+        <p:nvPicPr>
           <p:cNvPr id="4" name="Inhaltsplatzhalter 3"/>
-          <p:cNvSpPr>
-            <a:spLocks noGrp="1"/>
-          </p:cNvSpPr>
+          <p:cNvPicPr>
+            <a:picLocks noGrp="1" noChangeAspect="1"/>
+          </p:cNvPicPr>
           <p:nvPr>
             <p:ph idx="1"/>
           </p:nvPr>
-        </p:nvSpPr>
-        <p:spPr>
-          <a:xfrm>
-            <a:off x="457200" y="1045029"/>
-            <a:ext cx="8229600" cy="5081134"/>
-          </a:xfrm>
-        </p:spPr>
+        </p:nvPicPr>
+        <p:blipFill>
+          <a:blip r:embed="rId2"/>
+          <a:stretch>
+            <a:fillRect/>
+          </a:stretch>
+        </p:blipFill>
+        <p:spPr>
+          <a:xfrm>
+            <a:off x="457200" y="764825"/>
+            <a:ext cx="8229600" cy="5295013"/>
+          </a:xfrm>
+          <a:prstGeom prst="rect">
+            <a:avLst/>
+          </a:prstGeom>
+        </p:spPr>
+      </p:pic>
+      <p:sp>
+        <p:nvSpPr>
+          <p:cNvPr id="5" name="Rechteck 4"/>
+          <p:cNvSpPr/>
+          <p:nvPr/>
+        </p:nvSpPr>
+        <p:spPr>
+          <a:xfrm>
+            <a:off x="6682154" y="2552282"/>
+            <a:ext cx="2004646" cy="271306"/>
+          </a:xfrm>
+          <a:prstGeom prst="rect">
+            <a:avLst/>
+          </a:prstGeom>
+          <a:noFill/>
+          <a:ln/>
+        </p:spPr>
+        <p:style>
+          <a:lnRef idx="2">
+            <a:schemeClr val="accent5">
+              <a:shade val="50000"/>
+            </a:schemeClr>
+          </a:lnRef>
+          <a:fillRef idx="1">
+            <a:schemeClr val="accent5"/>
+          </a:fillRef>
+          <a:effectRef idx="0">
+            <a:schemeClr val="accent5"/>
+          </a:effectRef>
+          <a:fontRef idx="minor">
+            <a:schemeClr val="lt1"/>
+          </a:fontRef>
+        </p:style>
+        <p:txBody>
+          <a:bodyPr rtlCol="0" anchor="ctr" anchorCtr="1">
+            <a:normAutofit fontScale="77500" lnSpcReduction="20000"/>
+          </a:bodyPr>
+          <a:lstStyle/>
+          <a:p>
+            <a:pPr algn="ctr"/>
+            <a:endParaRPr lang="de-DE" dirty="0" err="1" smtClean="0"/>
+          </a:p>
+        </p:txBody>
+      </p:sp>
+      <p:sp>
+        <p:nvSpPr>
+          <p:cNvPr id="6" name="Foliennummernplatzhalter 5"/>
+          <p:cNvSpPr>
+            <a:spLocks noGrp="1"/>
+          </p:cNvSpPr>
+          <p:nvPr>
+            <p:ph type="sldNum" sz="quarter" idx="12"/>
+          </p:nvPr>
+        </p:nvSpPr>
+        <p:spPr/>
         <p:txBody>
           <a:bodyPr/>
           <a:lstStyle/>
           <a:p>
-            <a:r>
-              <a:rPr lang="de-DE" dirty="0" smtClean="0"/>
-              <a:t>Viele Begriffe in der Literatur, keine klaren Abgrenzungen</a:t>
-            </a:r>
-          </a:p>
-          <a:p>
-            <a:r>
-              <a:rPr lang="de-DE" dirty="0" smtClean="0"/>
-              <a:t>Erklärbarkeit und Verständlichkeit implizieren, dass der Prozess erfolgreich zu mehr Wissen beim Nutzer führt</a:t>
-            </a:r>
-          </a:p>
-          <a:p>
-            <a:r>
-              <a:rPr lang="de-DE" dirty="0" smtClean="0"/>
-              <a:t>hängen im höheren Maße von Vorwissen und Erfahrung des Nutzers ab</a:t>
+            <a:fld id="{16878A96-99AD-184B-A8E8-77C65609B727}" type="slidenum">
+              <a:rPr lang="de-DE" smtClean="0"/>
+              <a:pPr/>
+              <a:t>5</a:t>
+            </a:fld>
+            <a:endParaRPr lang="de-DE" dirty="0"/>
+          </a:p>
+        </p:txBody>
+      </p:sp>
+      <p:sp>
+        <p:nvSpPr>
+          <p:cNvPr id="7" name="Fußzeilenplatzhalter 6"/>
+          <p:cNvSpPr>
+            <a:spLocks noGrp="1"/>
+          </p:cNvSpPr>
+          <p:nvPr>
+            <p:ph type="ftr" sz="quarter" idx="11"/>
+          </p:nvPr>
+        </p:nvSpPr>
+        <p:spPr/>
+        <p:txBody>
+          <a:bodyPr/>
+          <a:lstStyle/>
+          <a:p>
+            <a:r>
+              <a:rPr lang="en-US" dirty="0"/>
+              <a:t>Engineering Interpretable Cognitive Computing Systems, </a:t>
+            </a:r>
+            <a:r>
+              <a:rPr lang="en-US" dirty="0" err="1"/>
+              <a:t>Diss-Kurzcheck</a:t>
+            </a:r>
+            <a:r>
+              <a:rPr lang="en-US" dirty="0"/>
+              <a:t>, 15.08.2018, Jacqueline Büttner </a:t>
             </a:r>
             <a:endParaRPr lang="de-DE" dirty="0"/>
           </a:p>
@@ -6590,13 +8473,20 @@
     </p:spTree>
     <p:extLst>
       <p:ext uri="{BB962C8B-B14F-4D97-AF65-F5344CB8AC3E}">
-        <p14:creationId xmlns:p14="http://schemas.microsoft.com/office/powerpoint/2010/main" val="281299624"/>
+        <p14:creationId xmlns:p14="http://schemas.microsoft.com/office/powerpoint/2010/main" val="3768046060"/>
       </p:ext>
     </p:extLst>
   </p:cSld>
   <p:clrMapOvr>
     <a:masterClrMapping/>
   </p:clrMapOvr>
+  <p:timing>
+    <p:tnLst>
+      <p:par>
+        <p:cTn id="1" dur="indefinite" restart="never" nodeType="tmRoot"/>
+      </p:par>
+    </p:tnLst>
+  </p:timing>
 </p:sld>
 </file>
 
@@ -6619,13 +8509,7 @@
       </p:grpSpPr>
       <p:sp>
         <p:nvSpPr>
-          <p:cNvPr id="2" name="Title 1">
-            <a:extLst>
-              <a:ext uri="{FF2B5EF4-FFF2-40B4-BE49-F238E27FC236}">
-                <a16:creationId xmlns:a16="http://schemas.microsoft.com/office/drawing/2014/main" id="{7577113E-E9BE-F74B-BF92-9D8520C58403}"/>
-              </a:ext>
-            </a:extLst>
-          </p:cNvPr>
+          <p:cNvPr id="2" name="Titel 1"/>
           <p:cNvSpPr>
             <a:spLocks noGrp="1"/>
           </p:cNvSpPr>
@@ -6640,40 +8524,158 @@
           <a:p>
             <a:r>
               <a:rPr lang="de-DE" dirty="0" smtClean="0"/>
-              <a:t>Interpretierbarkeit in der Literatur</a:t>
+              <a:t>Debugging </a:t>
+            </a:r>
+            <a:r>
+              <a:rPr lang="de-DE" dirty="0" err="1" smtClean="0"/>
+              <a:t>Cognitive</a:t>
+            </a:r>
+            <a:r>
+              <a:rPr lang="de-DE" dirty="0" smtClean="0"/>
+              <a:t> Computing Systems</a:t>
             </a:r>
             <a:endParaRPr lang="de-DE" dirty="0"/>
           </a:p>
         </p:txBody>
       </p:sp>
-      <p:pic>
-        <p:nvPicPr>
-          <p:cNvPr id="3" name="Grafik 2"/>
-          <p:cNvPicPr>
-            <a:picLocks noChangeAspect="1"/>
-          </p:cNvPicPr>
-          <p:nvPr/>
-        </p:nvPicPr>
-        <p:blipFill>
-          <a:blip r:embed="rId3"/>
-          <a:stretch>
-            <a:fillRect/>
-          </a:stretch>
-        </p:blipFill>
-        <p:spPr>
-          <a:xfrm>
-            <a:off x="643094" y="691083"/>
-            <a:ext cx="7172325" cy="5529631"/>
-          </a:xfrm>
-          <a:prstGeom prst="rect">
-            <a:avLst/>
-          </a:prstGeom>
-        </p:spPr>
-      </p:pic>
+      <p:sp>
+        <p:nvSpPr>
+          <p:cNvPr id="3" name="Inhaltsplatzhalter 2"/>
+          <p:cNvSpPr>
+            <a:spLocks noGrp="1"/>
+          </p:cNvSpPr>
+          <p:nvPr>
+            <p:ph idx="1"/>
+          </p:nvPr>
+        </p:nvSpPr>
+        <p:spPr>
+          <a:xfrm>
+            <a:off x="457200" y="698500"/>
+            <a:ext cx="8229600" cy="5427663"/>
+          </a:xfrm>
+        </p:spPr>
+        <p:txBody>
+          <a:bodyPr/>
+          <a:lstStyle/>
+          <a:p>
+            <a:r>
+              <a:rPr lang="de-DE" dirty="0" smtClean="0"/>
+              <a:t>Wie korrigiere ich einen Fehler?</a:t>
+            </a:r>
+          </a:p>
+          <a:p>
+            <a:pPr lvl="1"/>
+            <a:r>
+              <a:rPr lang="de-DE" dirty="0" smtClean="0"/>
+              <a:t>Wie bemerke ich überhaupt, dass es einen Fehler gibt?</a:t>
+            </a:r>
+          </a:p>
+          <a:p>
+            <a:pPr lvl="1"/>
+            <a:r>
+              <a:rPr lang="de-DE" dirty="0" smtClean="0"/>
+              <a:t>Wie kann ich heraus finden wo die Ursache eines Fehlers liegen könnte?</a:t>
+            </a:r>
+          </a:p>
+          <a:p>
+            <a:pPr lvl="1"/>
+            <a:r>
+              <a:rPr lang="de-DE" dirty="0" smtClean="0"/>
+              <a:t>Wie kann ich beschreiben unter welchen (zunächst impliziten) Annahmen  das Modell erstellt wurde?</a:t>
+            </a:r>
+          </a:p>
+          <a:p>
+            <a:r>
+              <a:rPr lang="de-DE" dirty="0" smtClean="0"/>
+              <a:t>Wie vermeide ich Fehler?</a:t>
+            </a:r>
+          </a:p>
+          <a:p>
+            <a:pPr lvl="1"/>
+            <a:r>
+              <a:rPr lang="de-DE" dirty="0" smtClean="0"/>
+              <a:t>Wie kann ich Trainingsdaten passend sammeln bzw. beurteilen?</a:t>
+            </a:r>
+          </a:p>
+          <a:p>
+            <a:pPr lvl="1"/>
+            <a:r>
+              <a:rPr lang="de-DE" dirty="0" smtClean="0"/>
+              <a:t>Wie kann ich Real-Welt-Bedingungen von Beginn an besser verstehen?</a:t>
+            </a:r>
+          </a:p>
+          <a:p>
+            <a:pPr lvl="1"/>
+            <a:r>
+              <a:rPr lang="de-DE" dirty="0" smtClean="0"/>
+              <a:t>Wie kann man Stakeholder früher ins Boot holen / involvieren?</a:t>
+            </a:r>
+          </a:p>
+          <a:p>
+            <a:pPr lvl="1"/>
+            <a:endParaRPr lang="de-DE" dirty="0" smtClean="0"/>
+          </a:p>
+        </p:txBody>
+      </p:sp>
+      <p:sp>
+        <p:nvSpPr>
+          <p:cNvPr id="7" name="Foliennummernplatzhalter 6"/>
+          <p:cNvSpPr>
+            <a:spLocks noGrp="1"/>
+          </p:cNvSpPr>
+          <p:nvPr>
+            <p:ph type="sldNum" sz="quarter" idx="12"/>
+          </p:nvPr>
+        </p:nvSpPr>
+        <p:spPr/>
+        <p:txBody>
+          <a:bodyPr/>
+          <a:lstStyle/>
+          <a:p>
+            <a:fld id="{16878A96-99AD-184B-A8E8-77C65609B727}" type="slidenum">
+              <a:rPr lang="de-DE" smtClean="0"/>
+              <a:pPr/>
+              <a:t>6</a:t>
+            </a:fld>
+            <a:endParaRPr lang="de-DE" dirty="0"/>
+          </a:p>
+        </p:txBody>
+      </p:sp>
+      <p:sp>
+        <p:nvSpPr>
+          <p:cNvPr id="8" name="Fußzeilenplatzhalter 7"/>
+          <p:cNvSpPr>
+            <a:spLocks noGrp="1"/>
+          </p:cNvSpPr>
+          <p:nvPr>
+            <p:ph type="ftr" sz="quarter" idx="11"/>
+          </p:nvPr>
+        </p:nvSpPr>
+        <p:spPr/>
+        <p:txBody>
+          <a:bodyPr/>
+          <a:lstStyle/>
+          <a:p>
+            <a:r>
+              <a:rPr lang="en-US" dirty="0"/>
+              <a:t>Engineering Interpretable Cognitive Computing Systems, </a:t>
+            </a:r>
+            <a:r>
+              <a:rPr lang="en-US" dirty="0" err="1"/>
+              <a:t>Diss-Kurzcheck</a:t>
+            </a:r>
+            <a:r>
+              <a:rPr lang="en-US" dirty="0"/>
+              <a:t>, 15.08.2018, Jacqueline Büttner </a:t>
+            </a:r>
+            <a:endParaRPr lang="de-DE" dirty="0"/>
+          </a:p>
+        </p:txBody>
+      </p:sp>
     </p:spTree>
     <p:extLst>
       <p:ext uri="{BB962C8B-B14F-4D97-AF65-F5344CB8AC3E}">
-        <p14:creationId xmlns:p14="http://schemas.microsoft.com/office/powerpoint/2010/main" val="2779718912"/>
+        <p14:creationId xmlns:p14="http://schemas.microsoft.com/office/powerpoint/2010/main" val="1601732555"/>
       </p:ext>
     </p:extLst>
   </p:cSld>
@@ -6730,8 +8732,148 @@
           <a:p>
             <a:r>
               <a:rPr lang="de-DE" dirty="0" smtClean="0"/>
-              <a:t>Angestrebte Interpretierbarkeit</a:t>
-            </a:r>
+              <a:t>Fragestellungen</a:t>
+            </a:r>
+            <a:endParaRPr lang="de-DE" dirty="0"/>
+          </a:p>
+        </p:txBody>
+      </p:sp>
+      <p:sp>
+        <p:nvSpPr>
+          <p:cNvPr id="3" name="Inhaltsplatzhalter 2"/>
+          <p:cNvSpPr>
+            <a:spLocks noGrp="1"/>
+          </p:cNvSpPr>
+          <p:nvPr>
+            <p:ph idx="1"/>
+          </p:nvPr>
+        </p:nvSpPr>
+        <p:spPr/>
+        <p:txBody>
+          <a:bodyPr>
+            <a:normAutofit/>
+          </a:bodyPr>
+          <a:lstStyle/>
+          <a:p>
+            <a:r>
+              <a:rPr lang="de-DE" dirty="0" smtClean="0"/>
+              <a:t>Wie komme ich zu </a:t>
+            </a:r>
+            <a:r>
+              <a:rPr lang="de-DE" dirty="0" smtClean="0"/>
+              <a:t>einer guten Einschätzung der realen Bedingungen (Lichtverhältnisse, Schnee)?</a:t>
+            </a:r>
+            <a:endParaRPr lang="de-DE" dirty="0" smtClean="0"/>
+          </a:p>
+          <a:p>
+            <a:r>
+              <a:rPr lang="de-DE" dirty="0" smtClean="0"/>
+              <a:t>Wie bringe ich das </a:t>
+            </a:r>
+            <a:r>
+              <a:rPr lang="de-DE" dirty="0" smtClean="0"/>
+              <a:t>Vorwissen </a:t>
+            </a:r>
+            <a:r>
+              <a:rPr lang="de-DE" dirty="0" smtClean="0"/>
+              <a:t>in das Modell </a:t>
+            </a:r>
+            <a:r>
+              <a:rPr lang="de-DE" dirty="0" smtClean="0"/>
+              <a:t>ein (Mensch ist komplizierter als Beine)?</a:t>
+            </a:r>
+            <a:endParaRPr lang="de-DE" dirty="0" smtClean="0"/>
+          </a:p>
+          <a:p>
+            <a:r>
+              <a:rPr lang="de-DE" dirty="0" smtClean="0"/>
+              <a:t>Wie </a:t>
+            </a:r>
+            <a:r>
+              <a:rPr lang="de-DE" dirty="0" smtClean="0"/>
+              <a:t>kann ich vorgehen, wenn ich für ein (Teil-)Problem bereits eine Lösung habe?</a:t>
+            </a:r>
+          </a:p>
+          <a:p>
+            <a:r>
+              <a:rPr lang="de-DE" dirty="0" smtClean="0"/>
+              <a:t>Wie kann ich von vorn herein</a:t>
+            </a:r>
+          </a:p>
+          <a:p>
+            <a:pPr marL="0" indent="0">
+              <a:buNone/>
+            </a:pPr>
+            <a:r>
+              <a:rPr lang="de-DE" dirty="0" smtClean="0"/>
+              <a:t>     ein interpretierbares Modell</a:t>
+            </a:r>
+          </a:p>
+          <a:p>
+            <a:pPr marL="0" indent="0">
+              <a:buNone/>
+            </a:pPr>
+            <a:r>
+              <a:rPr lang="de-DE" dirty="0" smtClean="0"/>
+              <a:t>     erstellen, das sich leicht</a:t>
+            </a:r>
+          </a:p>
+          <a:p>
+            <a:pPr marL="0" indent="0">
+              <a:buNone/>
+            </a:pPr>
+            <a:r>
+              <a:rPr lang="de-DE" dirty="0" smtClean="0"/>
+              <a:t>     „debuggen“ lässt</a:t>
+            </a:r>
+            <a:r>
+              <a:rPr lang="de-DE" dirty="0" smtClean="0"/>
+              <a:t>?</a:t>
+            </a:r>
+          </a:p>
+          <a:p>
+            <a:r>
+              <a:rPr lang="de-DE" dirty="0" smtClean="0"/>
+              <a:t>Kann ich ein Modell mit hoher</a:t>
+            </a:r>
+          </a:p>
+          <a:p>
+            <a:pPr marL="0" indent="0">
+              <a:buNone/>
+            </a:pPr>
+            <a:r>
+              <a:rPr lang="de-DE" dirty="0"/>
+              <a:t> </a:t>
+            </a:r>
+            <a:r>
+              <a:rPr lang="de-DE" dirty="0" smtClean="0"/>
+              <a:t>    Genauigkeit zu einem </a:t>
+            </a:r>
+          </a:p>
+          <a:p>
+            <a:pPr marL="0" indent="0">
+              <a:buNone/>
+            </a:pPr>
+            <a:r>
+              <a:rPr lang="de-DE" dirty="0" smtClean="0"/>
+              <a:t>     erklärbaren </a:t>
+            </a:r>
+            <a:r>
+              <a:rPr lang="de-DE" dirty="0" smtClean="0"/>
+              <a:t>Modell transferieren?</a:t>
+            </a:r>
+          </a:p>
+          <a:p>
+            <a:r>
+              <a:rPr lang="de-DE" dirty="0" smtClean="0"/>
+              <a:t>Wie reduziere ich Komplexität?</a:t>
+            </a:r>
+            <a:endParaRPr lang="de-DE" dirty="0" smtClean="0"/>
+          </a:p>
+          <a:p>
+            <a:pPr marL="0" indent="0">
+              <a:buNone/>
+            </a:pPr>
             <a:endParaRPr lang="de-DE" dirty="0"/>
           </a:p>
         </p:txBody>
@@ -6758,8 +8900,8 @@
         </p:blipFill>
         <p:spPr>
           <a:xfrm>
-            <a:off x="1205802" y="1653253"/>
-            <a:ext cx="6732395" cy="4476230"/>
+            <a:off x="4605109" y="2909913"/>
+            <a:ext cx="4081691" cy="2713832"/>
           </a:xfrm>
           <a:prstGeom prst="rect">
             <a:avLst/>
@@ -6768,43 +8910,63 @@
       </p:pic>
       <p:sp>
         <p:nvSpPr>
-          <p:cNvPr id="6" name="Textfeld 5"/>
-          <p:cNvSpPr txBox="1"/>
-          <p:nvPr/>
-        </p:nvSpPr>
-        <p:spPr>
-          <a:xfrm>
-            <a:off x="457200" y="813916"/>
-            <a:ext cx="5732585" cy="552660"/>
-          </a:xfrm>
-          <a:prstGeom prst="rect">
-            <a:avLst/>
-          </a:prstGeom>
-          <a:noFill/>
-        </p:spPr>
-        <p:txBody>
-          <a:bodyPr wrap="square" lIns="0" rIns="0" rtlCol="0">
-            <a:noAutofit/>
-          </a:bodyPr>
+          <p:cNvPr id="4" name="Foliennummernplatzhalter 3"/>
+          <p:cNvSpPr>
+            <a:spLocks noGrp="1"/>
+          </p:cNvSpPr>
+          <p:nvPr>
+            <p:ph type="sldNum" sz="quarter" idx="12"/>
+          </p:nvPr>
+        </p:nvSpPr>
+        <p:spPr/>
+        <p:txBody>
+          <a:bodyPr/>
           <a:lstStyle/>
           <a:p>
-            <a:pPr>
-              <a:buClr>
-                <a:schemeClr val="tx2"/>
-              </a:buClr>
-            </a:pPr>
-            <a:r>
-              <a:rPr lang="de-DE" dirty="0" smtClean="0"/>
-              <a:t>1. Einflussfaktoren für Ausgabe</a:t>
-            </a:r>
-            <a:endParaRPr lang="de-DE" dirty="0" smtClean="0"/>
+            <a:fld id="{16878A96-99AD-184B-A8E8-77C65609B727}" type="slidenum">
+              <a:rPr lang="de-DE" smtClean="0"/>
+              <a:pPr/>
+              <a:t>7</a:t>
+            </a:fld>
+            <a:endParaRPr lang="de-DE" dirty="0"/>
+          </a:p>
+        </p:txBody>
+      </p:sp>
+      <p:sp>
+        <p:nvSpPr>
+          <p:cNvPr id="6" name="Fußzeilenplatzhalter 5"/>
+          <p:cNvSpPr>
+            <a:spLocks noGrp="1"/>
+          </p:cNvSpPr>
+          <p:nvPr>
+            <p:ph type="ftr" sz="quarter" idx="11"/>
+          </p:nvPr>
+        </p:nvSpPr>
+        <p:spPr/>
+        <p:txBody>
+          <a:bodyPr/>
+          <a:lstStyle/>
+          <a:p>
+            <a:r>
+              <a:rPr lang="en-US" dirty="0"/>
+              <a:t>Engineering Interpretable Cognitive Computing Systems, </a:t>
+            </a:r>
+            <a:r>
+              <a:rPr lang="en-US" dirty="0" err="1"/>
+              <a:t>Diss-Kurzcheck</a:t>
+            </a:r>
+            <a:r>
+              <a:rPr lang="en-US" dirty="0"/>
+              <a:t>, 15.08.2018, Jacqueline Büttner </a:t>
+            </a:r>
+            <a:endParaRPr lang="de-DE" dirty="0"/>
           </a:p>
         </p:txBody>
       </p:sp>
     </p:spTree>
     <p:extLst>
       <p:ext uri="{BB962C8B-B14F-4D97-AF65-F5344CB8AC3E}">
-        <p14:creationId xmlns:p14="http://schemas.microsoft.com/office/powerpoint/2010/main" val="2700289573"/>
+        <p14:creationId xmlns:p14="http://schemas.microsoft.com/office/powerpoint/2010/main" val="1269636602"/>
       </p:ext>
     </p:extLst>
   </p:cSld>
@@ -6840,13 +9002,7 @@
       </p:grpSpPr>
       <p:sp>
         <p:nvSpPr>
-          <p:cNvPr id="2" name="Title 1">
-            <a:extLst>
-              <a:ext uri="{FF2B5EF4-FFF2-40B4-BE49-F238E27FC236}">
-                <a16:creationId xmlns:a16="http://schemas.microsoft.com/office/drawing/2014/main" id="{7577113E-E9BE-F74B-BF92-9D8520C58403}"/>
-              </a:ext>
-            </a:extLst>
-          </p:cNvPr>
+          <p:cNvPr id="2" name="Titel 1"/>
           <p:cNvSpPr>
             <a:spLocks noGrp="1"/>
           </p:cNvSpPr>
@@ -6861,52 +9017,22 @@
           <a:p>
             <a:r>
               <a:rPr lang="de-DE" dirty="0" smtClean="0"/>
-              <a:t>Angestrebte Interpretierbarkeit</a:t>
+              <a:t>Hypothesen</a:t>
             </a:r>
             <a:endParaRPr lang="de-DE" dirty="0"/>
           </a:p>
         </p:txBody>
       </p:sp>
-      <p:pic>
-        <p:nvPicPr>
-          <p:cNvPr id="5" name="Grafik 4"/>
-          <p:cNvPicPr>
-            <a:picLocks noChangeAspect="1"/>
-          </p:cNvPicPr>
-          <p:nvPr/>
-        </p:nvPicPr>
-        <p:blipFill>
-          <a:blip r:embed="rId3">
-            <a:extLst>
-              <a:ext uri="{28A0092B-C50C-407E-A947-70E740481C1C}">
-                <a14:useLocalDpi xmlns:a14="http://schemas.microsoft.com/office/drawing/2010/main" val="0"/>
-              </a:ext>
-            </a:extLst>
-          </a:blip>
-          <a:stretch>
-            <a:fillRect/>
-          </a:stretch>
-        </p:blipFill>
-        <p:spPr>
-          <a:xfrm>
-            <a:off x="911887" y="1653253"/>
-            <a:ext cx="6732395" cy="4476230"/>
-          </a:xfrm>
-          <a:prstGeom prst="rect">
-            <a:avLst/>
-          </a:prstGeom>
-        </p:spPr>
-      </p:pic>
-      <p:sp>
-        <p:nvSpPr>
-          <p:cNvPr id="6" name="Textfeld 5"/>
+      <p:sp>
+        <p:nvSpPr>
+          <p:cNvPr id="3" name="Textfeld 2"/>
           <p:cNvSpPr txBox="1"/>
           <p:nvPr/>
         </p:nvSpPr>
         <p:spPr>
           <a:xfrm>
-            <a:off x="457200" y="683288"/>
-            <a:ext cx="7641771" cy="552660"/>
+            <a:off x="457200" y="946150"/>
+            <a:ext cx="8103996" cy="5303925"/>
           </a:xfrm>
           <a:prstGeom prst="rect">
             <a:avLst/>
@@ -6918,58 +9044,331 @@
             <a:noAutofit/>
           </a:bodyPr>
           <a:lstStyle/>
+          <a:p>
+            <a:pPr marL="285750" indent="-285750">
+              <a:buClr>
+                <a:schemeClr val="tx2"/>
+              </a:buClr>
+              <a:buFont typeface="Arial" panose="020B0604020202020204" pitchFamily="34" charset="0"/>
+              <a:buChar char="•"/>
+            </a:pPr>
+            <a:r>
+              <a:rPr lang="de-DE" dirty="0" smtClean="0"/>
+              <a:t>Die Interpretierbarkeit eines Modells hängt maßgeblich </a:t>
+            </a:r>
+            <a:r>
+              <a:rPr lang="de-DE" dirty="0" smtClean="0"/>
+              <a:t>von</a:t>
+            </a:r>
+            <a:endParaRPr lang="de-DE" dirty="0" smtClean="0"/>
+          </a:p>
+          <a:p>
+            <a:pPr marL="742950" lvl="1" indent="-285750">
+              <a:buClr>
+                <a:schemeClr val="tx2"/>
+              </a:buClr>
+              <a:buFont typeface="Arial" panose="020B0604020202020204" pitchFamily="34" charset="0"/>
+              <a:buChar char="•"/>
+            </a:pPr>
+            <a:r>
+              <a:rPr lang="de-DE" dirty="0" smtClean="0"/>
+              <a:t>d</a:t>
+            </a:r>
+            <a:r>
+              <a:rPr lang="de-DE" dirty="0" smtClean="0"/>
+              <a:t>er </a:t>
+            </a:r>
+            <a:r>
+              <a:rPr lang="de-DE" dirty="0" smtClean="0"/>
+              <a:t>Komplexität des statistischen </a:t>
+            </a:r>
+            <a:r>
+              <a:rPr lang="de-DE" dirty="0" smtClean="0"/>
+              <a:t>Modells</a:t>
+            </a:r>
+            <a:endParaRPr lang="de-DE" dirty="0" smtClean="0"/>
+          </a:p>
+          <a:p>
+            <a:pPr marL="742950" lvl="1" indent="-285750">
+              <a:buClr>
+                <a:schemeClr val="tx2"/>
+              </a:buClr>
+              <a:buFont typeface="Arial" panose="020B0604020202020204" pitchFamily="34" charset="0"/>
+              <a:buChar char="•"/>
+            </a:pPr>
+            <a:r>
+              <a:rPr lang="de-DE" dirty="0" smtClean="0"/>
+              <a:t>d</a:t>
+            </a:r>
+            <a:r>
+              <a:rPr lang="de-DE" dirty="0" smtClean="0"/>
+              <a:t>em </a:t>
+            </a:r>
+            <a:r>
+              <a:rPr lang="de-DE" dirty="0" smtClean="0"/>
+              <a:t>Verständnis der </a:t>
+            </a:r>
+            <a:r>
+              <a:rPr lang="de-DE" dirty="0" smtClean="0"/>
+              <a:t>Fachdomäne </a:t>
+            </a:r>
+          </a:p>
+          <a:p>
+            <a:pPr lvl="1">
+              <a:buClr>
+                <a:schemeClr val="tx2"/>
+              </a:buClr>
+            </a:pPr>
+            <a:r>
+              <a:rPr lang="de-DE" dirty="0" smtClean="0"/>
+              <a:t>ab.</a:t>
+            </a:r>
+          </a:p>
+          <a:p>
+            <a:pPr lvl="1">
+              <a:buClr>
+                <a:schemeClr val="tx2"/>
+              </a:buClr>
+            </a:pPr>
+            <a:endParaRPr lang="de-DE" dirty="0" smtClean="0"/>
+          </a:p>
+          <a:p>
+            <a:pPr marL="285750" indent="-285750">
+              <a:buClr>
+                <a:schemeClr val="tx2"/>
+              </a:buClr>
+              <a:buFont typeface="Arial" panose="020B0604020202020204" pitchFamily="34" charset="0"/>
+              <a:buChar char="•"/>
+            </a:pPr>
+            <a:r>
+              <a:rPr lang="de-DE" dirty="0" smtClean="0"/>
+              <a:t>Die Komplexität eines Modells </a:t>
+            </a:r>
+            <a:r>
+              <a:rPr lang="de-DE" dirty="0" smtClean="0"/>
+              <a:t>kann durch eine Verringerung der </a:t>
+            </a:r>
+            <a:r>
+              <a:rPr lang="de-DE" dirty="0" smtClean="0"/>
+              <a:t>Anzahl der geschätzten Freiheitsgrade </a:t>
+            </a:r>
+            <a:r>
+              <a:rPr lang="de-DE" dirty="0" smtClean="0"/>
+              <a:t>reduziert werden. </a:t>
+            </a:r>
+          </a:p>
+          <a:p>
+            <a:pPr marL="285750" indent="-285750">
+              <a:buClr>
+                <a:schemeClr val="tx2"/>
+              </a:buClr>
+              <a:buFont typeface="Arial" panose="020B0604020202020204" pitchFamily="34" charset="0"/>
+              <a:buChar char="•"/>
+            </a:pPr>
+            <a:endParaRPr lang="de-DE" dirty="0"/>
+          </a:p>
+          <a:p>
+            <a:pPr marL="285750" indent="-285750">
+              <a:buClr>
+                <a:schemeClr val="tx2"/>
+              </a:buClr>
+              <a:buFont typeface="Arial" panose="020B0604020202020204" pitchFamily="34" charset="0"/>
+              <a:buChar char="•"/>
+            </a:pPr>
+            <a:r>
+              <a:rPr lang="de-DE" dirty="0" smtClean="0"/>
+              <a:t>Das Verständnis der Fachdomäne kann durch Interaktion mit den Daten und / oder dem Modell verbessert werden.</a:t>
+            </a:r>
+          </a:p>
           <a:p>
             <a:pPr>
               <a:buClr>
                 <a:schemeClr val="tx2"/>
               </a:buClr>
             </a:pPr>
-            <a:r>
-              <a:rPr lang="de-DE" dirty="0"/>
-              <a:t>2</a:t>
-            </a:r>
-            <a:r>
-              <a:rPr lang="de-DE" dirty="0" smtClean="0"/>
-              <a:t>. </a:t>
-            </a:r>
-            <a:r>
-              <a:rPr lang="de-DE" dirty="0" smtClean="0"/>
-              <a:t>Thesen Generierung für Black Box Modell</a:t>
-            </a:r>
+            <a:endParaRPr lang="de-DE" dirty="0" smtClean="0"/>
           </a:p>
           <a:p>
             <a:pPr marL="285750" indent="-285750">
               <a:buClr>
                 <a:schemeClr val="tx2"/>
               </a:buClr>
-              <a:buFontTx/>
-              <a:buChar char="-"/>
+              <a:buFont typeface="Arial" panose="020B0604020202020204" pitchFamily="34" charset="0"/>
+              <a:buChar char="•"/>
             </a:pPr>
             <a:r>
               <a:rPr lang="de-DE" dirty="0" smtClean="0"/>
-              <a:t>Das Modell kann nur gut ausgeleuchtete Spieler erkennen</a:t>
-            </a:r>
-          </a:p>
-          <a:p>
-            <a:pPr marL="285750" indent="-285750">
+              <a:t>Dies </a:t>
+            </a:r>
+            <a:r>
+              <a:rPr lang="de-DE" dirty="0" smtClean="0"/>
+              <a:t>kann man erreichen durch</a:t>
+            </a:r>
+          </a:p>
+          <a:p>
+            <a:pPr marL="800100" lvl="1" indent="-342900">
+              <a:buClr>
+                <a:schemeClr val="tx2"/>
+              </a:buClr>
+              <a:buAutoNum type="alphaLcParenR"/>
+            </a:pPr>
+            <a:r>
+              <a:rPr lang="de-DE" dirty="0" smtClean="0"/>
+              <a:t>Aufteilen in mehrere Modelle mit höherer </a:t>
+            </a:r>
+            <a:r>
+              <a:rPr lang="de-DE" dirty="0" smtClean="0"/>
+              <a:t>Spezialisierung</a:t>
+            </a:r>
+            <a:endParaRPr lang="de-DE" dirty="0" smtClean="0"/>
+          </a:p>
+          <a:p>
+            <a:pPr marL="800100" lvl="1" indent="-342900">
               <a:buClr>
                 <a:schemeClr val="tx2"/>
               </a:buClr>
               <a:buFontTx/>
-              <a:buChar char="-"/>
+              <a:buAutoNum type="alphaLcParenR"/>
             </a:pPr>
             <a:r>
               <a:rPr lang="de-DE" dirty="0" smtClean="0"/>
-              <a:t>Das Modell basiert auf zwei nebeneinander liegenden „Strichen“</a:t>
+              <a:t>Iteratives Entwickeln </a:t>
+            </a:r>
+            <a:r>
+              <a:rPr lang="de-DE" dirty="0"/>
+              <a:t>der </a:t>
+            </a:r>
+            <a:r>
+              <a:rPr lang="de-DE" dirty="0" smtClean="0"/>
+              <a:t>Merkmale</a:t>
+            </a:r>
+          </a:p>
+          <a:p>
+            <a:pPr marL="800100" lvl="1" indent="-342900">
+              <a:buClr>
+                <a:schemeClr val="tx2"/>
+              </a:buClr>
+              <a:buFontTx/>
+              <a:buAutoNum type="alphaLcParenR"/>
+            </a:pPr>
+            <a:r>
+              <a:rPr lang="de-DE" dirty="0" smtClean="0"/>
+              <a:t>Kodieren </a:t>
+            </a:r>
+            <a:r>
+              <a:rPr lang="de-DE" dirty="0"/>
+              <a:t>von Vorwissen im </a:t>
+            </a:r>
+            <a:r>
+              <a:rPr lang="de-DE" dirty="0" smtClean="0"/>
+              <a:t>Modell</a:t>
             </a:r>
             <a:endParaRPr lang="de-DE" dirty="0" smtClean="0"/>
+          </a:p>
+          <a:p>
+            <a:pPr marL="800100" lvl="1" indent="-342900">
+              <a:buClr>
+                <a:schemeClr val="tx2"/>
+              </a:buClr>
+              <a:buAutoNum type="alphaLcParenR"/>
+            </a:pPr>
+            <a:r>
+              <a:rPr lang="de-DE" dirty="0" smtClean="0"/>
+              <a:t>Transfer </a:t>
+            </a:r>
+            <a:r>
+              <a:rPr lang="de-DE" dirty="0" smtClean="0"/>
+              <a:t>Lernen zu leichter interpretierbaren </a:t>
+            </a:r>
+            <a:r>
+              <a:rPr lang="de-DE" dirty="0" smtClean="0"/>
+              <a:t>Modellen</a:t>
+            </a:r>
+          </a:p>
+          <a:p>
+            <a:pPr marL="800100" lvl="1" indent="-342900">
+              <a:buClr>
+                <a:schemeClr val="tx2"/>
+              </a:buClr>
+              <a:buAutoNum type="alphaLcParenR"/>
+            </a:pPr>
+            <a:r>
+              <a:rPr lang="de-DE" dirty="0" smtClean="0"/>
+              <a:t>?</a:t>
+            </a:r>
+            <a:endParaRPr lang="de-DE" dirty="0" smtClean="0"/>
+          </a:p>
+          <a:p>
+            <a:pPr marL="800100" lvl="1" indent="-342900">
+              <a:buClr>
+                <a:schemeClr val="tx2"/>
+              </a:buClr>
+              <a:buAutoNum type="alphaLcParenR"/>
+            </a:pPr>
+            <a:endParaRPr lang="de-DE" dirty="0" smtClean="0"/>
+          </a:p>
+          <a:p>
+            <a:pPr marL="800100" lvl="1" indent="-342900">
+              <a:buClr>
+                <a:schemeClr val="tx2"/>
+              </a:buClr>
+              <a:buAutoNum type="alphaLcParenR"/>
+            </a:pPr>
+            <a:endParaRPr lang="de-DE" dirty="0" smtClean="0"/>
+          </a:p>
+        </p:txBody>
+      </p:sp>
+      <p:sp>
+        <p:nvSpPr>
+          <p:cNvPr id="4" name="Foliennummernplatzhalter 3"/>
+          <p:cNvSpPr>
+            <a:spLocks noGrp="1"/>
+          </p:cNvSpPr>
+          <p:nvPr>
+            <p:ph type="sldNum" sz="quarter" idx="12"/>
+          </p:nvPr>
+        </p:nvSpPr>
+        <p:spPr/>
+        <p:txBody>
+          <a:bodyPr/>
+          <a:lstStyle/>
+          <a:p>
+            <a:fld id="{16878A96-99AD-184B-A8E8-77C65609B727}" type="slidenum">
+              <a:rPr lang="de-DE" smtClean="0"/>
+              <a:pPr/>
+              <a:t>8</a:t>
+            </a:fld>
+            <a:endParaRPr lang="de-DE"/>
+          </a:p>
+        </p:txBody>
+      </p:sp>
+      <p:sp>
+        <p:nvSpPr>
+          <p:cNvPr id="5" name="Fußzeilenplatzhalter 4"/>
+          <p:cNvSpPr>
+            <a:spLocks noGrp="1"/>
+          </p:cNvSpPr>
+          <p:nvPr>
+            <p:ph type="ftr" sz="quarter" idx="11"/>
+          </p:nvPr>
+        </p:nvSpPr>
+        <p:spPr/>
+        <p:txBody>
+          <a:bodyPr/>
+          <a:lstStyle/>
+          <a:p>
+            <a:r>
+              <a:rPr lang="en-US" smtClean="0"/>
+              <a:t>Engineering Interpretable Cognitive Computing Systems, Diss-Kurzcheck, 15.08.2018, Jacqueline Büttner </a:t>
+            </a:r>
+            <a:endParaRPr lang="de-DE"/>
           </a:p>
         </p:txBody>
       </p:sp>
     </p:spTree>
     <p:extLst>
       <p:ext uri="{BB962C8B-B14F-4D97-AF65-F5344CB8AC3E}">
-        <p14:creationId xmlns:p14="http://schemas.microsoft.com/office/powerpoint/2010/main" val="1044125031"/>
+        <p14:creationId xmlns:p14="http://schemas.microsoft.com/office/powerpoint/2010/main" val="274331917"/>
       </p:ext>
     </p:extLst>
   </p:cSld>
@@ -7005,13 +9404,7 @@
       </p:grpSpPr>
       <p:sp>
         <p:nvSpPr>
-          <p:cNvPr id="2" name="Title 1">
-            <a:extLst>
-              <a:ext uri="{FF2B5EF4-FFF2-40B4-BE49-F238E27FC236}">
-                <a16:creationId xmlns:a16="http://schemas.microsoft.com/office/drawing/2014/main" id="{7577113E-E9BE-F74B-BF92-9D8520C58403}"/>
-              </a:ext>
-            </a:extLst>
-          </p:cNvPr>
+          <p:cNvPr id="2" name="Titel 1"/>
           <p:cNvSpPr>
             <a:spLocks noGrp="1"/>
           </p:cNvSpPr>
@@ -7026,7 +9419,7 @@
           <a:p>
             <a:r>
               <a:rPr lang="de-DE" dirty="0" smtClean="0"/>
-              <a:t>Fragestellungen</a:t>
+              <a:t>Nächste Schritte</a:t>
             </a:r>
             <a:endParaRPr lang="de-DE" dirty="0"/>
           </a:p>
@@ -7034,117 +9427,290 @@
       </p:sp>
       <p:sp>
         <p:nvSpPr>
-          <p:cNvPr id="3" name="Inhaltsplatzhalter 2"/>
-          <p:cNvSpPr>
-            <a:spLocks noGrp="1"/>
-          </p:cNvSpPr>
-          <p:nvPr>
-            <p:ph idx="1"/>
-          </p:nvPr>
-        </p:nvSpPr>
-        <p:spPr/>
-        <p:txBody>
-          <a:bodyPr/>
-          <a:lstStyle/>
-          <a:p>
-            <a:r>
-              <a:rPr lang="de-DE" dirty="0" smtClean="0"/>
-              <a:t>Wie komme ich zu guten Thesen, die möglichst viele Schwierigkeiten abdecken (Schnee!)?</a:t>
-            </a:r>
-          </a:p>
-          <a:p>
-            <a:r>
-              <a:rPr lang="de-DE" dirty="0" smtClean="0"/>
-              <a:t>Wie bringe ich das Wissen in das Modell ein, dass ein Mensch komplizierter ist als Beine?</a:t>
-            </a:r>
-          </a:p>
-          <a:p>
-            <a:r>
-              <a:rPr lang="de-DE" dirty="0" smtClean="0"/>
-              <a:t>Wie stellt man die „Aufmerksamkeit“ des Systems je nach Domäne am besten dar?</a:t>
-            </a:r>
-          </a:p>
-          <a:p>
-            <a:r>
-              <a:rPr lang="de-DE" dirty="0" smtClean="0"/>
-              <a:t>Wie kann ich vorgehen, wenn ich für ein (Teil-)Problem bereits eine Lösung habe?</a:t>
-            </a:r>
-          </a:p>
-          <a:p>
-            <a:r>
-              <a:rPr lang="de-DE" dirty="0" smtClean="0"/>
-              <a:t>Wie kann ich von vorn herein</a:t>
-            </a:r>
-          </a:p>
-          <a:p>
-            <a:pPr marL="0" indent="0">
-              <a:buNone/>
-            </a:pPr>
-            <a:r>
-              <a:rPr lang="de-DE" dirty="0" smtClean="0"/>
-              <a:t>     ein interpretierbares Modell</a:t>
-            </a:r>
-          </a:p>
-          <a:p>
-            <a:pPr marL="0" indent="0">
-              <a:buNone/>
-            </a:pPr>
-            <a:r>
-              <a:rPr lang="de-DE" dirty="0" smtClean="0"/>
-              <a:t>     erstellen, das sich leicht</a:t>
-            </a:r>
-          </a:p>
-          <a:p>
-            <a:pPr marL="0" indent="0">
-              <a:buNone/>
-            </a:pPr>
-            <a:r>
-              <a:rPr lang="de-DE" dirty="0" smtClean="0"/>
-              <a:t>     „debuggen“ lässt?</a:t>
-            </a:r>
-          </a:p>
-          <a:p>
-            <a:pPr marL="0" indent="0">
-              <a:buNone/>
-            </a:pPr>
-            <a:endParaRPr lang="de-DE" dirty="0"/>
-          </a:p>
-        </p:txBody>
-      </p:sp>
-      <p:pic>
-        <p:nvPicPr>
-          <p:cNvPr id="5" name="Grafik 4"/>
-          <p:cNvPicPr>
-            <a:picLocks noChangeAspect="1"/>
-          </p:cNvPicPr>
+          <p:cNvPr id="3" name="Textfeld 2"/>
+          <p:cNvSpPr txBox="1"/>
           <p:nvPr/>
-        </p:nvPicPr>
-        <p:blipFill>
-          <a:blip r:embed="rId3">
-            <a:extLst>
-              <a:ext uri="{28A0092B-C50C-407E-A947-70E740481C1C}">
-                <a14:useLocalDpi xmlns:a14="http://schemas.microsoft.com/office/drawing/2010/main" val="0"/>
-              </a:ext>
-            </a:extLst>
-          </a:blip>
-          <a:stretch>
-            <a:fillRect/>
-          </a:stretch>
-        </p:blipFill>
-        <p:spPr>
-          <a:xfrm>
-            <a:off x="4605109" y="3412331"/>
-            <a:ext cx="4081691" cy="2713832"/>
+        </p:nvSpPr>
+        <p:spPr>
+          <a:xfrm>
+            <a:off x="457200" y="946150"/>
+            <a:ext cx="8103996" cy="5303925"/>
           </a:xfrm>
           <a:prstGeom prst="rect">
             <a:avLst/>
           </a:prstGeom>
-        </p:spPr>
-      </p:pic>
+          <a:noFill/>
+        </p:spPr>
+        <p:txBody>
+          <a:bodyPr wrap="square" lIns="0" rIns="0" rtlCol="0">
+            <a:noAutofit/>
+          </a:bodyPr>
+          <a:lstStyle/>
+          <a:p>
+            <a:pPr marL="285750" indent="-285750">
+              <a:buClr>
+                <a:schemeClr val="tx2"/>
+              </a:buClr>
+              <a:buFont typeface="Arial" panose="020B0604020202020204" pitchFamily="34" charset="0"/>
+              <a:buChar char="•"/>
+            </a:pPr>
+            <a:r>
+              <a:rPr lang="de-DE" dirty="0" err="1" smtClean="0"/>
+              <a:t>Literature</a:t>
+            </a:r>
+            <a:r>
+              <a:rPr lang="de-DE" dirty="0" smtClean="0"/>
+              <a:t> Review</a:t>
+            </a:r>
+          </a:p>
+          <a:p>
+            <a:pPr marL="742950" lvl="1" indent="-285750">
+              <a:buClr>
+                <a:schemeClr val="tx2"/>
+              </a:buClr>
+              <a:buFont typeface="Arial" panose="020B0604020202020204" pitchFamily="34" charset="0"/>
+              <a:buChar char="•"/>
+            </a:pPr>
+            <a:r>
+              <a:rPr lang="de-DE" dirty="0" smtClean="0"/>
+              <a:t>Themengebiete	</a:t>
+            </a:r>
+          </a:p>
+          <a:p>
+            <a:pPr marL="1200150" lvl="2" indent="-285750">
+              <a:buClr>
+                <a:schemeClr val="tx2"/>
+              </a:buClr>
+              <a:buFont typeface="Arial" panose="020B0604020202020204" pitchFamily="34" charset="0"/>
+              <a:buChar char="•"/>
+            </a:pPr>
+            <a:r>
+              <a:rPr lang="en-US" dirty="0"/>
+              <a:t>Encoding previous knowledge for machine </a:t>
+            </a:r>
+            <a:r>
+              <a:rPr lang="en-US" dirty="0" smtClean="0"/>
+              <a:t>learning</a:t>
+            </a:r>
+          </a:p>
+          <a:p>
+            <a:pPr marL="1200150" lvl="2" indent="-285750">
+              <a:buClr>
+                <a:schemeClr val="tx2"/>
+              </a:buClr>
+              <a:buFont typeface="Arial" panose="020B0604020202020204" pitchFamily="34" charset="0"/>
+              <a:buChar char="•"/>
+            </a:pPr>
+            <a:r>
+              <a:rPr lang="en-US" dirty="0" smtClean="0"/>
+              <a:t>Reducing the complexity of machine learning systems</a:t>
+            </a:r>
+          </a:p>
+          <a:p>
+            <a:pPr marL="1200150" lvl="2" indent="-285750">
+              <a:buClr>
+                <a:schemeClr val="tx2"/>
+              </a:buClr>
+              <a:buFont typeface="Arial" panose="020B0604020202020204" pitchFamily="34" charset="0"/>
+              <a:buChar char="•"/>
+            </a:pPr>
+            <a:r>
+              <a:rPr lang="en-US" dirty="0" smtClean="0"/>
+              <a:t>Explainable/ Interactive machine learning</a:t>
+            </a:r>
+          </a:p>
+          <a:p>
+            <a:pPr marL="742950" lvl="1" indent="-285750">
+              <a:buClr>
+                <a:schemeClr val="tx2"/>
+              </a:buClr>
+              <a:buFont typeface="Arial" panose="020B0604020202020204" pitchFamily="34" charset="0"/>
+              <a:buChar char="•"/>
+            </a:pPr>
+            <a:r>
+              <a:rPr lang="en-US" dirty="0" err="1" smtClean="0"/>
+              <a:t>Weitere</a:t>
+            </a:r>
+            <a:r>
+              <a:rPr lang="en-US" dirty="0" smtClean="0"/>
+              <a:t> </a:t>
+            </a:r>
+            <a:r>
+              <a:rPr lang="en-US" dirty="0" err="1" smtClean="0"/>
+              <a:t>Kategorisierung</a:t>
+            </a:r>
+            <a:endParaRPr lang="en-US" dirty="0" smtClean="0"/>
+          </a:p>
+          <a:p>
+            <a:pPr marL="285750" indent="-285750">
+              <a:buClr>
+                <a:schemeClr val="tx2"/>
+              </a:buClr>
+              <a:buFont typeface="Arial" panose="020B0604020202020204" pitchFamily="34" charset="0"/>
+              <a:buChar char="•"/>
+            </a:pPr>
+            <a:r>
+              <a:rPr lang="en-US" dirty="0" err="1" smtClean="0"/>
+              <a:t>Relevante</a:t>
+            </a:r>
+            <a:r>
+              <a:rPr lang="en-US" dirty="0" smtClean="0"/>
+              <a:t> </a:t>
+            </a:r>
+            <a:r>
+              <a:rPr lang="en-US" dirty="0" err="1" smtClean="0"/>
+              <a:t>Konferenzen</a:t>
+            </a:r>
+            <a:r>
+              <a:rPr lang="en-US" dirty="0" smtClean="0"/>
+              <a:t>, </a:t>
+            </a:r>
+            <a:r>
+              <a:rPr lang="en-US" dirty="0" err="1" smtClean="0"/>
+              <a:t>Autoren</a:t>
+            </a:r>
+            <a:endParaRPr lang="en-US" dirty="0" smtClean="0"/>
+          </a:p>
+          <a:p>
+            <a:pPr marL="285750" indent="-285750">
+              <a:buClr>
+                <a:schemeClr val="tx2"/>
+              </a:buClr>
+              <a:buFont typeface="Arial" panose="020B0604020202020204" pitchFamily="34" charset="0"/>
+              <a:buChar char="•"/>
+            </a:pPr>
+            <a:r>
+              <a:rPr lang="en-US" dirty="0" err="1" smtClean="0"/>
+              <a:t>Verfeinerung</a:t>
+            </a:r>
+            <a:r>
+              <a:rPr lang="en-US" dirty="0" smtClean="0"/>
+              <a:t> und </a:t>
+            </a:r>
+            <a:r>
+              <a:rPr lang="en-US" dirty="0" err="1" smtClean="0"/>
+              <a:t>Eingrenzung</a:t>
+            </a:r>
+            <a:r>
+              <a:rPr lang="en-US" dirty="0" smtClean="0"/>
+              <a:t> der </a:t>
+            </a:r>
+            <a:r>
+              <a:rPr lang="en-US" dirty="0" err="1" smtClean="0"/>
+              <a:t>Hypothesen</a:t>
+            </a:r>
+            <a:endParaRPr lang="en-US" dirty="0" smtClean="0"/>
+          </a:p>
+          <a:p>
+            <a:pPr marL="285750" indent="-285750">
+              <a:buClr>
+                <a:schemeClr val="tx2"/>
+              </a:buClr>
+              <a:buFont typeface="Arial" panose="020B0604020202020204" pitchFamily="34" charset="0"/>
+              <a:buChar char="•"/>
+            </a:pPr>
+            <a:r>
+              <a:rPr lang="en-US" dirty="0" err="1" smtClean="0"/>
+              <a:t>Entwicklung</a:t>
+            </a:r>
+            <a:r>
+              <a:rPr lang="en-US" dirty="0" smtClean="0"/>
+              <a:t> </a:t>
+            </a:r>
+            <a:r>
+              <a:rPr lang="en-US" dirty="0" err="1" smtClean="0"/>
+              <a:t>eines</a:t>
+            </a:r>
+            <a:r>
+              <a:rPr lang="en-US" dirty="0" smtClean="0"/>
+              <a:t> Setting </a:t>
+            </a:r>
+            <a:r>
+              <a:rPr lang="en-US" dirty="0" err="1" smtClean="0"/>
+              <a:t>für</a:t>
+            </a:r>
+            <a:r>
+              <a:rPr lang="en-US" dirty="0" smtClean="0"/>
+              <a:t> die </a:t>
+            </a:r>
+            <a:r>
+              <a:rPr lang="en-US" dirty="0" err="1" smtClean="0"/>
+              <a:t>Validierung</a:t>
+            </a:r>
+            <a:endParaRPr lang="en-US" dirty="0" smtClean="0"/>
+          </a:p>
+          <a:p>
+            <a:pPr marL="742950" lvl="1" indent="-285750">
+              <a:buClr>
+                <a:schemeClr val="tx2"/>
+              </a:buClr>
+              <a:buFont typeface="Arial" panose="020B0604020202020204" pitchFamily="34" charset="0"/>
+              <a:buChar char="•"/>
+            </a:pPr>
+            <a:endParaRPr lang="de-DE" dirty="0" smtClean="0"/>
+          </a:p>
+          <a:p>
+            <a:pPr marL="800100" lvl="1" indent="-342900">
+              <a:buClr>
+                <a:schemeClr val="tx2"/>
+              </a:buClr>
+              <a:buAutoNum type="alphaLcParenR"/>
+            </a:pPr>
+            <a:endParaRPr lang="de-DE" dirty="0" smtClean="0"/>
+          </a:p>
+        </p:txBody>
+      </p:sp>
+      <p:sp>
+        <p:nvSpPr>
+          <p:cNvPr id="4" name="Foliennummernplatzhalter 3"/>
+          <p:cNvSpPr>
+            <a:spLocks noGrp="1"/>
+          </p:cNvSpPr>
+          <p:nvPr>
+            <p:ph type="sldNum" sz="quarter" idx="12"/>
+          </p:nvPr>
+        </p:nvSpPr>
+        <p:spPr/>
+        <p:txBody>
+          <a:bodyPr/>
+          <a:lstStyle/>
+          <a:p>
+            <a:fld id="{16878A96-99AD-184B-A8E8-77C65609B727}" type="slidenum">
+              <a:rPr lang="de-DE" smtClean="0"/>
+              <a:pPr/>
+              <a:t>9</a:t>
+            </a:fld>
+            <a:endParaRPr lang="de-DE"/>
+          </a:p>
+        </p:txBody>
+      </p:sp>
+      <p:sp>
+        <p:nvSpPr>
+          <p:cNvPr id="5" name="Fußzeilenplatzhalter 4"/>
+          <p:cNvSpPr>
+            <a:spLocks noGrp="1"/>
+          </p:cNvSpPr>
+          <p:nvPr>
+            <p:ph type="ftr" sz="quarter" idx="11"/>
+          </p:nvPr>
+        </p:nvSpPr>
+        <p:spPr/>
+        <p:txBody>
+          <a:bodyPr/>
+          <a:lstStyle/>
+          <a:p>
+            <a:r>
+              <a:rPr lang="en-US" smtClean="0"/>
+              <a:t>Engineering Interpretable Cognitive Computing Systems, Diss-Kurzcheck, 15.08.2018, Jacqueline Büttner </a:t>
+            </a:r>
+            <a:endParaRPr lang="de-DE"/>
+          </a:p>
+        </p:txBody>
+      </p:sp>
     </p:spTree>
     <p:extLst>
       <p:ext uri="{BB962C8B-B14F-4D97-AF65-F5344CB8AC3E}">
-        <p14:creationId xmlns:p14="http://schemas.microsoft.com/office/powerpoint/2010/main" val="1269636602"/>
+        <p14:creationId xmlns:p14="http://schemas.microsoft.com/office/powerpoint/2010/main" val="791579922"/>
       </p:ext>
     </p:extLst>
   </p:cSld>
@@ -7823,4 +10389,47 @@
   </a:objectDefaults>
   <a:extraClrSchemeLst/>
 </a:theme>
+</file>
+
+<file path=ppt/theme/themeOverride1.xml><?xml version="1.0" encoding="utf-8"?>
+<a:themeOverride xmlns:a="http://schemas.openxmlformats.org/drawingml/2006/main">
+  <a:clrScheme name="paluno_Farbenmaster">
+    <a:dk1>
+      <a:sysClr val="windowText" lastClr="000000"/>
+    </a:dk1>
+    <a:lt1>
+      <a:sysClr val="window" lastClr="FFFFFF"/>
+    </a:lt1>
+    <a:dk2>
+      <a:srgbClr val="0C3873"/>
+    </a:dk2>
+    <a:lt2>
+      <a:srgbClr val="9EA8B1"/>
+    </a:lt2>
+    <a:accent1>
+      <a:srgbClr val="CD0A1F"/>
+    </a:accent1>
+    <a:accent2>
+      <a:srgbClr val="4A4B4C"/>
+    </a:accent2>
+    <a:accent3>
+      <a:srgbClr val="64990E"/>
+    </a:accent3>
+    <a:accent4>
+      <a:srgbClr val="8D1133"/>
+    </a:accent4>
+    <a:accent5>
+      <a:srgbClr val="0C3873"/>
+    </a:accent5>
+    <a:accent6>
+      <a:srgbClr val="EAA300"/>
+    </a:accent6>
+    <a:hlink>
+      <a:srgbClr val="0000FF"/>
+    </a:hlink>
+    <a:folHlink>
+      <a:srgbClr val="800080"/>
+    </a:folHlink>
+  </a:clrScheme>
+</a:themeOverride>
 </file>
--- a/Diss (repo)/Explainable AI/Disskurzcheck082018.pptx
+++ b/Diss (repo)/Explainable AI/Disskurzcheck082018.pptx
@@ -5,19 +5,22 @@
     <p:sldMasterId id="2147483673" r:id="rId1"/>
   </p:sldMasterIdLst>
   <p:notesMasterIdLst>
-    <p:notesMasterId r:id="rId12"/>
+    <p:notesMasterId r:id="rId15"/>
   </p:notesMasterIdLst>
   <p:sldIdLst>
     <p:sldId id="334" r:id="rId2"/>
-    <p:sldId id="330" r:id="rId3"/>
+    <p:sldId id="338" r:id="rId3"/>
     <p:sldId id="342" r:id="rId4"/>
-    <p:sldId id="338" r:id="rId5"/>
-    <p:sldId id="343" r:id="rId6"/>
-    <p:sldId id="344" r:id="rId7"/>
-    <p:sldId id="341" r:id="rId8"/>
-    <p:sldId id="329" r:id="rId9"/>
-    <p:sldId id="345" r:id="rId10"/>
-    <p:sldId id="339" r:id="rId11"/>
+    <p:sldId id="347" r:id="rId5"/>
+    <p:sldId id="346" r:id="rId6"/>
+    <p:sldId id="348" r:id="rId7"/>
+    <p:sldId id="329" r:id="rId8"/>
+    <p:sldId id="345" r:id="rId9"/>
+    <p:sldId id="349" r:id="rId10"/>
+    <p:sldId id="330" r:id="rId11"/>
+    <p:sldId id="339" r:id="rId12"/>
+    <p:sldId id="344" r:id="rId13"/>
+    <p:sldId id="341" r:id="rId14"/>
   </p:sldIdLst>
   <p:sldSz cx="9144000" cy="6858000" type="screen4x3"/>
   <p:notesSz cx="6858000" cy="9144000"/>
@@ -264,7 +267,7 @@
           <a:p>
             <a:fld id="{A9533422-EA17-F948-BF63-CBC5318A2B77}" type="datetimeFigureOut">
               <a:rPr lang="en-US" smtClean="0"/>
-              <a:t>7/31/2018</a:t>
+              <a:t>8/15/2018</a:t>
             </a:fld>
             <a:endParaRPr lang="en-US"/>
           </a:p>
@@ -661,9 +664,60 @@
           <a:lstStyle/>
           <a:p>
             <a:r>
-              <a:rPr lang="de-DE" dirty="0" smtClean="0"/>
-              <a:t>http://explainablesystems.comp.nus.edu.sg/wp-content/uploads/2018/03/XAI%20for%20IUI%202018.pdf</a:t>
-            </a:r>
+              <a:rPr lang="en-US" sz="1200" b="0" kern="1200" dirty="0" smtClean="0">
+                <a:solidFill>
+                  <a:schemeClr val="tx1"/>
+                </a:solidFill>
+                <a:effectLst/>
+                <a:latin typeface="+mn-lt"/>
+                <a:ea typeface="+mn-ea"/>
+                <a:cs typeface="+mn-cs"/>
+              </a:rPr>
+              <a:t>Defense Advanced Research Projects Agency</a:t>
+            </a:r>
+          </a:p>
+          <a:p>
+            <a:r>
+              <a:rPr lang="en-US" dirty="0" err="1" smtClean="0">
+                <a:effectLst/>
+              </a:rPr>
+              <a:t>Abteilung</a:t>
+            </a:r>
+            <a:r>
+              <a:rPr lang="en-US" baseline="0" dirty="0" smtClean="0">
+                <a:effectLst/>
+              </a:rPr>
+              <a:t> des </a:t>
+            </a:r>
+            <a:r>
+              <a:rPr lang="en-US" baseline="0" dirty="0" err="1" smtClean="0">
+                <a:effectLst/>
+              </a:rPr>
+              <a:t>amerikanischen</a:t>
+            </a:r>
+            <a:r>
+              <a:rPr lang="en-US" baseline="0" dirty="0" smtClean="0">
+                <a:effectLst/>
+              </a:rPr>
+              <a:t> </a:t>
+            </a:r>
+            <a:r>
+              <a:rPr lang="en-US" baseline="0" dirty="0" err="1" smtClean="0">
+                <a:effectLst/>
+              </a:rPr>
+              <a:t>Verteidigungsministeriums</a:t>
+            </a:r>
+            <a:r>
+              <a:rPr lang="en-US" dirty="0" smtClean="0">
+                <a:effectLst/>
+              </a:rPr>
+              <a:t/>
+            </a:r>
+            <a:br>
+              <a:rPr lang="en-US" dirty="0" smtClean="0">
+                <a:effectLst/>
+              </a:rPr>
+            </a:br>
             <a:endParaRPr lang="de-DE" dirty="0"/>
           </a:p>
         </p:txBody>
@@ -694,7 +748,7 @@
     </p:spTree>
     <p:extLst>
       <p:ext uri="{BB962C8B-B14F-4D97-AF65-F5344CB8AC3E}">
-        <p14:creationId xmlns:p14="http://schemas.microsoft.com/office/powerpoint/2010/main" val="2146427203"/>
+        <p14:creationId xmlns:p14="http://schemas.microsoft.com/office/powerpoint/2010/main" val="1822943927"/>
       </p:ext>
     </p:extLst>
   </p:cSld>
@@ -877,6 +931,51 @@
           <a:bodyPr/>
           <a:lstStyle/>
           <a:p>
+            <a:r>
+              <a:rPr lang="de-DE" dirty="0" smtClean="0"/>
+              <a:t>DARPA </a:t>
+            </a:r>
+            <a:r>
+              <a:rPr lang="de-DE" dirty="0" err="1" smtClean="0"/>
+              <a:t>Defence</a:t>
+            </a:r>
+            <a:r>
+              <a:rPr lang="de-DE" dirty="0" smtClean="0"/>
+              <a:t> </a:t>
+            </a:r>
+            <a:r>
+              <a:rPr lang="de-DE" dirty="0" err="1" smtClean="0"/>
+              <a:t>Advanced</a:t>
+            </a:r>
+            <a:r>
+              <a:rPr lang="de-DE" baseline="0" dirty="0" smtClean="0"/>
+              <a:t> Research Projects Agency : </a:t>
+            </a:r>
+            <a:r>
+              <a:rPr lang="en-US" sz="1200" b="0" i="0" kern="1200" dirty="0" smtClean="0">
+                <a:solidFill>
+                  <a:schemeClr val="tx1"/>
+                </a:solidFill>
+                <a:effectLst/>
+                <a:latin typeface="+mn-lt"/>
+                <a:ea typeface="+mn-ea"/>
+                <a:cs typeface="+mn-cs"/>
+              </a:rPr>
+              <a:t> to make pivotal investments in breakthrough technologies for national security.</a:t>
+            </a:r>
+            <a:endParaRPr lang="de-DE" dirty="0" smtClean="0"/>
+          </a:p>
+          <a:p>
+            <a:r>
+              <a:rPr lang="de-DE" dirty="0" smtClean="0"/>
+              <a:t/>
+            </a:r>
+            <a:br>
+              <a:rPr lang="de-DE" dirty="0" smtClean="0"/>
+            </a:br>
+            <a:endParaRPr lang="de-DE" dirty="0" smtClean="0"/>
+          </a:p>
+          <a:p>
             <a:endParaRPr lang="de-DE" dirty="0"/>
           </a:p>
         </p:txBody>
@@ -907,7 +1006,7 @@
     </p:spTree>
     <p:extLst>
       <p:ext uri="{BB962C8B-B14F-4D97-AF65-F5344CB8AC3E}">
-        <p14:creationId xmlns:p14="http://schemas.microsoft.com/office/powerpoint/2010/main" val="1822943927"/>
+        <p14:creationId xmlns:p14="http://schemas.microsoft.com/office/powerpoint/2010/main" val="2616823331"/>
       </p:ext>
     </p:extLst>
   </p:cSld>
@@ -963,8 +1062,49 @@
           <a:p>
             <a:r>
               <a:rPr lang="de-DE" dirty="0" smtClean="0"/>
-              <a:t>http://explainablesystems.comp.nus.edu.sg/wp-content/uploads/2018/03/XAI%20for%20IUI%202018.pdf</a:t>
-            </a:r>
+              <a:t>DARPA </a:t>
+            </a:r>
+            <a:r>
+              <a:rPr lang="de-DE" dirty="0" err="1" smtClean="0"/>
+              <a:t>Defence</a:t>
+            </a:r>
+            <a:r>
+              <a:rPr lang="de-DE" dirty="0" smtClean="0"/>
+              <a:t> </a:t>
+            </a:r>
+            <a:r>
+              <a:rPr lang="de-DE" dirty="0" err="1" smtClean="0"/>
+              <a:t>Advanced</a:t>
+            </a:r>
+            <a:r>
+              <a:rPr lang="de-DE" baseline="0" dirty="0" smtClean="0"/>
+              <a:t> Research Projects Agency : </a:t>
+            </a:r>
+            <a:r>
+              <a:rPr lang="en-US" sz="1200" b="0" i="0" kern="1200" dirty="0" smtClean="0">
+                <a:solidFill>
+                  <a:schemeClr val="tx1"/>
+                </a:solidFill>
+                <a:effectLst/>
+                <a:latin typeface="+mn-lt"/>
+                <a:ea typeface="+mn-ea"/>
+                <a:cs typeface="+mn-cs"/>
+              </a:rPr>
+              <a:t> to make pivotal investments in breakthrough technologies for national security.</a:t>
+            </a:r>
+            <a:endParaRPr lang="de-DE" dirty="0" smtClean="0"/>
+          </a:p>
+          <a:p>
+            <a:r>
+              <a:rPr lang="de-DE" dirty="0" smtClean="0"/>
+              <a:t/>
+            </a:r>
+            <a:br>
+              <a:rPr lang="de-DE" dirty="0" smtClean="0"/>
+            </a:br>
+            <a:endParaRPr lang="de-DE" dirty="0" smtClean="0"/>
+          </a:p>
+          <a:p>
             <a:endParaRPr lang="de-DE" dirty="0"/>
           </a:p>
         </p:txBody>
@@ -986,7 +1126,7 @@
           <a:p>
             <a:fld id="{FB77DEBE-DB84-1445-A195-EA89E0287CFF}" type="slidenum">
               <a:rPr lang="en-US" smtClean="0"/>
-              <a:t>7</a:t>
+              <a:t>5</a:t>
             </a:fld>
             <a:endParaRPr lang="en-US"/>
           </a:p>
@@ -995,7 +1135,7 @@
     </p:spTree>
     <p:extLst>
       <p:ext uri="{BB962C8B-B14F-4D97-AF65-F5344CB8AC3E}">
-        <p14:creationId xmlns:p14="http://schemas.microsoft.com/office/powerpoint/2010/main" val="3726193308"/>
+        <p14:creationId xmlns:p14="http://schemas.microsoft.com/office/powerpoint/2010/main" val="2097395692"/>
       </p:ext>
     </p:extLst>
   </p:cSld>
@@ -1050,6 +1190,145 @@
           <a:lstStyle/>
           <a:p>
             <a:r>
+              <a:rPr lang="en-US" sz="1200" b="0" kern="1200" dirty="0" smtClean="0">
+                <a:solidFill>
+                  <a:schemeClr val="tx1"/>
+                </a:solidFill>
+                <a:effectLst/>
+                <a:latin typeface="+mn-lt"/>
+                <a:ea typeface="+mn-ea"/>
+                <a:cs typeface="+mn-cs"/>
+              </a:rPr>
+              <a:t>Defense Advanced Research Projects Agency</a:t>
+            </a:r>
+          </a:p>
+          <a:p>
+            <a:r>
+              <a:rPr lang="en-US" dirty="0" err="1" smtClean="0">
+                <a:effectLst/>
+              </a:rPr>
+              <a:t>Abteilung</a:t>
+            </a:r>
+            <a:r>
+              <a:rPr lang="en-US" baseline="0" dirty="0" smtClean="0">
+                <a:effectLst/>
+              </a:rPr>
+              <a:t> des </a:t>
+            </a:r>
+            <a:r>
+              <a:rPr lang="en-US" baseline="0" dirty="0" err="1" smtClean="0">
+                <a:effectLst/>
+              </a:rPr>
+              <a:t>amerikanischen</a:t>
+            </a:r>
+            <a:r>
+              <a:rPr lang="en-US" baseline="0" dirty="0" smtClean="0">
+                <a:effectLst/>
+              </a:rPr>
+              <a:t> </a:t>
+            </a:r>
+            <a:r>
+              <a:rPr lang="en-US" baseline="0" dirty="0" err="1" smtClean="0">
+                <a:effectLst/>
+              </a:rPr>
+              <a:t>Verteidigungsministeriums</a:t>
+            </a:r>
+            <a:r>
+              <a:rPr lang="en-US" dirty="0" smtClean="0">
+                <a:effectLst/>
+              </a:rPr>
+              <a:t/>
+            </a:r>
+            <a:br>
+              <a:rPr lang="en-US" dirty="0" smtClean="0">
+                <a:effectLst/>
+              </a:rPr>
+            </a:br>
+            <a:endParaRPr lang="de-DE" dirty="0"/>
+          </a:p>
+        </p:txBody>
+      </p:sp>
+      <p:sp>
+        <p:nvSpPr>
+          <p:cNvPr id="4" name="Foliennummernplatzhalter 3"/>
+          <p:cNvSpPr>
+            <a:spLocks noGrp="1"/>
+          </p:cNvSpPr>
+          <p:nvPr>
+            <p:ph type="sldNum" sz="quarter" idx="10"/>
+          </p:nvPr>
+        </p:nvSpPr>
+        <p:spPr/>
+        <p:txBody>
+          <a:bodyPr/>
+          <a:lstStyle/>
+          <a:p>
+            <a:fld id="{FB77DEBE-DB84-1445-A195-EA89E0287CFF}" type="slidenum">
+              <a:rPr lang="en-US" smtClean="0"/>
+              <a:t>6</a:t>
+            </a:fld>
+            <a:endParaRPr lang="en-US"/>
+          </a:p>
+        </p:txBody>
+      </p:sp>
+    </p:spTree>
+    <p:extLst>
+      <p:ext uri="{BB962C8B-B14F-4D97-AF65-F5344CB8AC3E}">
+        <p14:creationId xmlns:p14="http://schemas.microsoft.com/office/powerpoint/2010/main" val="651444295"/>
+      </p:ext>
+    </p:extLst>
+  </p:cSld>
+  <p:clrMapOvr>
+    <a:masterClrMapping/>
+  </p:clrMapOvr>
+</p:notes>
+</file>
+
+<file path=ppt/notesSlides/notesSlide7.xml><?xml version="1.0" encoding="utf-8"?>
+<p:notes xmlns:a="http://schemas.openxmlformats.org/drawingml/2006/main" xmlns:r="http://schemas.openxmlformats.org/officeDocument/2006/relationships" xmlns:p="http://schemas.openxmlformats.org/presentationml/2006/main">
+  <p:cSld>
+    <p:spTree>
+      <p:nvGrpSpPr>
+        <p:cNvPr id="1" name=""/>
+        <p:cNvGrpSpPr/>
+        <p:nvPr/>
+      </p:nvGrpSpPr>
+      <p:grpSpPr>
+        <a:xfrm>
+          <a:off x="0" y="0"/>
+          <a:ext cx="0" cy="0"/>
+          <a:chOff x="0" y="0"/>
+          <a:chExt cx="0" cy="0"/>
+        </a:xfrm>
+      </p:grpSpPr>
+      <p:sp>
+        <p:nvSpPr>
+          <p:cNvPr id="2" name="Folienbildplatzhalter 1"/>
+          <p:cNvSpPr>
+            <a:spLocks noGrp="1" noRot="1" noChangeAspect="1"/>
+          </p:cNvSpPr>
+          <p:nvPr>
+            <p:ph type="sldImg"/>
+          </p:nvPr>
+        </p:nvSpPr>
+        <p:spPr/>
+      </p:sp>
+      <p:sp>
+        <p:nvSpPr>
+          <p:cNvPr id="3" name="Notizenplatzhalter 2"/>
+          <p:cNvSpPr>
+            <a:spLocks noGrp="1"/>
+          </p:cNvSpPr>
+          <p:nvPr>
+            <p:ph type="body" idx="1"/>
+          </p:nvPr>
+        </p:nvSpPr>
+        <p:spPr/>
+        <p:txBody>
+          <a:bodyPr/>
+          <a:lstStyle/>
+          <a:p>
+            <a:r>
               <a:rPr lang="de-DE" dirty="0" smtClean="0"/>
               <a:t>http://explainablesystems.comp.nus.edu.sg/wp-content/uploads/2018/03/XAI%20for%20IUI%202018.pdf</a:t>
             </a:r>
@@ -1083,7 +1362,213 @@
     </p:spTree>
     <p:extLst>
       <p:ext uri="{BB962C8B-B14F-4D97-AF65-F5344CB8AC3E}">
+        <p14:creationId xmlns:p14="http://schemas.microsoft.com/office/powerpoint/2010/main" val="2146427203"/>
+      </p:ext>
+    </p:extLst>
+  </p:cSld>
+  <p:clrMapOvr>
+    <a:masterClrMapping/>
+  </p:clrMapOvr>
+</p:notes>
+</file>
+
+<file path=ppt/notesSlides/notesSlide8.xml><?xml version="1.0" encoding="utf-8"?>
+<p:notes xmlns:a="http://schemas.openxmlformats.org/drawingml/2006/main" xmlns:r="http://schemas.openxmlformats.org/officeDocument/2006/relationships" xmlns:p="http://schemas.openxmlformats.org/presentationml/2006/main">
+  <p:cSld>
+    <p:spTree>
+      <p:nvGrpSpPr>
+        <p:cNvPr id="1" name=""/>
+        <p:cNvGrpSpPr/>
+        <p:nvPr/>
+      </p:nvGrpSpPr>
+      <p:grpSpPr>
+        <a:xfrm>
+          <a:off x="0" y="0"/>
+          <a:ext cx="0" cy="0"/>
+          <a:chOff x="0" y="0"/>
+          <a:chExt cx="0" cy="0"/>
+        </a:xfrm>
+      </p:grpSpPr>
+      <p:sp>
+        <p:nvSpPr>
+          <p:cNvPr id="2" name="Folienbildplatzhalter 1"/>
+          <p:cNvSpPr>
+            <a:spLocks noGrp="1" noRot="1" noChangeAspect="1"/>
+          </p:cNvSpPr>
+          <p:nvPr>
+            <p:ph type="sldImg"/>
+          </p:nvPr>
+        </p:nvSpPr>
+        <p:spPr/>
+      </p:sp>
+      <p:sp>
+        <p:nvSpPr>
+          <p:cNvPr id="3" name="Notizenplatzhalter 2"/>
+          <p:cNvSpPr>
+            <a:spLocks noGrp="1"/>
+          </p:cNvSpPr>
+          <p:nvPr>
+            <p:ph type="body" idx="1"/>
+          </p:nvPr>
+        </p:nvSpPr>
+        <p:spPr/>
+        <p:txBody>
+          <a:bodyPr/>
+          <a:lstStyle/>
+          <a:p>
+            <a:r>
+              <a:rPr lang="de-DE" dirty="0" smtClean="0"/>
+              <a:t>http://explainablesystems.comp.nus.edu.sg/wp-content/uploads/2018/03/XAI%20for%20IUI%202018.pdf</a:t>
+            </a:r>
+            <a:endParaRPr lang="de-DE" dirty="0"/>
+          </a:p>
+        </p:txBody>
+      </p:sp>
+      <p:sp>
+        <p:nvSpPr>
+          <p:cNvPr id="4" name="Foliennummernplatzhalter 3"/>
+          <p:cNvSpPr>
+            <a:spLocks noGrp="1"/>
+          </p:cNvSpPr>
+          <p:nvPr>
+            <p:ph type="sldNum" sz="quarter" idx="10"/>
+          </p:nvPr>
+        </p:nvSpPr>
+        <p:spPr/>
+        <p:txBody>
+          <a:bodyPr/>
+          <a:lstStyle/>
+          <a:p>
+            <a:fld id="{FB77DEBE-DB84-1445-A195-EA89E0287CFF}" type="slidenum">
+              <a:rPr lang="en-US" smtClean="0"/>
+              <a:t>11</a:t>
+            </a:fld>
+            <a:endParaRPr lang="en-US"/>
+          </a:p>
+        </p:txBody>
+      </p:sp>
+    </p:spTree>
+    <p:extLst>
+      <p:ext uri="{BB962C8B-B14F-4D97-AF65-F5344CB8AC3E}">
         <p14:creationId xmlns:p14="http://schemas.microsoft.com/office/powerpoint/2010/main" val="4249145853"/>
+      </p:ext>
+    </p:extLst>
+  </p:cSld>
+  <p:clrMapOvr>
+    <a:masterClrMapping/>
+  </p:clrMapOvr>
+</p:notes>
+</file>
+
+<file path=ppt/notesSlides/notesSlide9.xml><?xml version="1.0" encoding="utf-8"?>
+<p:notes xmlns:a="http://schemas.openxmlformats.org/drawingml/2006/main" xmlns:r="http://schemas.openxmlformats.org/officeDocument/2006/relationships" xmlns:p="http://schemas.openxmlformats.org/presentationml/2006/main">
+  <p:cSld>
+    <p:spTree>
+      <p:nvGrpSpPr>
+        <p:cNvPr id="1" name=""/>
+        <p:cNvGrpSpPr/>
+        <p:nvPr/>
+      </p:nvGrpSpPr>
+      <p:grpSpPr>
+        <a:xfrm>
+          <a:off x="0" y="0"/>
+          <a:ext cx="0" cy="0"/>
+          <a:chOff x="0" y="0"/>
+          <a:chExt cx="0" cy="0"/>
+        </a:xfrm>
+      </p:grpSpPr>
+      <p:sp>
+        <p:nvSpPr>
+          <p:cNvPr id="2" name="Folienbildplatzhalter 1"/>
+          <p:cNvSpPr>
+            <a:spLocks noGrp="1" noRot="1" noChangeAspect="1"/>
+          </p:cNvSpPr>
+          <p:nvPr>
+            <p:ph type="sldImg"/>
+          </p:nvPr>
+        </p:nvSpPr>
+        <p:spPr/>
+      </p:sp>
+      <p:sp>
+        <p:nvSpPr>
+          <p:cNvPr id="3" name="Notizenplatzhalter 2"/>
+          <p:cNvSpPr>
+            <a:spLocks noGrp="1"/>
+          </p:cNvSpPr>
+          <p:nvPr>
+            <p:ph type="body" idx="1"/>
+          </p:nvPr>
+        </p:nvSpPr>
+        <p:spPr/>
+        <p:txBody>
+          <a:bodyPr/>
+          <a:lstStyle/>
+          <a:p>
+            <a:r>
+              <a:rPr lang="de-DE" dirty="0" smtClean="0"/>
+              <a:t>Wie komme ich zu einer guten Einschätzung der realen Bedingungen (Lichtverhältnisse, Schnee)?</a:t>
+            </a:r>
+          </a:p>
+          <a:p>
+            <a:r>
+              <a:rPr lang="de-DE" dirty="0" smtClean="0"/>
+              <a:t>Wie bringe ich das Vorwissen in das Modell ein (Mensch ist komplizierter als Beine)?</a:t>
+            </a:r>
+          </a:p>
+          <a:p>
+            <a:r>
+              <a:rPr lang="de-DE" dirty="0" smtClean="0"/>
+              <a:t>Wie kann ich vorgehen, wenn ich für ein (Teil-)Problem bereits eine Lösung habe?</a:t>
+            </a:r>
+          </a:p>
+          <a:p>
+            <a:r>
+              <a:rPr lang="de-DE" dirty="0" smtClean="0"/>
+              <a:t>Wie kann ich von vorn herein ein interpretierbares Modell erstellen, das sich leicht „debuggen“ lässt?</a:t>
+            </a:r>
+          </a:p>
+          <a:p>
+            <a:r>
+              <a:rPr lang="de-DE" dirty="0" smtClean="0"/>
+              <a:t>Kann ich ein Modell mit hoher Genauigkeit zu einem erklärbaren Modell transferieren?</a:t>
+            </a:r>
+          </a:p>
+          <a:p>
+            <a:r>
+              <a:rPr lang="de-DE" dirty="0" smtClean="0"/>
+              <a:t>Wie reduziere ich Komplexität?</a:t>
+            </a:r>
+            <a:endParaRPr lang="de-DE" dirty="0"/>
+          </a:p>
+        </p:txBody>
+      </p:sp>
+      <p:sp>
+        <p:nvSpPr>
+          <p:cNvPr id="4" name="Foliennummernplatzhalter 3"/>
+          <p:cNvSpPr>
+            <a:spLocks noGrp="1"/>
+          </p:cNvSpPr>
+          <p:nvPr>
+            <p:ph type="sldNum" sz="quarter" idx="10"/>
+          </p:nvPr>
+        </p:nvSpPr>
+        <p:spPr/>
+        <p:txBody>
+          <a:bodyPr/>
+          <a:lstStyle/>
+          <a:p>
+            <a:fld id="{FB77DEBE-DB84-1445-A195-EA89E0287CFF}" type="slidenum">
+              <a:rPr lang="en-US" smtClean="0"/>
+              <a:t>13</a:t>
+            </a:fld>
+            <a:endParaRPr lang="en-US"/>
+          </a:p>
+        </p:txBody>
+      </p:sp>
+    </p:spTree>
+    <p:extLst>
+      <p:ext uri="{BB962C8B-B14F-4D97-AF65-F5344CB8AC3E}">
+        <p14:creationId xmlns:p14="http://schemas.microsoft.com/office/powerpoint/2010/main" val="3726193308"/>
       </p:ext>
     </p:extLst>
   </p:cSld>
@@ -6773,15 +7258,7 @@
                   <a:schemeClr val="tx1"/>
                 </a:solidFill>
               </a:rPr>
-              <a:t> </a:t>
-            </a:r>
-            <a:r>
-              <a:rPr lang="de-DE" dirty="0" smtClean="0">
-                <a:solidFill>
-                  <a:schemeClr val="tx1"/>
-                </a:solidFill>
-              </a:rPr>
-              <a:t>Computing Systems</a:t>
+              <a:t> Computing Systems</a:t>
             </a:r>
             <a:endParaRPr lang="de-DE" dirty="0">
               <a:solidFill>
@@ -6938,6 +7415,210 @@
           <a:lstStyle/>
           <a:p>
             <a:r>
+              <a:rPr lang="de-DE" dirty="0" err="1"/>
+              <a:t>Explainable</a:t>
+            </a:r>
+            <a:r>
+              <a:rPr lang="de-DE" dirty="0"/>
+              <a:t> </a:t>
+            </a:r>
+            <a:r>
+              <a:rPr lang="de-DE" dirty="0" err="1"/>
+              <a:t>Artificial</a:t>
+            </a:r>
+            <a:r>
+              <a:rPr lang="de-DE" dirty="0"/>
+              <a:t> </a:t>
+            </a:r>
+            <a:r>
+              <a:rPr lang="de-DE" dirty="0" err="1"/>
+              <a:t>Intelligence</a:t>
+            </a:r>
+            <a:endParaRPr lang="de-DE" dirty="0"/>
+          </a:p>
+        </p:txBody>
+      </p:sp>
+      <p:sp>
+        <p:nvSpPr>
+          <p:cNvPr id="4" name="Textfeld 3"/>
+          <p:cNvSpPr txBox="1"/>
+          <p:nvPr/>
+        </p:nvSpPr>
+        <p:spPr>
+          <a:xfrm>
+            <a:off x="4966711" y="6220714"/>
+            <a:ext cx="2848708" cy="582805"/>
+          </a:xfrm>
+          <a:prstGeom prst="rect">
+            <a:avLst/>
+          </a:prstGeom>
+          <a:noFill/>
+        </p:spPr>
+        <p:txBody>
+          <a:bodyPr wrap="square" lIns="0" rIns="0" rtlCol="0">
+            <a:noAutofit/>
+          </a:bodyPr>
+          <a:lstStyle/>
+          <a:p>
+            <a:pPr>
+              <a:buClr>
+                <a:schemeClr val="tx2"/>
+              </a:buClr>
+            </a:pPr>
+            <a:r>
+              <a:rPr lang="de-DE" sz="800" dirty="0"/>
+              <a:t>https://www.darpa.mil/attachments/XAIProgramUpdate.pdf</a:t>
+            </a:r>
+            <a:endParaRPr lang="de-DE" sz="800" dirty="0" smtClean="0"/>
+          </a:p>
+        </p:txBody>
+      </p:sp>
+      <p:pic>
+        <p:nvPicPr>
+          <p:cNvPr id="5" name="Grafik 4"/>
+          <p:cNvPicPr>
+            <a:picLocks noChangeAspect="1"/>
+          </p:cNvPicPr>
+          <p:nvPr/>
+        </p:nvPicPr>
+        <p:blipFill>
+          <a:blip r:embed="rId3"/>
+          <a:stretch>
+            <a:fillRect/>
+          </a:stretch>
+        </p:blipFill>
+        <p:spPr>
+          <a:xfrm>
+            <a:off x="314325" y="957262"/>
+            <a:ext cx="8515350" cy="4943475"/>
+          </a:xfrm>
+          <a:prstGeom prst="rect">
+            <a:avLst/>
+          </a:prstGeom>
+        </p:spPr>
+      </p:pic>
+      <p:sp>
+        <p:nvSpPr>
+          <p:cNvPr id="6" name="Foliennummernplatzhalter 5"/>
+          <p:cNvSpPr>
+            <a:spLocks noGrp="1"/>
+          </p:cNvSpPr>
+          <p:nvPr>
+            <p:ph type="sldNum" sz="quarter" idx="12"/>
+          </p:nvPr>
+        </p:nvSpPr>
+        <p:spPr/>
+        <p:txBody>
+          <a:bodyPr/>
+          <a:lstStyle/>
+          <a:p>
+            <a:fld id="{16878A96-99AD-184B-A8E8-77C65609B727}" type="slidenum">
+              <a:rPr lang="de-DE" smtClean="0"/>
+              <a:pPr/>
+              <a:t>10</a:t>
+            </a:fld>
+            <a:endParaRPr lang="de-DE" dirty="0"/>
+          </a:p>
+        </p:txBody>
+      </p:sp>
+      <p:sp>
+        <p:nvSpPr>
+          <p:cNvPr id="7" name="Fußzeilenplatzhalter 6"/>
+          <p:cNvSpPr>
+            <a:spLocks noGrp="1"/>
+          </p:cNvSpPr>
+          <p:nvPr>
+            <p:ph type="ftr" sz="quarter" idx="11"/>
+          </p:nvPr>
+        </p:nvSpPr>
+        <p:spPr/>
+        <p:txBody>
+          <a:bodyPr/>
+          <a:lstStyle/>
+          <a:p>
+            <a:r>
+              <a:rPr lang="en-US" dirty="0"/>
+              <a:t>Engineering Interpretable Cognitive Computing Systems, </a:t>
+            </a:r>
+            <a:r>
+              <a:rPr lang="en-US" dirty="0" err="1"/>
+              <a:t>Diss-Kurzcheck</a:t>
+            </a:r>
+            <a:r>
+              <a:rPr lang="en-US" dirty="0"/>
+              <a:t>, 15.08.2018, Jacqueline Büttner </a:t>
+            </a:r>
+            <a:endParaRPr lang="de-DE" dirty="0"/>
+          </a:p>
+        </p:txBody>
+      </p:sp>
+    </p:spTree>
+    <p:extLst>
+      <p:ext uri="{BB962C8B-B14F-4D97-AF65-F5344CB8AC3E}">
+        <p14:creationId xmlns:p14="http://schemas.microsoft.com/office/powerpoint/2010/main" val="2779718912"/>
+      </p:ext>
+    </p:extLst>
+  </p:cSld>
+  <p:clrMapOvr>
+    <a:masterClrMapping/>
+  </p:clrMapOvr>
+  <mc:AlternateContent xmlns:mc="http://schemas.openxmlformats.org/markup-compatibility/2006" xmlns:p14="http://schemas.microsoft.com/office/powerpoint/2010/main">
+    <mc:Choice Requires="p14">
+      <p:transition spd="slow" p14:dur="2000"/>
+    </mc:Choice>
+    <mc:Fallback xmlns="">
+      <p:transition spd="slow"/>
+    </mc:Fallback>
+  </mc:AlternateContent>
+  <p:timing>
+    <p:tnLst>
+      <p:par>
+        <p:cTn id="1" dur="indefinite" restart="never" nodeType="tmRoot"/>
+      </p:par>
+    </p:tnLst>
+  </p:timing>
+</p:sld>
+</file>
+
+<file path=ppt/slides/slide11.xml><?xml version="1.0" encoding="utf-8"?>
+<p:sld xmlns:a="http://schemas.openxmlformats.org/drawingml/2006/main" xmlns:r="http://schemas.openxmlformats.org/officeDocument/2006/relationships" xmlns:p="http://schemas.openxmlformats.org/presentationml/2006/main" show="0">
+  <p:cSld>
+    <p:spTree>
+      <p:nvGrpSpPr>
+        <p:cNvPr id="1" name=""/>
+        <p:cNvGrpSpPr/>
+        <p:nvPr/>
+      </p:nvGrpSpPr>
+      <p:grpSpPr>
+        <a:xfrm>
+          <a:off x="0" y="0"/>
+          <a:ext cx="0" cy="0"/>
+          <a:chOff x="0" y="0"/>
+          <a:chExt cx="0" cy="0"/>
+        </a:xfrm>
+      </p:grpSpPr>
+      <p:sp>
+        <p:nvSpPr>
+          <p:cNvPr id="2" name="Title 1">
+            <a:extLst>
+              <a:ext uri="{FF2B5EF4-FFF2-40B4-BE49-F238E27FC236}">
+                <a16:creationId xmlns:a16="http://schemas.microsoft.com/office/drawing/2014/main" id="{7577113E-E9BE-F74B-BF92-9D8520C58403}"/>
+              </a:ext>
+            </a:extLst>
+          </p:cNvPr>
+          <p:cNvSpPr>
+            <a:spLocks noGrp="1"/>
+          </p:cNvSpPr>
+          <p:nvPr>
+            <p:ph type="title"/>
+          </p:nvPr>
+        </p:nvSpPr>
+        <p:spPr/>
+        <p:txBody>
+          <a:bodyPr/>
+          <a:lstStyle/>
+          <a:p>
+            <a:r>
               <a:rPr lang="de-DE" dirty="0" smtClean="0"/>
               <a:t>Interaktives, iteratives Entwickeln</a:t>
             </a:r>
@@ -7106,7 +7787,7 @@
             <a:fld id="{16878A96-99AD-184B-A8E8-77C65609B727}" type="slidenum">
               <a:rPr lang="de-DE" smtClean="0"/>
               <a:pPr/>
-              <a:t>10</a:t>
+              <a:t>11</a:t>
             </a:fld>
             <a:endParaRPr lang="de-DE"/>
           </a:p>
@@ -7135,10 +7816,472 @@
           </a:p>
         </p:txBody>
       </p:sp>
+      <p:pic>
+        <p:nvPicPr>
+          <p:cNvPr id="8" name="Grafik 7"/>
+          <p:cNvPicPr>
+            <a:picLocks noChangeAspect="1"/>
+          </p:cNvPicPr>
+          <p:nvPr/>
+        </p:nvPicPr>
+        <p:blipFill>
+          <a:blip r:embed="rId3">
+            <a:extLst>
+              <a:ext uri="{28A0092B-C50C-407E-A947-70E740481C1C}">
+                <a14:useLocalDpi xmlns:a14="http://schemas.microsoft.com/office/drawing/2010/main" val="0"/>
+              </a:ext>
+            </a:extLst>
+          </a:blip>
+          <a:stretch>
+            <a:fillRect/>
+          </a:stretch>
+        </p:blipFill>
+        <p:spPr>
+          <a:xfrm>
+            <a:off x="4823598" y="3515527"/>
+            <a:ext cx="4081691" cy="2713832"/>
+          </a:xfrm>
+          <a:prstGeom prst="rect">
+            <a:avLst/>
+          </a:prstGeom>
+        </p:spPr>
+      </p:pic>
     </p:spTree>
     <p:extLst>
       <p:ext uri="{BB962C8B-B14F-4D97-AF65-F5344CB8AC3E}">
         <p14:creationId xmlns:p14="http://schemas.microsoft.com/office/powerpoint/2010/main" val="2700289573"/>
+      </p:ext>
+    </p:extLst>
+  </p:cSld>
+  <p:clrMapOvr>
+    <a:masterClrMapping/>
+  </p:clrMapOvr>
+  <mc:AlternateContent xmlns:mc="http://schemas.openxmlformats.org/markup-compatibility/2006" xmlns:p14="http://schemas.microsoft.com/office/powerpoint/2010/main">
+    <mc:Choice Requires="p14">
+      <p:transition spd="slow" p14:dur="2000"/>
+    </mc:Choice>
+    <mc:Fallback xmlns="">
+      <p:transition spd="slow"/>
+    </mc:Fallback>
+  </mc:AlternateContent>
+  <p:timing>
+    <p:tnLst>
+      <p:par>
+        <p:cTn id="1" dur="indefinite" restart="never" nodeType="tmRoot"/>
+      </p:par>
+    </p:tnLst>
+  </p:timing>
+</p:sld>
+</file>
+
+<file path=ppt/slides/slide12.xml><?xml version="1.0" encoding="utf-8"?>
+<p:sld xmlns:a="http://schemas.openxmlformats.org/drawingml/2006/main" xmlns:r="http://schemas.openxmlformats.org/officeDocument/2006/relationships" xmlns:p="http://schemas.openxmlformats.org/presentationml/2006/main" show="0">
+  <p:cSld>
+    <p:spTree>
+      <p:nvGrpSpPr>
+        <p:cNvPr id="1" name=""/>
+        <p:cNvGrpSpPr/>
+        <p:nvPr/>
+      </p:nvGrpSpPr>
+      <p:grpSpPr>
+        <a:xfrm>
+          <a:off x="0" y="0"/>
+          <a:ext cx="0" cy="0"/>
+          <a:chOff x="0" y="0"/>
+          <a:chExt cx="0" cy="0"/>
+        </a:xfrm>
+      </p:grpSpPr>
+      <p:sp>
+        <p:nvSpPr>
+          <p:cNvPr id="2" name="Titel 1"/>
+          <p:cNvSpPr>
+            <a:spLocks noGrp="1"/>
+          </p:cNvSpPr>
+          <p:nvPr>
+            <p:ph type="title"/>
+          </p:nvPr>
+        </p:nvSpPr>
+        <p:spPr/>
+        <p:txBody>
+          <a:bodyPr/>
+          <a:lstStyle/>
+          <a:p>
+            <a:r>
+              <a:rPr lang="de-DE" dirty="0" smtClean="0"/>
+              <a:t>Debugging </a:t>
+            </a:r>
+            <a:r>
+              <a:rPr lang="de-DE" dirty="0" err="1" smtClean="0"/>
+              <a:t>Cognitive</a:t>
+            </a:r>
+            <a:r>
+              <a:rPr lang="de-DE" dirty="0" smtClean="0"/>
+              <a:t> Computing Systems</a:t>
+            </a:r>
+            <a:endParaRPr lang="de-DE" dirty="0"/>
+          </a:p>
+        </p:txBody>
+      </p:sp>
+      <p:sp>
+        <p:nvSpPr>
+          <p:cNvPr id="3" name="Inhaltsplatzhalter 2"/>
+          <p:cNvSpPr>
+            <a:spLocks noGrp="1"/>
+          </p:cNvSpPr>
+          <p:nvPr>
+            <p:ph idx="1"/>
+          </p:nvPr>
+        </p:nvSpPr>
+        <p:spPr>
+          <a:xfrm>
+            <a:off x="457200" y="698500"/>
+            <a:ext cx="8229600" cy="5427663"/>
+          </a:xfrm>
+        </p:spPr>
+        <p:txBody>
+          <a:bodyPr/>
+          <a:lstStyle/>
+          <a:p>
+            <a:r>
+              <a:rPr lang="de-DE" dirty="0" smtClean="0"/>
+              <a:t>Wie korrigiere ich einen Fehler?</a:t>
+            </a:r>
+          </a:p>
+          <a:p>
+            <a:pPr lvl="1"/>
+            <a:r>
+              <a:rPr lang="de-DE" dirty="0" smtClean="0"/>
+              <a:t>Wie bemerke ich überhaupt, dass es einen Fehler gibt?</a:t>
+            </a:r>
+          </a:p>
+          <a:p>
+            <a:pPr lvl="1"/>
+            <a:r>
+              <a:rPr lang="de-DE" dirty="0" smtClean="0"/>
+              <a:t>Wie kann ich heraus finden wo die Ursache eines Fehlers liegen könnte?</a:t>
+            </a:r>
+          </a:p>
+          <a:p>
+            <a:pPr lvl="1"/>
+            <a:r>
+              <a:rPr lang="de-DE" dirty="0" smtClean="0"/>
+              <a:t>Wie kann ich beschreiben unter welchen (zunächst impliziten) Annahmen  das Modell erstellt wurde?</a:t>
+            </a:r>
+          </a:p>
+          <a:p>
+            <a:r>
+              <a:rPr lang="de-DE" dirty="0" smtClean="0"/>
+              <a:t>Wie vermeide ich Fehler?</a:t>
+            </a:r>
+          </a:p>
+          <a:p>
+            <a:pPr lvl="1"/>
+            <a:r>
+              <a:rPr lang="de-DE" dirty="0" smtClean="0"/>
+              <a:t>Wie kann ich Trainingsdaten passend sammeln bzw. beurteilen?</a:t>
+            </a:r>
+          </a:p>
+          <a:p>
+            <a:pPr lvl="1"/>
+            <a:r>
+              <a:rPr lang="de-DE" dirty="0" smtClean="0"/>
+              <a:t>Wie kann ich Real-Welt-Bedingungen von Beginn an besser verstehen?</a:t>
+            </a:r>
+          </a:p>
+          <a:p>
+            <a:pPr lvl="1"/>
+            <a:r>
+              <a:rPr lang="de-DE" dirty="0" smtClean="0"/>
+              <a:t>Wie kann man Stakeholder früher ins Boot holen / involvieren?</a:t>
+            </a:r>
+          </a:p>
+          <a:p>
+            <a:pPr lvl="1"/>
+            <a:endParaRPr lang="de-DE" dirty="0" smtClean="0"/>
+          </a:p>
+        </p:txBody>
+      </p:sp>
+      <p:sp>
+        <p:nvSpPr>
+          <p:cNvPr id="7" name="Foliennummernplatzhalter 6"/>
+          <p:cNvSpPr>
+            <a:spLocks noGrp="1"/>
+          </p:cNvSpPr>
+          <p:nvPr>
+            <p:ph type="sldNum" sz="quarter" idx="12"/>
+          </p:nvPr>
+        </p:nvSpPr>
+        <p:spPr/>
+        <p:txBody>
+          <a:bodyPr/>
+          <a:lstStyle/>
+          <a:p>
+            <a:fld id="{16878A96-99AD-184B-A8E8-77C65609B727}" type="slidenum">
+              <a:rPr lang="de-DE" smtClean="0"/>
+              <a:pPr/>
+              <a:t>12</a:t>
+            </a:fld>
+            <a:endParaRPr lang="de-DE" dirty="0"/>
+          </a:p>
+        </p:txBody>
+      </p:sp>
+      <p:sp>
+        <p:nvSpPr>
+          <p:cNvPr id="8" name="Fußzeilenplatzhalter 7"/>
+          <p:cNvSpPr>
+            <a:spLocks noGrp="1"/>
+          </p:cNvSpPr>
+          <p:nvPr>
+            <p:ph type="ftr" sz="quarter" idx="11"/>
+          </p:nvPr>
+        </p:nvSpPr>
+        <p:spPr/>
+        <p:txBody>
+          <a:bodyPr/>
+          <a:lstStyle/>
+          <a:p>
+            <a:r>
+              <a:rPr lang="en-US" dirty="0"/>
+              <a:t>Engineering Interpretable Cognitive Computing Systems, </a:t>
+            </a:r>
+            <a:r>
+              <a:rPr lang="en-US" dirty="0" err="1"/>
+              <a:t>Diss-Kurzcheck</a:t>
+            </a:r>
+            <a:r>
+              <a:rPr lang="en-US" dirty="0"/>
+              <a:t>, 15.08.2018, Jacqueline Büttner </a:t>
+            </a:r>
+            <a:endParaRPr lang="de-DE" dirty="0"/>
+          </a:p>
+        </p:txBody>
+      </p:sp>
+    </p:spTree>
+    <p:extLst>
+      <p:ext uri="{BB962C8B-B14F-4D97-AF65-F5344CB8AC3E}">
+        <p14:creationId xmlns:p14="http://schemas.microsoft.com/office/powerpoint/2010/main" val="1601732555"/>
+      </p:ext>
+    </p:extLst>
+  </p:cSld>
+  <p:clrMapOvr>
+    <a:masterClrMapping/>
+  </p:clrMapOvr>
+  <mc:AlternateContent xmlns:mc="http://schemas.openxmlformats.org/markup-compatibility/2006" xmlns:p14="http://schemas.microsoft.com/office/powerpoint/2010/main">
+    <mc:Choice Requires="p14">
+      <p:transition spd="slow" p14:dur="2000"/>
+    </mc:Choice>
+    <mc:Fallback xmlns="">
+      <p:transition spd="slow"/>
+    </mc:Fallback>
+  </mc:AlternateContent>
+  <p:timing>
+    <p:tnLst>
+      <p:par>
+        <p:cTn id="1" dur="indefinite" restart="never" nodeType="tmRoot"/>
+      </p:par>
+    </p:tnLst>
+  </p:timing>
+</p:sld>
+</file>
+
+<file path=ppt/slides/slide13.xml><?xml version="1.0" encoding="utf-8"?>
+<p:sld xmlns:a="http://schemas.openxmlformats.org/drawingml/2006/main" xmlns:r="http://schemas.openxmlformats.org/officeDocument/2006/relationships" xmlns:p="http://schemas.openxmlformats.org/presentationml/2006/main" show="0">
+  <p:cSld>
+    <p:spTree>
+      <p:nvGrpSpPr>
+        <p:cNvPr id="1" name=""/>
+        <p:cNvGrpSpPr/>
+        <p:nvPr/>
+      </p:nvGrpSpPr>
+      <p:grpSpPr>
+        <a:xfrm>
+          <a:off x="0" y="0"/>
+          <a:ext cx="0" cy="0"/>
+          <a:chOff x="0" y="0"/>
+          <a:chExt cx="0" cy="0"/>
+        </a:xfrm>
+      </p:grpSpPr>
+      <p:sp>
+        <p:nvSpPr>
+          <p:cNvPr id="2" name="Title 1">
+            <a:extLst>
+              <a:ext uri="{FF2B5EF4-FFF2-40B4-BE49-F238E27FC236}">
+                <a16:creationId xmlns:a16="http://schemas.microsoft.com/office/drawing/2014/main" id="{7577113E-E9BE-F74B-BF92-9D8520C58403}"/>
+              </a:ext>
+            </a:extLst>
+          </p:cNvPr>
+          <p:cNvSpPr>
+            <a:spLocks noGrp="1"/>
+          </p:cNvSpPr>
+          <p:nvPr>
+            <p:ph type="title"/>
+          </p:nvPr>
+        </p:nvSpPr>
+        <p:spPr/>
+        <p:txBody>
+          <a:bodyPr/>
+          <a:lstStyle/>
+          <a:p>
+            <a:r>
+              <a:rPr lang="de-DE" dirty="0" smtClean="0"/>
+              <a:t>Fragestellungen</a:t>
+            </a:r>
+            <a:endParaRPr lang="de-DE" dirty="0"/>
+          </a:p>
+        </p:txBody>
+      </p:sp>
+      <p:sp>
+        <p:nvSpPr>
+          <p:cNvPr id="3" name="Inhaltsplatzhalter 2"/>
+          <p:cNvSpPr>
+            <a:spLocks noGrp="1"/>
+          </p:cNvSpPr>
+          <p:nvPr>
+            <p:ph idx="1"/>
+          </p:nvPr>
+        </p:nvSpPr>
+        <p:spPr/>
+        <p:txBody>
+          <a:bodyPr>
+            <a:normAutofit/>
+          </a:bodyPr>
+          <a:lstStyle/>
+          <a:p>
+            <a:r>
+              <a:rPr lang="de-DE" dirty="0"/>
+              <a:t>Wie komme ich zu einer guten Einschätzung der realen </a:t>
+            </a:r>
+            <a:r>
+              <a:rPr lang="de-DE" dirty="0" smtClean="0"/>
+              <a:t>Bedingungen</a:t>
+            </a:r>
+            <a:r>
+              <a:rPr lang="de-DE" dirty="0" smtClean="0"/>
+              <a:t>?</a:t>
+            </a:r>
+            <a:endParaRPr lang="de-DE" dirty="0" smtClean="0"/>
+          </a:p>
+          <a:p>
+            <a:pPr lvl="1"/>
+            <a:r>
+              <a:rPr lang="de-DE" dirty="0" smtClean="0"/>
+              <a:t>Wie bewerte ich Daten?</a:t>
+            </a:r>
+          </a:p>
+          <a:p>
+            <a:pPr lvl="1"/>
+            <a:r>
+              <a:rPr lang="de-DE" dirty="0" smtClean="0"/>
+              <a:t>Welche Daten sollte ich sammeln?</a:t>
+            </a:r>
+            <a:endParaRPr lang="de-DE" dirty="0" smtClean="0"/>
+          </a:p>
+          <a:p>
+            <a:pPr marL="0" indent="0">
+              <a:buNone/>
+            </a:pPr>
+            <a:endParaRPr lang="de-DE" dirty="0"/>
+          </a:p>
+          <a:p>
+            <a:r>
+              <a:rPr lang="de-DE" dirty="0" smtClean="0"/>
+              <a:t>Wie </a:t>
+            </a:r>
+            <a:r>
+              <a:rPr lang="de-DE" dirty="0"/>
+              <a:t>kann ich von vorn herein ein interpretierbares Modell erstellen, das sich leicht „debuggen“ lässt</a:t>
+            </a:r>
+            <a:r>
+              <a:rPr lang="de-DE" dirty="0" smtClean="0"/>
+              <a:t>?</a:t>
+            </a:r>
+            <a:endParaRPr lang="de-DE" dirty="0" smtClean="0"/>
+          </a:p>
+          <a:p>
+            <a:endParaRPr lang="de-DE" dirty="0"/>
+          </a:p>
+          <a:p>
+            <a:r>
+              <a:rPr lang="de-DE" dirty="0" smtClean="0"/>
+              <a:t>Wie </a:t>
+            </a:r>
+            <a:r>
+              <a:rPr lang="de-DE" dirty="0"/>
+              <a:t>reduziere </a:t>
+            </a:r>
+            <a:r>
+              <a:rPr lang="de-DE" dirty="0" smtClean="0"/>
+              <a:t>ich die Komplexität eines schwer interpretierbaren Modells?</a:t>
+            </a:r>
+            <a:endParaRPr lang="de-DE" dirty="0"/>
+          </a:p>
+          <a:p>
+            <a:pPr marL="0" indent="0">
+              <a:buNone/>
+            </a:pPr>
+            <a:endParaRPr lang="de-DE" dirty="0"/>
+          </a:p>
+        </p:txBody>
+      </p:sp>
+      <p:sp>
+        <p:nvSpPr>
+          <p:cNvPr id="4" name="Foliennummernplatzhalter 3"/>
+          <p:cNvSpPr>
+            <a:spLocks noGrp="1"/>
+          </p:cNvSpPr>
+          <p:nvPr>
+            <p:ph type="sldNum" sz="quarter" idx="12"/>
+          </p:nvPr>
+        </p:nvSpPr>
+        <p:spPr/>
+        <p:txBody>
+          <a:bodyPr/>
+          <a:lstStyle/>
+          <a:p>
+            <a:fld id="{16878A96-99AD-184B-A8E8-77C65609B727}" type="slidenum">
+              <a:rPr lang="de-DE" smtClean="0"/>
+              <a:pPr/>
+              <a:t>13</a:t>
+            </a:fld>
+            <a:endParaRPr lang="de-DE" dirty="0"/>
+          </a:p>
+        </p:txBody>
+      </p:sp>
+      <p:sp>
+        <p:nvSpPr>
+          <p:cNvPr id="6" name="Fußzeilenplatzhalter 5"/>
+          <p:cNvSpPr>
+            <a:spLocks noGrp="1"/>
+          </p:cNvSpPr>
+          <p:nvPr>
+            <p:ph type="ftr" sz="quarter" idx="11"/>
+          </p:nvPr>
+        </p:nvSpPr>
+        <p:spPr/>
+        <p:txBody>
+          <a:bodyPr/>
+          <a:lstStyle/>
+          <a:p>
+            <a:r>
+              <a:rPr lang="en-US" dirty="0"/>
+              <a:t>Engineering Interpretable Cognitive Computing Systems, </a:t>
+            </a:r>
+            <a:r>
+              <a:rPr lang="en-US" dirty="0" err="1"/>
+              <a:t>Diss-Kurzcheck</a:t>
+            </a:r>
+            <a:r>
+              <a:rPr lang="en-US" dirty="0"/>
+              <a:t>, 15.08.2018, Jacqueline Büttner </a:t>
+            </a:r>
+            <a:endParaRPr lang="de-DE" dirty="0"/>
+          </a:p>
+        </p:txBody>
+      </p:sp>
+    </p:spTree>
+    <p:extLst>
+      <p:ext uri="{BB962C8B-B14F-4D97-AF65-F5344CB8AC3E}">
+        <p14:creationId xmlns:p14="http://schemas.microsoft.com/office/powerpoint/2010/main" val="1269636602"/>
       </p:ext>
     </p:extLst>
   </p:cSld>
@@ -7182,13 +8325,7 @@
       </p:grpSpPr>
       <p:sp>
         <p:nvSpPr>
-          <p:cNvPr id="2" name="Title 1">
-            <a:extLst>
-              <a:ext uri="{FF2B5EF4-FFF2-40B4-BE49-F238E27FC236}">
-                <a16:creationId xmlns:a16="http://schemas.microsoft.com/office/drawing/2014/main" id="{7577113E-E9BE-F74B-BF92-9D8520C58403}"/>
-              </a:ext>
-            </a:extLst>
-          </p:cNvPr>
+          <p:cNvPr id="7" name="Titel 6"/>
           <p:cNvSpPr>
             <a:spLocks noGrp="1"/>
           </p:cNvSpPr>
@@ -7202,67 +8339,16 @@
           <a:lstStyle/>
           <a:p>
             <a:r>
-              <a:rPr lang="de-DE" dirty="0" err="1"/>
-              <a:t>Explainable</a:t>
-            </a:r>
-            <a:r>
-              <a:rPr lang="de-DE" dirty="0"/>
-              <a:t> </a:t>
-            </a:r>
-            <a:r>
-              <a:rPr lang="de-DE" dirty="0" err="1"/>
-              <a:t>Artificial</a:t>
-            </a:r>
-            <a:r>
-              <a:rPr lang="de-DE" dirty="0"/>
-              <a:t> </a:t>
-            </a:r>
-            <a:r>
-              <a:rPr lang="de-DE" dirty="0" err="1"/>
-              <a:t>Intelligence</a:t>
+              <a:rPr lang="de-DE" dirty="0" smtClean="0"/>
+              <a:t>Erklärbarkeit nach DARPA</a:t>
             </a:r>
             <a:endParaRPr lang="de-DE" dirty="0"/>
-          </a:p>
-        </p:txBody>
-      </p:sp>
-      <p:sp>
-        <p:nvSpPr>
-          <p:cNvPr id="4" name="Textfeld 3"/>
-          <p:cNvSpPr txBox="1"/>
-          <p:nvPr/>
-        </p:nvSpPr>
-        <p:spPr>
-          <a:xfrm>
-            <a:off x="4966711" y="6220714"/>
-            <a:ext cx="2848708" cy="582805"/>
-          </a:xfrm>
-          <a:prstGeom prst="rect">
-            <a:avLst/>
-          </a:prstGeom>
-          <a:noFill/>
-        </p:spPr>
-        <p:txBody>
-          <a:bodyPr wrap="square" lIns="0" rIns="0" rtlCol="0">
-            <a:noAutofit/>
-          </a:bodyPr>
-          <a:lstStyle/>
-          <a:p>
-            <a:pPr>
-              <a:buClr>
-                <a:schemeClr val="tx2"/>
-              </a:buClr>
-            </a:pPr>
-            <a:r>
-              <a:rPr lang="de-DE" sz="800" dirty="0"/>
-              <a:t>https://www.darpa.mil/attachments/XAIProgramUpdate.pdf</a:t>
-            </a:r>
-            <a:endParaRPr lang="de-DE" sz="800" dirty="0" smtClean="0"/>
           </a:p>
         </p:txBody>
       </p:sp>
       <p:pic>
         <p:nvPicPr>
-          <p:cNvPr id="5" name="Grafik 4"/>
+          <p:cNvPr id="2" name="Grafik 1"/>
           <p:cNvPicPr>
             <a:picLocks noChangeAspect="1"/>
           </p:cNvPicPr>
@@ -7276,8 +8362,8 @@
         </p:blipFill>
         <p:spPr>
           <a:xfrm>
-            <a:off x="314325" y="957262"/>
-            <a:ext cx="8515350" cy="4943475"/>
+            <a:off x="416643" y="746559"/>
+            <a:ext cx="8310714" cy="5347205"/>
           </a:xfrm>
           <a:prstGeom prst="rect">
             <a:avLst/>
@@ -7286,7 +8372,42 @@
       </p:pic>
       <p:sp>
         <p:nvSpPr>
-          <p:cNvPr id="6" name="Foliennummernplatzhalter 5"/>
+          <p:cNvPr id="11" name="Textfeld 10"/>
+          <p:cNvSpPr txBox="1"/>
+          <p:nvPr/>
+        </p:nvSpPr>
+        <p:spPr>
+          <a:xfrm>
+            <a:off x="5962357" y="6138101"/>
+            <a:ext cx="2848708" cy="582805"/>
+          </a:xfrm>
+          <a:prstGeom prst="rect">
+            <a:avLst/>
+          </a:prstGeom>
+          <a:noFill/>
+        </p:spPr>
+        <p:txBody>
+          <a:bodyPr wrap="square" lIns="0" rIns="0" rtlCol="0">
+            <a:noAutofit/>
+          </a:bodyPr>
+          <a:lstStyle/>
+          <a:p>
+            <a:pPr>
+              <a:buClr>
+                <a:schemeClr val="tx2"/>
+              </a:buClr>
+            </a:pPr>
+            <a:r>
+              <a:rPr lang="de-DE" sz="800" dirty="0"/>
+              <a:t>https://www.darpa.mil/attachments/XAIProgramUpdate.pdf</a:t>
+            </a:r>
+            <a:endParaRPr lang="de-DE" sz="800" dirty="0" smtClean="0"/>
+          </a:p>
+        </p:txBody>
+      </p:sp>
+      <p:sp>
+        <p:nvSpPr>
+          <p:cNvPr id="23" name="Foliennummernplatzhalter 22"/>
           <p:cNvSpPr>
             <a:spLocks noGrp="1"/>
           </p:cNvSpPr>
@@ -7304,13 +8425,13 @@
               <a:pPr/>
               <a:t>2</a:t>
             </a:fld>
-            <a:endParaRPr lang="de-DE" dirty="0"/>
-          </a:p>
-        </p:txBody>
-      </p:sp>
-      <p:sp>
-        <p:nvSpPr>
-          <p:cNvPr id="7" name="Fußzeilenplatzhalter 6"/>
+            <a:endParaRPr lang="de-DE"/>
+          </a:p>
+        </p:txBody>
+      </p:sp>
+      <p:sp>
+        <p:nvSpPr>
+          <p:cNvPr id="24" name="Fußzeilenplatzhalter 23"/>
           <p:cNvSpPr>
             <a:spLocks noGrp="1"/>
           </p:cNvSpPr>
@@ -7324,25 +8445,17 @@
           <a:lstStyle/>
           <a:p>
             <a:r>
-              <a:rPr lang="en-US" dirty="0"/>
-              <a:t>Engineering Interpretable Cognitive Computing Systems, </a:t>
-            </a:r>
-            <a:r>
-              <a:rPr lang="en-US" dirty="0" err="1"/>
-              <a:t>Diss-Kurzcheck</a:t>
-            </a:r>
-            <a:r>
-              <a:rPr lang="en-US" dirty="0"/>
-              <a:t>, 15.08.2018, Jacqueline Büttner </a:t>
-            </a:r>
-            <a:endParaRPr lang="de-DE" dirty="0"/>
+              <a:rPr lang="en-US" smtClean="0"/>
+              <a:t>Engineering Interpretable Cognitive Computing Systems, Diss-Kurzcheck, 15.08.2018, Jacqueline Büttner </a:t>
+            </a:r>
+            <a:endParaRPr lang="de-DE"/>
           </a:p>
         </p:txBody>
       </p:sp>
     </p:spTree>
     <p:extLst>
       <p:ext uri="{BB962C8B-B14F-4D97-AF65-F5344CB8AC3E}">
-        <p14:creationId xmlns:p14="http://schemas.microsoft.com/office/powerpoint/2010/main" val="2779718912"/>
+        <p14:creationId xmlns:p14="http://schemas.microsoft.com/office/powerpoint/2010/main" val="281299624"/>
       </p:ext>
     </p:extLst>
   </p:cSld>
@@ -7392,100 +8505,9 @@
           <a:lstStyle/>
           <a:p>
             <a:r>
-              <a:rPr lang="de-DE" dirty="0" err="1" smtClean="0"/>
-              <a:t>Explainable</a:t>
-            </a:r>
-            <a:r>
-              <a:rPr lang="de-DE" dirty="0" smtClean="0"/>
-              <a:t> </a:t>
-            </a:r>
-            <a:r>
-              <a:rPr lang="de-DE" dirty="0" err="1" smtClean="0"/>
-              <a:t>Artificial</a:t>
-            </a:r>
-            <a:r>
-              <a:rPr lang="de-DE" dirty="0" smtClean="0"/>
-              <a:t> </a:t>
-            </a:r>
-            <a:r>
-              <a:rPr lang="de-DE" dirty="0" err="1" smtClean="0"/>
-              <a:t>Intelligence</a:t>
-            </a:r>
-            <a:endParaRPr lang="de-DE" dirty="0"/>
-          </a:p>
-        </p:txBody>
-      </p:sp>
-      <p:sp>
-        <p:nvSpPr>
-          <p:cNvPr id="4" name="Inhaltsplatzhalter 3"/>
-          <p:cNvSpPr>
-            <a:spLocks noGrp="1"/>
-          </p:cNvSpPr>
-          <p:nvPr>
-            <p:ph sz="half" idx="1"/>
-          </p:nvPr>
-        </p:nvSpPr>
-        <p:spPr>
-          <a:xfrm>
-            <a:off x="457200" y="855488"/>
-            <a:ext cx="8229600" cy="2025457"/>
-          </a:xfrm>
-        </p:spPr>
-        <p:txBody>
-          <a:bodyPr/>
-          <a:lstStyle/>
-          <a:p>
-            <a:r>
-              <a:rPr lang="de-DE" dirty="0" smtClean="0"/>
-              <a:t>Viele Begriffe in der Literatur, keine klaren Abgrenzungen</a:t>
-            </a:r>
-          </a:p>
-          <a:p>
-            <a:r>
-              <a:rPr lang="de-DE" dirty="0" smtClean="0"/>
-              <a:t>Viel Literatur zur Erklärung </a:t>
-            </a:r>
-          </a:p>
-          <a:p>
-            <a:pPr lvl="1"/>
-            <a:r>
-              <a:rPr lang="de-DE" dirty="0" smtClean="0"/>
-              <a:t>mittels Visualisierung von Aktivierungen</a:t>
-            </a:r>
-          </a:p>
-          <a:p>
-            <a:pPr lvl="1"/>
-            <a:r>
               <a:rPr lang="de-DE" dirty="0"/>
-              <a:t>Einfluss von </a:t>
-            </a:r>
-            <a:r>
-              <a:rPr lang="de-DE" dirty="0" smtClean="0"/>
-              <a:t>Features</a:t>
-            </a:r>
-          </a:p>
-          <a:p>
-            <a:pPr lvl="1"/>
-            <a:r>
-              <a:rPr lang="de-DE" dirty="0" smtClean="0"/>
-              <a:t>Vergleich von</a:t>
-            </a:r>
-          </a:p>
-          <a:p>
-            <a:pPr marL="457200" lvl="1" indent="0">
-              <a:buNone/>
-            </a:pPr>
-            <a:r>
-              <a:rPr lang="de-DE" dirty="0" smtClean="0"/>
-              <a:t>	Beispielen</a:t>
-            </a:r>
-          </a:p>
-          <a:p>
-            <a:pPr lvl="1"/>
-            <a:endParaRPr lang="de-DE" dirty="0" smtClean="0"/>
-          </a:p>
-          <a:p>
-            <a:endParaRPr lang="de-DE" dirty="0"/>
+              <a:t>Visualisierung von Aktivierungen</a:t>
+            </a:r>
           </a:p>
         </p:txBody>
       </p:sp>
@@ -7505,8 +8527,8 @@
         </p:blipFill>
         <p:spPr>
           <a:xfrm>
-            <a:off x="3521947" y="2310345"/>
-            <a:ext cx="5300505" cy="3837141"/>
+            <a:off x="467806" y="946150"/>
+            <a:ext cx="6766707" cy="4898554"/>
           </a:xfrm>
           <a:prstGeom prst="rect">
             <a:avLst/>
@@ -7541,7 +8563,7 @@
       </p:sp>
       <p:pic>
         <p:nvPicPr>
-          <p:cNvPr id="6" name="Grafik 5"/>
+          <p:cNvPr id="8" name="Grafik 7"/>
           <p:cNvPicPr>
             <a:picLocks noChangeAspect="1"/>
           </p:cNvPicPr>
@@ -7555,73 +8577,14 @@
         </p:blipFill>
         <p:spPr>
           <a:xfrm>
-            <a:off x="422588" y="3422872"/>
-            <a:ext cx="2859314" cy="2724614"/>
+            <a:off x="7275006" y="0"/>
+            <a:ext cx="1868993" cy="876393"/>
           </a:xfrm>
           <a:prstGeom prst="rect">
             <a:avLst/>
           </a:prstGeom>
         </p:spPr>
       </p:pic>
-      <p:pic>
-        <p:nvPicPr>
-          <p:cNvPr id="8" name="Grafik 7"/>
-          <p:cNvPicPr>
-            <a:picLocks noChangeAspect="1"/>
-          </p:cNvPicPr>
-          <p:nvPr/>
-        </p:nvPicPr>
-        <p:blipFill>
-          <a:blip r:embed="rId5"/>
-          <a:stretch>
-            <a:fillRect/>
-          </a:stretch>
-        </p:blipFill>
-        <p:spPr>
-          <a:xfrm>
-            <a:off x="7275006" y="0"/>
-            <a:ext cx="1868993" cy="876393"/>
-          </a:xfrm>
-          <a:prstGeom prst="rect">
-            <a:avLst/>
-          </a:prstGeom>
-        </p:spPr>
-      </p:pic>
-      <p:sp>
-        <p:nvSpPr>
-          <p:cNvPr id="10" name="Textfeld 9"/>
-          <p:cNvSpPr txBox="1"/>
-          <p:nvPr/>
-        </p:nvSpPr>
-        <p:spPr>
-          <a:xfrm>
-            <a:off x="467806" y="6148882"/>
-            <a:ext cx="2848708" cy="582805"/>
-          </a:xfrm>
-          <a:prstGeom prst="rect">
-            <a:avLst/>
-          </a:prstGeom>
-          <a:noFill/>
-        </p:spPr>
-        <p:txBody>
-          <a:bodyPr wrap="square" lIns="0" rIns="0" rtlCol="0">
-            <a:noAutofit/>
-          </a:bodyPr>
-          <a:lstStyle/>
-          <a:p>
-            <a:pPr>
-              <a:buClr>
-                <a:schemeClr val="tx2"/>
-              </a:buClr>
-            </a:pPr>
-            <a:r>
-              <a:rPr lang="de-DE" sz="800" dirty="0"/>
-              <a:t>https://www.darpa.mil/attachments/XAIProgramUpdate.pdf</a:t>
-            </a:r>
-            <a:endParaRPr lang="de-DE" sz="800" dirty="0" smtClean="0"/>
-          </a:p>
-        </p:txBody>
-      </p:sp>
       <p:sp>
         <p:nvSpPr>
           <p:cNvPr id="9" name="Textfeld 8"/>
@@ -7630,8 +8593,8 @@
         </p:nvSpPr>
         <p:spPr>
           <a:xfrm>
-            <a:off x="3521947" y="6148882"/>
-            <a:ext cx="5345723" cy="231112"/>
+            <a:off x="457199" y="5837948"/>
+            <a:ext cx="6777313" cy="339690"/>
           </a:xfrm>
           <a:prstGeom prst="rect">
             <a:avLst/>
@@ -7904,16 +8867,41 @@
           <a:lstStyle/>
           <a:p>
             <a:r>
-              <a:rPr lang="de-DE" dirty="0" smtClean="0"/>
-              <a:t>Erklärbarkeit nach DARPA</a:t>
-            </a:r>
-            <a:endParaRPr lang="de-DE" dirty="0"/>
+              <a:rPr lang="de-DE" dirty="0"/>
+              <a:t>Einfluss von Features</a:t>
+            </a:r>
+          </a:p>
+        </p:txBody>
+      </p:sp>
+      <p:sp>
+        <p:nvSpPr>
+          <p:cNvPr id="5" name="Textfeld 4"/>
+          <p:cNvSpPr txBox="1"/>
+          <p:nvPr/>
+        </p:nvSpPr>
+        <p:spPr>
+          <a:xfrm>
+            <a:off x="3054699" y="6270171"/>
+            <a:ext cx="6531428" cy="271306"/>
+          </a:xfrm>
+          <a:prstGeom prst="rect">
+            <a:avLst/>
+          </a:prstGeom>
+          <a:noFill/>
+        </p:spPr>
+        <p:txBody>
+          <a:bodyPr wrap="square" lIns="0" rIns="0" rtlCol="0">
+            <a:noAutofit/>
+          </a:bodyPr>
+          <a:lstStyle/>
+          <a:p>
+            <a:endParaRPr lang="de-DE" dirty="0" smtClean="0"/>
           </a:p>
         </p:txBody>
       </p:sp>
       <p:pic>
         <p:nvPicPr>
-          <p:cNvPr id="2" name="Grafik 1"/>
+          <p:cNvPr id="8" name="Grafik 7"/>
           <p:cNvPicPr>
             <a:picLocks noChangeAspect="1"/>
           </p:cNvPicPr>
@@ -7927,8 +8915,8 @@
         </p:blipFill>
         <p:spPr>
           <a:xfrm>
-            <a:off x="416643" y="746559"/>
-            <a:ext cx="8310714" cy="5347205"/>
+            <a:off x="7275006" y="0"/>
+            <a:ext cx="1868993" cy="876393"/>
           </a:xfrm>
           <a:prstGeom prst="rect">
             <a:avLst/>
@@ -7937,162 +8925,7 @@
       </p:pic>
       <p:sp>
         <p:nvSpPr>
-          <p:cNvPr id="11" name="Textfeld 10"/>
-          <p:cNvSpPr txBox="1"/>
-          <p:nvPr/>
-        </p:nvSpPr>
-        <p:spPr>
-          <a:xfrm>
-            <a:off x="5962357" y="6138101"/>
-            <a:ext cx="2848708" cy="582805"/>
-          </a:xfrm>
-          <a:prstGeom prst="rect">
-            <a:avLst/>
-          </a:prstGeom>
-          <a:noFill/>
-        </p:spPr>
-        <p:txBody>
-          <a:bodyPr wrap="square" lIns="0" rIns="0" rtlCol="0">
-            <a:noAutofit/>
-          </a:bodyPr>
-          <a:lstStyle/>
-          <a:p>
-            <a:pPr>
-              <a:buClr>
-                <a:schemeClr val="tx2"/>
-              </a:buClr>
-            </a:pPr>
-            <a:r>
-              <a:rPr lang="de-DE" sz="800" dirty="0"/>
-              <a:t>https://www.darpa.mil/attachments/XAIProgramUpdate.pdf</a:t>
-            </a:r>
-            <a:endParaRPr lang="de-DE" sz="800" dirty="0" smtClean="0"/>
-          </a:p>
-        </p:txBody>
-      </p:sp>
-      <p:cxnSp>
-        <p:nvCxnSpPr>
-          <p:cNvPr id="14" name="Gerader Verbinder 13"/>
-          <p:cNvCxnSpPr/>
-          <p:nvPr/>
-        </p:nvCxnSpPr>
-        <p:spPr>
-          <a:xfrm>
-            <a:off x="6923314" y="2793442"/>
-            <a:ext cx="1637882" cy="0"/>
-          </a:xfrm>
-          <a:prstGeom prst="line">
-            <a:avLst/>
-          </a:prstGeom>
-        </p:spPr>
-        <p:style>
-          <a:lnRef idx="2">
-            <a:schemeClr val="accent1"/>
-          </a:lnRef>
-          <a:fillRef idx="0">
-            <a:schemeClr val="accent1"/>
-          </a:fillRef>
-          <a:effectRef idx="1">
-            <a:schemeClr val="accent1"/>
-          </a:effectRef>
-          <a:fontRef idx="minor">
-            <a:schemeClr val="tx1"/>
-          </a:fontRef>
-        </p:style>
-      </p:cxnSp>
-      <p:cxnSp>
-        <p:nvCxnSpPr>
-          <p:cNvPr id="18" name="Gerader Verbinder 17"/>
-          <p:cNvCxnSpPr/>
-          <p:nvPr/>
-        </p:nvCxnSpPr>
-        <p:spPr>
-          <a:xfrm>
-            <a:off x="6852976" y="5416062"/>
-            <a:ext cx="1708220" cy="0"/>
-          </a:xfrm>
-          <a:prstGeom prst="line">
-            <a:avLst/>
-          </a:prstGeom>
-        </p:spPr>
-        <p:style>
-          <a:lnRef idx="2">
-            <a:schemeClr val="accent1"/>
-          </a:lnRef>
-          <a:fillRef idx="0">
-            <a:schemeClr val="accent1"/>
-          </a:fillRef>
-          <a:effectRef idx="1">
-            <a:schemeClr val="accent1"/>
-          </a:effectRef>
-          <a:fontRef idx="minor">
-            <a:schemeClr val="tx1"/>
-          </a:fontRef>
-        </p:style>
-      </p:cxnSp>
-      <p:cxnSp>
-        <p:nvCxnSpPr>
-          <p:cNvPr id="21" name="Gerader Verbinder 20"/>
-          <p:cNvCxnSpPr/>
-          <p:nvPr/>
-        </p:nvCxnSpPr>
-        <p:spPr>
-          <a:xfrm>
-            <a:off x="6888145" y="2384810"/>
-            <a:ext cx="1708220" cy="0"/>
-          </a:xfrm>
-          <a:prstGeom prst="line">
-            <a:avLst/>
-          </a:prstGeom>
-        </p:spPr>
-        <p:style>
-          <a:lnRef idx="2">
-            <a:schemeClr val="accent1"/>
-          </a:lnRef>
-          <a:fillRef idx="0">
-            <a:schemeClr val="accent1"/>
-          </a:fillRef>
-          <a:effectRef idx="1">
-            <a:schemeClr val="accent1"/>
-          </a:effectRef>
-          <a:fontRef idx="minor">
-            <a:schemeClr val="tx1"/>
-          </a:fontRef>
-        </p:style>
-      </p:cxnSp>
-      <p:cxnSp>
-        <p:nvCxnSpPr>
-          <p:cNvPr id="22" name="Gerader Verbinder 21"/>
-          <p:cNvCxnSpPr/>
-          <p:nvPr/>
-        </p:nvCxnSpPr>
-        <p:spPr>
-          <a:xfrm>
-            <a:off x="6852976" y="4995706"/>
-            <a:ext cx="1708220" cy="0"/>
-          </a:xfrm>
-          <a:prstGeom prst="line">
-            <a:avLst/>
-          </a:prstGeom>
-        </p:spPr>
-        <p:style>
-          <a:lnRef idx="2">
-            <a:schemeClr val="accent1"/>
-          </a:lnRef>
-          <a:fillRef idx="0">
-            <a:schemeClr val="accent1"/>
-          </a:fillRef>
-          <a:effectRef idx="1">
-            <a:schemeClr val="accent1"/>
-          </a:effectRef>
-          <a:fontRef idx="minor">
-            <a:schemeClr val="tx1"/>
-          </a:fontRef>
-        </p:style>
-      </p:cxnSp>
-      <p:sp>
-        <p:nvSpPr>
-          <p:cNvPr id="23" name="Foliennummernplatzhalter 22"/>
+          <p:cNvPr id="12" name="Foliennummernplatzhalter 11"/>
           <p:cNvSpPr>
             <a:spLocks noGrp="1"/>
           </p:cNvSpPr>
@@ -8116,7 +8949,7 @@
       </p:sp>
       <p:sp>
         <p:nvSpPr>
-          <p:cNvPr id="24" name="Fußzeilenplatzhalter 23"/>
+          <p:cNvPr id="13" name="Fußzeilenplatzhalter 12"/>
           <p:cNvSpPr>
             <a:spLocks noGrp="1"/>
           </p:cNvSpPr>
@@ -8130,17 +8963,260 @@
           <a:lstStyle/>
           <a:p>
             <a:r>
-              <a:rPr lang="en-US" smtClean="0"/>
-              <a:t>Engineering Interpretable Cognitive Computing Systems, Diss-Kurzcheck, 15.08.2018, Jacqueline Büttner </a:t>
-            </a:r>
-            <a:endParaRPr lang="de-DE"/>
+              <a:rPr lang="en-US" dirty="0" smtClean="0"/>
+              <a:t>Engineering Interpretable Cognitive Computing Systems, </a:t>
+            </a:r>
+            <a:r>
+              <a:rPr lang="en-US" dirty="0" err="1" smtClean="0"/>
+              <a:t>Diss-Kurzcheck</a:t>
+            </a:r>
+            <a:r>
+              <a:rPr lang="en-US" dirty="0" smtClean="0"/>
+              <a:t>, 15.08.2018, Jacqueline Büttner </a:t>
+            </a:r>
+            <a:endParaRPr lang="de-DE" dirty="0"/>
+          </a:p>
+        </p:txBody>
+      </p:sp>
+      <p:pic>
+        <p:nvPicPr>
+          <p:cNvPr id="10" name="Grafik 9"/>
+          <p:cNvPicPr>
+            <a:picLocks noChangeAspect="1"/>
+          </p:cNvPicPr>
+          <p:nvPr/>
+        </p:nvPicPr>
+        <p:blipFill>
+          <a:blip r:embed="rId4"/>
+          <a:stretch>
+            <a:fillRect/>
+          </a:stretch>
+        </p:blipFill>
+        <p:spPr>
+          <a:xfrm>
+            <a:off x="457200" y="782889"/>
+            <a:ext cx="5304972" cy="5055059"/>
+          </a:xfrm>
+          <a:prstGeom prst="rect">
+            <a:avLst/>
+          </a:prstGeom>
+        </p:spPr>
+      </p:pic>
+      <p:sp>
+        <p:nvSpPr>
+          <p:cNvPr id="11" name="Textfeld 10"/>
+          <p:cNvSpPr txBox="1"/>
+          <p:nvPr/>
+        </p:nvSpPr>
+        <p:spPr>
+          <a:xfrm>
+            <a:off x="607925" y="5757123"/>
+            <a:ext cx="2848708" cy="582805"/>
+          </a:xfrm>
+          <a:prstGeom prst="rect">
+            <a:avLst/>
+          </a:prstGeom>
+          <a:noFill/>
+        </p:spPr>
+        <p:txBody>
+          <a:bodyPr wrap="square" lIns="0" rIns="0" rtlCol="0">
+            <a:noAutofit/>
+          </a:bodyPr>
+          <a:lstStyle/>
+          <a:p>
+            <a:pPr>
+              <a:buClr>
+                <a:schemeClr val="tx2"/>
+              </a:buClr>
+            </a:pPr>
+            <a:r>
+              <a:rPr lang="de-DE" sz="800" dirty="0"/>
+              <a:t>https://www.darpa.mil/attachments/XAIProgramUpdate.pdf</a:t>
+            </a:r>
+            <a:endParaRPr lang="de-DE" sz="800" dirty="0" smtClean="0"/>
+          </a:p>
+        </p:txBody>
+      </p:sp>
+      <p:sp>
+        <p:nvSpPr>
+          <p:cNvPr id="14" name="Textfeld 13"/>
+          <p:cNvSpPr txBox="1"/>
+          <p:nvPr/>
+        </p:nvSpPr>
+        <p:spPr>
+          <a:xfrm>
+            <a:off x="607925" y="5898777"/>
+            <a:ext cx="7742255" cy="339690"/>
+          </a:xfrm>
+          <a:prstGeom prst="rect">
+            <a:avLst/>
+          </a:prstGeom>
+          <a:noFill/>
+        </p:spPr>
+        <p:txBody>
+          <a:bodyPr wrap="square" lIns="0" rIns="0" rtlCol="0">
+            <a:noAutofit/>
+          </a:bodyPr>
+          <a:lstStyle/>
+          <a:p>
+            <a:r>
+              <a:rPr lang="de-DE" sz="800" dirty="0"/>
+              <a:t>Bau, David </a:t>
+            </a:r>
+            <a:r>
+              <a:rPr lang="de-DE" sz="800" dirty="0" err="1"/>
+              <a:t>and</a:t>
+            </a:r>
+            <a:r>
+              <a:rPr lang="de-DE" sz="800" dirty="0"/>
+              <a:t> Zhou, </a:t>
+            </a:r>
+            <a:r>
+              <a:rPr lang="de-DE" sz="800" dirty="0" err="1"/>
+              <a:t>Bolei</a:t>
+            </a:r>
+            <a:r>
+              <a:rPr lang="de-DE" sz="800" dirty="0"/>
+              <a:t> </a:t>
+            </a:r>
+            <a:r>
+              <a:rPr lang="de-DE" sz="800" dirty="0" err="1"/>
+              <a:t>and</a:t>
+            </a:r>
+            <a:r>
+              <a:rPr lang="de-DE" sz="800" dirty="0"/>
+              <a:t> </a:t>
+            </a:r>
+            <a:r>
+              <a:rPr lang="de-DE" sz="800" dirty="0" err="1"/>
+              <a:t>Khosla</a:t>
+            </a:r>
+            <a:r>
+              <a:rPr lang="de-DE" sz="800" dirty="0"/>
+              <a:t>, </a:t>
+            </a:r>
+            <a:r>
+              <a:rPr lang="de-DE" sz="800" dirty="0" err="1"/>
+              <a:t>Aditya</a:t>
+            </a:r>
+            <a:r>
+              <a:rPr lang="de-DE" sz="800" dirty="0"/>
+              <a:t> </a:t>
+            </a:r>
+            <a:r>
+              <a:rPr lang="de-DE" sz="800" dirty="0" err="1"/>
+              <a:t>and</a:t>
+            </a:r>
+            <a:r>
+              <a:rPr lang="de-DE" sz="800" dirty="0"/>
+              <a:t> </a:t>
+            </a:r>
+            <a:r>
+              <a:rPr lang="de-DE" sz="800" dirty="0" err="1"/>
+              <a:t>Oliva</a:t>
+            </a:r>
+            <a:r>
+              <a:rPr lang="de-DE" sz="800" dirty="0"/>
+              <a:t>, Aude </a:t>
+            </a:r>
+            <a:r>
+              <a:rPr lang="de-DE" sz="800" dirty="0" err="1"/>
+              <a:t>and</a:t>
+            </a:r>
+            <a:r>
+              <a:rPr lang="de-DE" sz="800" dirty="0"/>
+              <a:t> </a:t>
+            </a:r>
+            <a:r>
+              <a:rPr lang="de-DE" sz="800" dirty="0" err="1"/>
+              <a:t>Torralba</a:t>
+            </a:r>
+            <a:r>
+              <a:rPr lang="de-DE" sz="800" dirty="0"/>
+              <a:t>, Antonio: Network </a:t>
+            </a:r>
+            <a:r>
+              <a:rPr lang="de-DE" sz="800" dirty="0" err="1"/>
+              <a:t>dissection</a:t>
+            </a:r>
+            <a:r>
+              <a:rPr lang="de-DE" sz="800" dirty="0"/>
+              <a:t>: </a:t>
+            </a:r>
+            <a:r>
+              <a:rPr lang="de-DE" sz="800" dirty="0" err="1"/>
+              <a:t>Quantifying</a:t>
+            </a:r>
+            <a:r>
+              <a:rPr lang="de-DE" sz="800" dirty="0"/>
+              <a:t> </a:t>
+            </a:r>
+            <a:r>
+              <a:rPr lang="de-DE" sz="800" dirty="0" err="1"/>
+              <a:t>interpretability</a:t>
+            </a:r>
+            <a:r>
+              <a:rPr lang="de-DE" sz="800" dirty="0"/>
+              <a:t> </a:t>
+            </a:r>
+            <a:r>
+              <a:rPr lang="de-DE" sz="800" dirty="0" err="1"/>
+              <a:t>of</a:t>
+            </a:r>
+            <a:r>
+              <a:rPr lang="de-DE" sz="800" dirty="0"/>
+              <a:t> </a:t>
+            </a:r>
+            <a:r>
+              <a:rPr lang="de-DE" sz="800" dirty="0" err="1"/>
+              <a:t>deep</a:t>
+            </a:r>
+            <a:r>
+              <a:rPr lang="de-DE" sz="800" dirty="0"/>
+              <a:t> </a:t>
+            </a:r>
+            <a:r>
+              <a:rPr lang="de-DE" sz="800" dirty="0" err="1"/>
+              <a:t>visual</a:t>
+            </a:r>
+            <a:r>
+              <a:rPr lang="de-DE" sz="800" dirty="0"/>
+              <a:t> </a:t>
+            </a:r>
+            <a:r>
+              <a:rPr lang="de-DE" sz="800" dirty="0" err="1"/>
+              <a:t>representations</a:t>
+            </a:r>
+            <a:r>
+              <a:rPr lang="de-DE" sz="800" dirty="0"/>
+              <a:t>. In: Computer Vision </a:t>
+            </a:r>
+            <a:r>
+              <a:rPr lang="de-DE" sz="800" dirty="0" err="1"/>
+              <a:t>and</a:t>
+            </a:r>
+            <a:r>
+              <a:rPr lang="de-DE" sz="800" dirty="0"/>
+              <a:t> Pattern Recognition (CVPR), 2017 IEEE Conference on, 3319--3327.</a:t>
+            </a:r>
+          </a:p>
+          <a:p>
+            <a:endParaRPr lang="de-DE" sz="800" dirty="0" smtClean="0"/>
+          </a:p>
+          <a:p>
+            <a:pPr>
+              <a:buClr>
+                <a:schemeClr val="tx2"/>
+              </a:buClr>
+            </a:pPr>
+            <a:endParaRPr lang="de-DE" sz="800" dirty="0" err="1" smtClean="0"/>
           </a:p>
         </p:txBody>
       </p:sp>
     </p:spTree>
     <p:extLst>
       <p:ext uri="{BB962C8B-B14F-4D97-AF65-F5344CB8AC3E}">
-        <p14:creationId xmlns:p14="http://schemas.microsoft.com/office/powerpoint/2010/main" val="281299624"/>
+        <p14:creationId xmlns:p14="http://schemas.microsoft.com/office/powerpoint/2010/main" val="3343891141"/>
       </p:ext>
     </p:extLst>
   </p:cSld>
@@ -8150,156 +9226,7 @@
   <p:timing>
     <p:tnLst>
       <p:par>
-        <p:cTn id="1" dur="indefinite" restart="never" nodeType="tmRoot">
-          <p:childTnLst>
-            <p:seq concurrent="1" nextAc="seek">
-              <p:cTn id="2" dur="indefinite" nodeType="mainSeq">
-                <p:childTnLst>
-                  <p:par>
-                    <p:cTn id="3" fill="hold">
-                      <p:stCondLst>
-                        <p:cond delay="indefinite"/>
-                      </p:stCondLst>
-                      <p:childTnLst>
-                        <p:par>
-                          <p:cTn id="4" fill="hold">
-                            <p:stCondLst>
-                              <p:cond delay="0"/>
-                            </p:stCondLst>
-                            <p:childTnLst>
-                              <p:par>
-                                <p:cTn id="5" presetID="1" presetClass="entr" presetSubtype="0" fill="hold" nodeType="clickEffect">
-                                  <p:stCondLst>
-                                    <p:cond delay="0"/>
-                                  </p:stCondLst>
-                                  <p:childTnLst>
-                                    <p:set>
-                                      <p:cBhvr>
-                                        <p:cTn id="6" dur="1" fill="hold">
-                                          <p:stCondLst>
-                                            <p:cond delay="0"/>
-                                          </p:stCondLst>
-                                        </p:cTn>
-                                        <p:tgtEl>
-                                          <p:spTgt spid="18"/>
-                                        </p:tgtEl>
-                                        <p:attrNameLst>
-                                          <p:attrName>style.visibility</p:attrName>
-                                        </p:attrNameLst>
-                                      </p:cBhvr>
-                                      <p:to>
-                                        <p:strVal val="visible"/>
-                                      </p:to>
-                                    </p:set>
-                                  </p:childTnLst>
-                                </p:cTn>
-                              </p:par>
-                              <p:par>
-                                <p:cTn id="7" presetID="1" presetClass="entr" presetSubtype="0" fill="hold" nodeType="withEffect">
-                                  <p:stCondLst>
-                                    <p:cond delay="0"/>
-                                  </p:stCondLst>
-                                  <p:childTnLst>
-                                    <p:set>
-                                      <p:cBhvr>
-                                        <p:cTn id="8" dur="1" fill="hold">
-                                          <p:stCondLst>
-                                            <p:cond delay="0"/>
-                                          </p:stCondLst>
-                                        </p:cTn>
-                                        <p:tgtEl>
-                                          <p:spTgt spid="22"/>
-                                        </p:tgtEl>
-                                        <p:attrNameLst>
-                                          <p:attrName>style.visibility</p:attrName>
-                                        </p:attrNameLst>
-                                      </p:cBhvr>
-                                      <p:to>
-                                        <p:strVal val="visible"/>
-                                      </p:to>
-                                    </p:set>
-                                  </p:childTnLst>
-                                </p:cTn>
-                              </p:par>
-                              <p:par>
-                                <p:cTn id="9" presetID="1" presetClass="entr" presetSubtype="0" fill="hold" nodeType="withEffect">
-                                  <p:stCondLst>
-                                    <p:cond delay="0"/>
-                                  </p:stCondLst>
-                                  <p:childTnLst>
-                                    <p:set>
-                                      <p:cBhvr>
-                                        <p:cTn id="10" dur="1" fill="hold">
-                                          <p:stCondLst>
-                                            <p:cond delay="0"/>
-                                          </p:stCondLst>
-                                        </p:cTn>
-                                        <p:tgtEl>
-                                          <p:spTgt spid="14"/>
-                                        </p:tgtEl>
-                                        <p:attrNameLst>
-                                          <p:attrName>style.visibility</p:attrName>
-                                        </p:attrNameLst>
-                                      </p:cBhvr>
-                                      <p:to>
-                                        <p:strVal val="visible"/>
-                                      </p:to>
-                                    </p:set>
-                                  </p:childTnLst>
-                                </p:cTn>
-                              </p:par>
-                              <p:par>
-                                <p:cTn id="11" presetID="1" presetClass="entr" presetSubtype="0" fill="hold" nodeType="withEffect">
-                                  <p:stCondLst>
-                                    <p:cond delay="0"/>
-                                  </p:stCondLst>
-                                  <p:childTnLst>
-                                    <p:set>
-                                      <p:cBhvr>
-                                        <p:cTn id="12" dur="1" fill="hold">
-                                          <p:stCondLst>
-                                            <p:cond delay="0"/>
-                                          </p:stCondLst>
-                                        </p:cTn>
-                                        <p:tgtEl>
-                                          <p:spTgt spid="21"/>
-                                        </p:tgtEl>
-                                        <p:attrNameLst>
-                                          <p:attrName>style.visibility</p:attrName>
-                                        </p:attrNameLst>
-                                      </p:cBhvr>
-                                      <p:to>
-                                        <p:strVal val="visible"/>
-                                      </p:to>
-                                    </p:set>
-                                  </p:childTnLst>
-                                </p:cTn>
-                              </p:par>
-                            </p:childTnLst>
-                          </p:cTn>
-                        </p:par>
-                      </p:childTnLst>
-                    </p:cTn>
-                  </p:par>
-                </p:childTnLst>
-              </p:cTn>
-              <p:prevCondLst>
-                <p:cond evt="onPrev" delay="0">
-                  <p:tgtEl>
-                    <p:sldTgt/>
-                  </p:tgtEl>
-                </p:cond>
-              </p:prevCondLst>
-              <p:nextCondLst>
-                <p:cond evt="onNext" delay="0">
-                  <p:tgtEl>
-                    <p:sldTgt/>
-                  </p:tgtEl>
-                </p:cond>
-              </p:nextCondLst>
-            </p:seq>
-          </p:childTnLst>
-        </p:cTn>
+        <p:cTn id="1" dur="indefinite" restart="never" nodeType="tmRoot"/>
       </p:par>
     </p:tnLst>
   </p:timing>
@@ -8325,7 +9252,7 @@
       </p:grpSpPr>
       <p:sp>
         <p:nvSpPr>
-          <p:cNvPr id="2" name="Titel 1"/>
+          <p:cNvPr id="7" name="Titel 6"/>
           <p:cNvSpPr>
             <a:spLocks noGrp="1"/>
           </p:cNvSpPr>
@@ -8340,31 +9267,71 @@
           <a:p>
             <a:r>
               <a:rPr lang="de-DE" dirty="0"/>
-              <a:t>Interpretierbarkeit, Erklärbarkeit, Verständlichkeit</a:t>
-            </a:r>
+              <a:t>Vergleich von Beispielen</a:t>
+            </a:r>
+          </a:p>
+        </p:txBody>
+      </p:sp>
+      <p:sp>
+        <p:nvSpPr>
+          <p:cNvPr id="5" name="Textfeld 4"/>
+          <p:cNvSpPr txBox="1"/>
+          <p:nvPr/>
+        </p:nvSpPr>
+        <p:spPr>
+          <a:xfrm>
+            <a:off x="558240" y="5706156"/>
+            <a:ext cx="6531428" cy="271306"/>
+          </a:xfrm>
+          <a:prstGeom prst="rect">
+            <a:avLst/>
+          </a:prstGeom>
+          <a:noFill/>
+        </p:spPr>
+        <p:txBody>
+          <a:bodyPr wrap="square" lIns="0" rIns="0" rtlCol="0">
+            <a:noAutofit/>
+          </a:bodyPr>
+          <a:lstStyle/>
+          <a:p>
+            <a:r>
+              <a:rPr lang="de-DE" sz="800" dirty="0" smtClean="0"/>
+              <a:t>DARPA </a:t>
+            </a:r>
+            <a:r>
+              <a:rPr lang="de-DE" sz="800" dirty="0"/>
+              <a:t>XAI </a:t>
+            </a:r>
+            <a:r>
+              <a:rPr lang="de-DE" sz="800" dirty="0" err="1"/>
+              <a:t>program</a:t>
+            </a:r>
+            <a:r>
+              <a:rPr lang="de-DE" sz="800" dirty="0"/>
+              <a:t> (FA8750-17-2-0146)</a:t>
+            </a:r>
+            <a:endParaRPr lang="de-DE" sz="800" dirty="0" smtClean="0"/>
           </a:p>
         </p:txBody>
       </p:sp>
       <p:pic>
         <p:nvPicPr>
-          <p:cNvPr id="4" name="Inhaltsplatzhalter 3"/>
+          <p:cNvPr id="8" name="Grafik 7"/>
           <p:cNvPicPr>
-            <a:picLocks noGrp="1" noChangeAspect="1"/>
+            <a:picLocks noChangeAspect="1"/>
           </p:cNvPicPr>
-          <p:nvPr>
-            <p:ph idx="1"/>
-          </p:nvPr>
+          <p:nvPr/>
         </p:nvPicPr>
         <p:blipFill>
-          <a:blip r:embed="rId2"/>
+          <a:blip r:embed="rId3"/>
           <a:stretch>
             <a:fillRect/>
           </a:stretch>
         </p:blipFill>
         <p:spPr>
           <a:xfrm>
-            <a:off x="457200" y="764825"/>
-            <a:ext cx="8229600" cy="5295013"/>
+            <a:off x="7275006" y="0"/>
+            <a:ext cx="1868993" cy="876393"/>
           </a:xfrm>
           <a:prstGeom prst="rect">
             <a:avLst/>
@@ -8373,51 +9340,7 @@
       </p:pic>
       <p:sp>
         <p:nvSpPr>
-          <p:cNvPr id="5" name="Rechteck 4"/>
-          <p:cNvSpPr/>
-          <p:nvPr/>
-        </p:nvSpPr>
-        <p:spPr>
-          <a:xfrm>
-            <a:off x="6682154" y="2552282"/>
-            <a:ext cx="2004646" cy="271306"/>
-          </a:xfrm>
-          <a:prstGeom prst="rect">
-            <a:avLst/>
-          </a:prstGeom>
-          <a:noFill/>
-          <a:ln/>
-        </p:spPr>
-        <p:style>
-          <a:lnRef idx="2">
-            <a:schemeClr val="accent5">
-              <a:shade val="50000"/>
-            </a:schemeClr>
-          </a:lnRef>
-          <a:fillRef idx="1">
-            <a:schemeClr val="accent5"/>
-          </a:fillRef>
-          <a:effectRef idx="0">
-            <a:schemeClr val="accent5"/>
-          </a:effectRef>
-          <a:fontRef idx="minor">
-            <a:schemeClr val="lt1"/>
-          </a:fontRef>
-        </p:style>
-        <p:txBody>
-          <a:bodyPr rtlCol="0" anchor="ctr" anchorCtr="1">
-            <a:normAutofit fontScale="77500" lnSpcReduction="20000"/>
-          </a:bodyPr>
-          <a:lstStyle/>
-          <a:p>
-            <a:pPr algn="ctr"/>
-            <a:endParaRPr lang="de-DE" dirty="0" err="1" smtClean="0"/>
-          </a:p>
-        </p:txBody>
-      </p:sp>
-      <p:sp>
-        <p:nvSpPr>
-          <p:cNvPr id="6" name="Foliennummernplatzhalter 5"/>
+          <p:cNvPr id="12" name="Foliennummernplatzhalter 11"/>
           <p:cNvSpPr>
             <a:spLocks noGrp="1"/>
           </p:cNvSpPr>
@@ -8435,13 +9358,13 @@
               <a:pPr/>
               <a:t>5</a:t>
             </a:fld>
-            <a:endParaRPr lang="de-DE" dirty="0"/>
-          </a:p>
-        </p:txBody>
-      </p:sp>
-      <p:sp>
-        <p:nvSpPr>
-          <p:cNvPr id="7" name="Fußzeilenplatzhalter 6"/>
+            <a:endParaRPr lang="de-DE"/>
+          </a:p>
+        </p:txBody>
+      </p:sp>
+      <p:sp>
+        <p:nvSpPr>
+          <p:cNvPr id="13" name="Fußzeilenplatzhalter 12"/>
           <p:cNvSpPr>
             <a:spLocks noGrp="1"/>
           </p:cNvSpPr>
@@ -8455,25 +9378,113 @@
           <a:lstStyle/>
           <a:p>
             <a:r>
-              <a:rPr lang="en-US" dirty="0"/>
+              <a:rPr lang="en-US" dirty="0" smtClean="0"/>
               <a:t>Engineering Interpretable Cognitive Computing Systems, </a:t>
             </a:r>
             <a:r>
-              <a:rPr lang="en-US" dirty="0" err="1"/>
+              <a:rPr lang="en-US" dirty="0" err="1" smtClean="0"/>
               <a:t>Diss-Kurzcheck</a:t>
             </a:r>
             <a:r>
-              <a:rPr lang="en-US" dirty="0"/>
+              <a:rPr lang="en-US" dirty="0" smtClean="0"/>
               <a:t>, 15.08.2018, Jacqueline Büttner </a:t>
             </a:r>
             <a:endParaRPr lang="de-DE" dirty="0"/>
+          </a:p>
+        </p:txBody>
+      </p:sp>
+      <p:pic>
+        <p:nvPicPr>
+          <p:cNvPr id="14" name="Grafik 13"/>
+          <p:cNvPicPr>
+            <a:picLocks noChangeAspect="1"/>
+          </p:cNvPicPr>
+          <p:nvPr/>
+        </p:nvPicPr>
+        <p:blipFill>
+          <a:blip r:embed="rId4"/>
+          <a:stretch>
+            <a:fillRect/>
+          </a:stretch>
+        </p:blipFill>
+        <p:spPr>
+          <a:xfrm>
+            <a:off x="450640" y="1146139"/>
+            <a:ext cx="7744005" cy="4495681"/>
+          </a:xfrm>
+          <a:prstGeom prst="rect">
+            <a:avLst/>
+          </a:prstGeom>
+        </p:spPr>
+      </p:pic>
+      <p:sp>
+        <p:nvSpPr>
+          <p:cNvPr id="15" name="Textfeld 14"/>
+          <p:cNvSpPr txBox="1"/>
+          <p:nvPr/>
+        </p:nvSpPr>
+        <p:spPr>
+          <a:xfrm>
+            <a:off x="467806" y="5981323"/>
+            <a:ext cx="2848708" cy="582805"/>
+          </a:xfrm>
+          <a:prstGeom prst="rect">
+            <a:avLst/>
+          </a:prstGeom>
+          <a:noFill/>
+        </p:spPr>
+        <p:txBody>
+          <a:bodyPr wrap="square" lIns="0" rIns="0" rtlCol="0">
+            <a:noAutofit/>
+          </a:bodyPr>
+          <a:lstStyle/>
+          <a:p>
+            <a:pPr>
+              <a:buClr>
+                <a:schemeClr val="tx2"/>
+              </a:buClr>
+            </a:pPr>
+            <a:endParaRPr lang="de-DE" sz="800" dirty="0" smtClean="0"/>
+          </a:p>
+        </p:txBody>
+      </p:sp>
+      <p:sp>
+        <p:nvSpPr>
+          <p:cNvPr id="16" name="Rechteck 15"/>
+          <p:cNvSpPr/>
+          <p:nvPr/>
+        </p:nvSpPr>
+        <p:spPr>
+          <a:xfrm>
+            <a:off x="467806" y="5521017"/>
+            <a:ext cx="4572000" cy="215444"/>
+          </a:xfrm>
+          <a:prstGeom prst="rect">
+            <a:avLst/>
+          </a:prstGeom>
+        </p:spPr>
+        <p:txBody>
+          <a:bodyPr>
+            <a:spAutoFit/>
+          </a:bodyPr>
+          <a:lstStyle/>
+          <a:p>
+            <a:pPr>
+              <a:buClr>
+                <a:schemeClr val="tx2"/>
+              </a:buClr>
+            </a:pPr>
+            <a:r>
+              <a:rPr lang="de-DE" sz="800" dirty="0"/>
+              <a:t>https://www.darpa.mil/attachments/XAIProgramUpdate.pdf</a:t>
+            </a:r>
           </a:p>
         </p:txBody>
       </p:sp>
     </p:spTree>
     <p:extLst>
       <p:ext uri="{BB962C8B-B14F-4D97-AF65-F5344CB8AC3E}">
-        <p14:creationId xmlns:p14="http://schemas.microsoft.com/office/powerpoint/2010/main" val="3768046060"/>
+        <p14:creationId xmlns:p14="http://schemas.microsoft.com/office/powerpoint/2010/main" val="4026226357"/>
       </p:ext>
     </p:extLst>
   </p:cSld>
@@ -8509,7 +9520,7 @@
       </p:grpSpPr>
       <p:sp>
         <p:nvSpPr>
-          <p:cNvPr id="2" name="Titel 1"/>
+          <p:cNvPr id="7" name="Titel 6"/>
           <p:cNvSpPr>
             <a:spLocks noGrp="1"/>
           </p:cNvSpPr>
@@ -8524,102 +9535,134 @@
           <a:p>
             <a:r>
               <a:rPr lang="de-DE" dirty="0" smtClean="0"/>
-              <a:t>Debugging </a:t>
-            </a:r>
-            <a:r>
-              <a:rPr lang="de-DE" dirty="0" err="1" smtClean="0"/>
-              <a:t>Cognitive</a:t>
-            </a:r>
-            <a:r>
-              <a:rPr lang="de-DE" dirty="0" smtClean="0"/>
-              <a:t> Computing Systems</a:t>
+              <a:t>Erklärbarkeit nach DARPA</a:t>
             </a:r>
             <a:endParaRPr lang="de-DE" dirty="0"/>
           </a:p>
         </p:txBody>
       </p:sp>
-      <p:sp>
-        <p:nvSpPr>
-          <p:cNvPr id="3" name="Inhaltsplatzhalter 2"/>
-          <p:cNvSpPr>
-            <a:spLocks noGrp="1"/>
-          </p:cNvSpPr>
-          <p:nvPr>
-            <p:ph idx="1"/>
-          </p:nvPr>
-        </p:nvSpPr>
-        <p:spPr>
-          <a:xfrm>
-            <a:off x="457200" y="698500"/>
-            <a:ext cx="8229600" cy="5427663"/>
-          </a:xfrm>
-        </p:spPr>
-        <p:txBody>
-          <a:bodyPr/>
+      <p:pic>
+        <p:nvPicPr>
+          <p:cNvPr id="2" name="Grafik 1"/>
+          <p:cNvPicPr>
+            <a:picLocks noChangeAspect="1"/>
+          </p:cNvPicPr>
+          <p:nvPr/>
+        </p:nvPicPr>
+        <p:blipFill>
+          <a:blip r:embed="rId3"/>
+          <a:stretch>
+            <a:fillRect/>
+          </a:stretch>
+        </p:blipFill>
+        <p:spPr>
+          <a:xfrm>
+            <a:off x="416643" y="746559"/>
+            <a:ext cx="8310714" cy="5347205"/>
+          </a:xfrm>
+          <a:prstGeom prst="rect">
+            <a:avLst/>
+          </a:prstGeom>
+        </p:spPr>
+      </p:pic>
+      <p:sp>
+        <p:nvSpPr>
+          <p:cNvPr id="11" name="Textfeld 10"/>
+          <p:cNvSpPr txBox="1"/>
+          <p:nvPr/>
+        </p:nvSpPr>
+        <p:spPr>
+          <a:xfrm>
+            <a:off x="5962357" y="6138101"/>
+            <a:ext cx="2848708" cy="582805"/>
+          </a:xfrm>
+          <a:prstGeom prst="rect">
+            <a:avLst/>
+          </a:prstGeom>
+          <a:noFill/>
+        </p:spPr>
+        <p:txBody>
+          <a:bodyPr wrap="square" lIns="0" rIns="0" rtlCol="0">
+            <a:noAutofit/>
+          </a:bodyPr>
           <a:lstStyle/>
           <a:p>
-            <a:r>
-              <a:rPr lang="de-DE" dirty="0" smtClean="0"/>
-              <a:t>Wie korrigiere ich einen Fehler?</a:t>
-            </a:r>
-          </a:p>
-          <a:p>
-            <a:pPr lvl="1"/>
-            <a:r>
-              <a:rPr lang="de-DE" dirty="0" smtClean="0"/>
-              <a:t>Wie bemerke ich überhaupt, dass es einen Fehler gibt?</a:t>
-            </a:r>
-          </a:p>
-          <a:p>
-            <a:pPr lvl="1"/>
-            <a:r>
-              <a:rPr lang="de-DE" dirty="0" smtClean="0"/>
-              <a:t>Wie kann ich heraus finden wo die Ursache eines Fehlers liegen könnte?</a:t>
-            </a:r>
-          </a:p>
-          <a:p>
-            <a:pPr lvl="1"/>
-            <a:r>
-              <a:rPr lang="de-DE" dirty="0" smtClean="0"/>
-              <a:t>Wie kann ich beschreiben unter welchen (zunächst impliziten) Annahmen  das Modell erstellt wurde?</a:t>
-            </a:r>
-          </a:p>
-          <a:p>
-            <a:r>
-              <a:rPr lang="de-DE" dirty="0" smtClean="0"/>
-              <a:t>Wie vermeide ich Fehler?</a:t>
-            </a:r>
-          </a:p>
-          <a:p>
-            <a:pPr lvl="1"/>
-            <a:r>
-              <a:rPr lang="de-DE" dirty="0" smtClean="0"/>
-              <a:t>Wie kann ich Trainingsdaten passend sammeln bzw. beurteilen?</a:t>
-            </a:r>
-          </a:p>
-          <a:p>
-            <a:pPr lvl="1"/>
-            <a:r>
-              <a:rPr lang="de-DE" dirty="0" smtClean="0"/>
-              <a:t>Wie kann ich Real-Welt-Bedingungen von Beginn an besser verstehen?</a:t>
-            </a:r>
-          </a:p>
-          <a:p>
-            <a:pPr lvl="1"/>
-            <a:r>
-              <a:rPr lang="de-DE" dirty="0" smtClean="0"/>
-              <a:t>Wie kann man Stakeholder früher ins Boot holen / involvieren?</a:t>
-            </a:r>
-          </a:p>
-          <a:p>
-            <a:pPr lvl="1"/>
-            <a:endParaRPr lang="de-DE" dirty="0" smtClean="0"/>
-          </a:p>
-        </p:txBody>
-      </p:sp>
-      <p:sp>
-        <p:nvSpPr>
-          <p:cNvPr id="7" name="Foliennummernplatzhalter 6"/>
+            <a:pPr>
+              <a:buClr>
+                <a:schemeClr val="tx2"/>
+              </a:buClr>
+            </a:pPr>
+            <a:r>
+              <a:rPr lang="de-DE" sz="800" dirty="0"/>
+              <a:t>https://www.darpa.mil/attachments/XAIProgramUpdate.pdf</a:t>
+            </a:r>
+            <a:endParaRPr lang="de-DE" sz="800" dirty="0" smtClean="0"/>
+          </a:p>
+        </p:txBody>
+      </p:sp>
+      <p:cxnSp>
+        <p:nvCxnSpPr>
+          <p:cNvPr id="14" name="Gerader Verbinder 13"/>
+          <p:cNvCxnSpPr/>
+          <p:nvPr/>
+        </p:nvCxnSpPr>
+        <p:spPr>
+          <a:xfrm>
+            <a:off x="6923314" y="2793442"/>
+            <a:ext cx="1637882" cy="0"/>
+          </a:xfrm>
+          <a:prstGeom prst="line">
+            <a:avLst/>
+          </a:prstGeom>
+        </p:spPr>
+        <p:style>
+          <a:lnRef idx="2">
+            <a:schemeClr val="accent1"/>
+          </a:lnRef>
+          <a:fillRef idx="0">
+            <a:schemeClr val="accent1"/>
+          </a:fillRef>
+          <a:effectRef idx="1">
+            <a:schemeClr val="accent1"/>
+          </a:effectRef>
+          <a:fontRef idx="minor">
+            <a:schemeClr val="tx1"/>
+          </a:fontRef>
+        </p:style>
+      </p:cxnSp>
+      <p:cxnSp>
+        <p:nvCxnSpPr>
+          <p:cNvPr id="18" name="Gerader Verbinder 17"/>
+          <p:cNvCxnSpPr/>
+          <p:nvPr/>
+        </p:nvCxnSpPr>
+        <p:spPr>
+          <a:xfrm>
+            <a:off x="6852976" y="5416062"/>
+            <a:ext cx="1708220" cy="0"/>
+          </a:xfrm>
+          <a:prstGeom prst="line">
+            <a:avLst/>
+          </a:prstGeom>
+        </p:spPr>
+        <p:style>
+          <a:lnRef idx="2">
+            <a:schemeClr val="accent1"/>
+          </a:lnRef>
+          <a:fillRef idx="0">
+            <a:schemeClr val="accent1"/>
+          </a:fillRef>
+          <a:effectRef idx="1">
+            <a:schemeClr val="accent1"/>
+          </a:effectRef>
+          <a:fontRef idx="minor">
+            <a:schemeClr val="tx1"/>
+          </a:fontRef>
+        </p:style>
+      </p:cxnSp>
+      <p:sp>
+        <p:nvSpPr>
+          <p:cNvPr id="23" name="Foliennummernplatzhalter 22"/>
           <p:cNvSpPr>
             <a:spLocks noGrp="1"/>
           </p:cNvSpPr>
@@ -8637,13 +9680,13 @@
               <a:pPr/>
               <a:t>6</a:t>
             </a:fld>
-            <a:endParaRPr lang="de-DE" dirty="0"/>
-          </a:p>
-        </p:txBody>
-      </p:sp>
-      <p:sp>
-        <p:nvSpPr>
-          <p:cNvPr id="8" name="Fußzeilenplatzhalter 7"/>
+            <a:endParaRPr lang="de-DE"/>
+          </a:p>
+        </p:txBody>
+      </p:sp>
+      <p:sp>
+        <p:nvSpPr>
+          <p:cNvPr id="24" name="Fußzeilenplatzhalter 23"/>
           <p:cNvSpPr>
             <a:spLocks noGrp="1"/>
           </p:cNvSpPr>
@@ -8657,25 +9700,17 @@
           <a:lstStyle/>
           <a:p>
             <a:r>
-              <a:rPr lang="en-US" dirty="0"/>
-              <a:t>Engineering Interpretable Cognitive Computing Systems, </a:t>
-            </a:r>
-            <a:r>
-              <a:rPr lang="en-US" dirty="0" err="1"/>
-              <a:t>Diss-Kurzcheck</a:t>
-            </a:r>
-            <a:r>
-              <a:rPr lang="en-US" dirty="0"/>
-              <a:t>, 15.08.2018, Jacqueline Büttner </a:t>
-            </a:r>
-            <a:endParaRPr lang="de-DE" dirty="0"/>
+              <a:rPr lang="en-US" smtClean="0"/>
+              <a:t>Engineering Interpretable Cognitive Computing Systems, Diss-Kurzcheck, 15.08.2018, Jacqueline Büttner </a:t>
+            </a:r>
+            <a:endParaRPr lang="de-DE"/>
           </a:p>
         </p:txBody>
       </p:sp>
     </p:spTree>
     <p:extLst>
       <p:ext uri="{BB962C8B-B14F-4D97-AF65-F5344CB8AC3E}">
-        <p14:creationId xmlns:p14="http://schemas.microsoft.com/office/powerpoint/2010/main" val="1601732555"/>
+        <p14:creationId xmlns:p14="http://schemas.microsoft.com/office/powerpoint/2010/main" val="2055944858"/>
       </p:ext>
     </p:extLst>
   </p:cSld>
@@ -8711,13 +9746,7 @@
       </p:grpSpPr>
       <p:sp>
         <p:nvSpPr>
-          <p:cNvPr id="2" name="Title 1">
-            <a:extLst>
-              <a:ext uri="{FF2B5EF4-FFF2-40B4-BE49-F238E27FC236}">
-                <a16:creationId xmlns:a16="http://schemas.microsoft.com/office/drawing/2014/main" id="{7577113E-E9BE-F74B-BF92-9D8520C58403}"/>
-              </a:ext>
-            </a:extLst>
-          </p:cNvPr>
+          <p:cNvPr id="2" name="Titel 1"/>
           <p:cNvSpPr>
             <a:spLocks noGrp="1"/>
           </p:cNvSpPr>
@@ -8732,7 +9761,7 @@
           <a:p>
             <a:r>
               <a:rPr lang="de-DE" dirty="0" smtClean="0"/>
-              <a:t>Fragestellungen</a:t>
+              <a:t>Hypothesen</a:t>
             </a:r>
             <a:endParaRPr lang="de-DE" dirty="0"/>
           </a:p>
@@ -8740,174 +9769,238 @@
       </p:sp>
       <p:sp>
         <p:nvSpPr>
-          <p:cNvPr id="3" name="Inhaltsplatzhalter 2"/>
-          <p:cNvSpPr>
-            <a:spLocks noGrp="1"/>
-          </p:cNvSpPr>
-          <p:nvPr>
-            <p:ph idx="1"/>
-          </p:nvPr>
-        </p:nvSpPr>
-        <p:spPr/>
-        <p:txBody>
-          <a:bodyPr>
-            <a:normAutofit/>
-          </a:bodyPr>
-          <a:lstStyle/>
-          <a:p>
-            <a:r>
-              <a:rPr lang="de-DE" dirty="0" smtClean="0"/>
-              <a:t>Wie komme ich zu </a:t>
-            </a:r>
-            <a:r>
-              <a:rPr lang="de-DE" dirty="0" smtClean="0"/>
-              <a:t>einer guten Einschätzung der realen Bedingungen (Lichtverhältnisse, Schnee)?</a:t>
-            </a:r>
-            <a:endParaRPr lang="de-DE" dirty="0" smtClean="0"/>
-          </a:p>
-          <a:p>
-            <a:r>
-              <a:rPr lang="de-DE" dirty="0" smtClean="0"/>
-              <a:t>Wie bringe ich das </a:t>
-            </a:r>
-            <a:r>
-              <a:rPr lang="de-DE" dirty="0" smtClean="0"/>
-              <a:t>Vorwissen </a:t>
-            </a:r>
-            <a:r>
-              <a:rPr lang="de-DE" dirty="0" smtClean="0"/>
-              <a:t>in das Modell </a:t>
-            </a:r>
-            <a:r>
-              <a:rPr lang="de-DE" dirty="0" smtClean="0"/>
-              <a:t>ein (Mensch ist komplizierter als Beine)?</a:t>
-            </a:r>
-            <a:endParaRPr lang="de-DE" dirty="0" smtClean="0"/>
-          </a:p>
-          <a:p>
-            <a:r>
-              <a:rPr lang="de-DE" dirty="0" smtClean="0"/>
-              <a:t>Wie </a:t>
-            </a:r>
-            <a:r>
-              <a:rPr lang="de-DE" dirty="0" smtClean="0"/>
-              <a:t>kann ich vorgehen, wenn ich für ein (Teil-)Problem bereits eine Lösung habe?</a:t>
-            </a:r>
-          </a:p>
-          <a:p>
-            <a:r>
-              <a:rPr lang="de-DE" dirty="0" smtClean="0"/>
-              <a:t>Wie kann ich von vorn herein</a:t>
-            </a:r>
-          </a:p>
-          <a:p>
-            <a:pPr marL="0" indent="0">
-              <a:buNone/>
-            </a:pPr>
-            <a:r>
-              <a:rPr lang="de-DE" dirty="0" smtClean="0"/>
-              <a:t>     ein interpretierbares Modell</a:t>
-            </a:r>
-          </a:p>
-          <a:p>
-            <a:pPr marL="0" indent="0">
-              <a:buNone/>
-            </a:pPr>
-            <a:r>
-              <a:rPr lang="de-DE" dirty="0" smtClean="0"/>
-              <a:t>     erstellen, das sich leicht</a:t>
-            </a:r>
-          </a:p>
-          <a:p>
-            <a:pPr marL="0" indent="0">
-              <a:buNone/>
-            </a:pPr>
-            <a:r>
-              <a:rPr lang="de-DE" dirty="0" smtClean="0"/>
-              <a:t>     „debuggen“ lässt</a:t>
-            </a:r>
-            <a:r>
-              <a:rPr lang="de-DE" dirty="0" smtClean="0"/>
-              <a:t>?</a:t>
-            </a:r>
-          </a:p>
-          <a:p>
-            <a:r>
-              <a:rPr lang="de-DE" dirty="0" smtClean="0"/>
-              <a:t>Kann ich ein Modell mit hoher</a:t>
-            </a:r>
-          </a:p>
-          <a:p>
-            <a:pPr marL="0" indent="0">
-              <a:buNone/>
-            </a:pPr>
-            <a:r>
-              <a:rPr lang="de-DE" dirty="0"/>
-              <a:t> </a:t>
-            </a:r>
-            <a:r>
-              <a:rPr lang="de-DE" dirty="0" smtClean="0"/>
-              <a:t>    Genauigkeit zu einem </a:t>
-            </a:r>
-          </a:p>
-          <a:p>
-            <a:pPr marL="0" indent="0">
-              <a:buNone/>
-            </a:pPr>
-            <a:r>
-              <a:rPr lang="de-DE" dirty="0" smtClean="0"/>
-              <a:t>     erklärbaren </a:t>
-            </a:r>
-            <a:r>
-              <a:rPr lang="de-DE" dirty="0" smtClean="0"/>
-              <a:t>Modell transferieren?</a:t>
-            </a:r>
-          </a:p>
-          <a:p>
-            <a:r>
-              <a:rPr lang="de-DE" dirty="0" smtClean="0"/>
-              <a:t>Wie reduziere ich Komplexität?</a:t>
-            </a:r>
-            <a:endParaRPr lang="de-DE" dirty="0" smtClean="0"/>
-          </a:p>
-          <a:p>
-            <a:pPr marL="0" indent="0">
-              <a:buNone/>
-            </a:pPr>
-            <a:endParaRPr lang="de-DE" dirty="0"/>
-          </a:p>
-        </p:txBody>
-      </p:sp>
-      <p:pic>
-        <p:nvPicPr>
-          <p:cNvPr id="5" name="Grafik 4"/>
-          <p:cNvPicPr>
-            <a:picLocks noChangeAspect="1"/>
-          </p:cNvPicPr>
+          <p:cNvPr id="3" name="Textfeld 2"/>
+          <p:cNvSpPr txBox="1"/>
           <p:nvPr/>
-        </p:nvPicPr>
-        <p:blipFill>
-          <a:blip r:embed="rId3">
-            <a:extLst>
-              <a:ext uri="{28A0092B-C50C-407E-A947-70E740481C1C}">
-                <a14:useLocalDpi xmlns:a14="http://schemas.microsoft.com/office/drawing/2010/main" val="0"/>
-              </a:ext>
-            </a:extLst>
-          </a:blip>
-          <a:stretch>
-            <a:fillRect/>
-          </a:stretch>
-        </p:blipFill>
-        <p:spPr>
-          <a:xfrm>
-            <a:off x="4605109" y="2909913"/>
-            <a:ext cx="4081691" cy="2713832"/>
+        </p:nvSpPr>
+        <p:spPr>
+          <a:xfrm>
+            <a:off x="457200" y="946150"/>
+            <a:ext cx="8103996" cy="5303925"/>
           </a:xfrm>
           <a:prstGeom prst="rect">
             <a:avLst/>
           </a:prstGeom>
-        </p:spPr>
-      </p:pic>
+          <a:noFill/>
+        </p:spPr>
+        <p:txBody>
+          <a:bodyPr wrap="square" lIns="0" rIns="0" rtlCol="0">
+            <a:noAutofit/>
+          </a:bodyPr>
+          <a:lstStyle/>
+          <a:p>
+            <a:pPr marL="285750" indent="-285750">
+              <a:buClr>
+                <a:schemeClr val="tx2"/>
+              </a:buClr>
+              <a:buFont typeface="Arial" panose="020B0604020202020204" pitchFamily="34" charset="0"/>
+              <a:buChar char="•"/>
+            </a:pPr>
+            <a:r>
+              <a:rPr lang="de-DE" dirty="0" smtClean="0"/>
+              <a:t>Die Interpretierbarkeit eines Modells hängt maßgeblich von</a:t>
+            </a:r>
+          </a:p>
+          <a:p>
+            <a:pPr marL="742950" lvl="1" indent="-285750">
+              <a:buClr>
+                <a:schemeClr val="tx2"/>
+              </a:buClr>
+              <a:buFont typeface="Arial" panose="020B0604020202020204" pitchFamily="34" charset="0"/>
+              <a:buChar char="•"/>
+            </a:pPr>
+            <a:r>
+              <a:rPr lang="de-DE" dirty="0" smtClean="0"/>
+              <a:t>der Komplexität des statistischen Modells</a:t>
+            </a:r>
+          </a:p>
+          <a:p>
+            <a:pPr marL="742950" lvl="1" indent="-285750">
+              <a:buClr>
+                <a:schemeClr val="tx2"/>
+              </a:buClr>
+              <a:buFont typeface="Arial" panose="020B0604020202020204" pitchFamily="34" charset="0"/>
+              <a:buChar char="•"/>
+            </a:pPr>
+            <a:r>
+              <a:rPr lang="de-DE" dirty="0" smtClean="0"/>
+              <a:t>dem Verständnis der Fachdomäne </a:t>
+            </a:r>
+          </a:p>
+          <a:p>
+            <a:pPr lvl="1">
+              <a:buClr>
+                <a:schemeClr val="tx2"/>
+              </a:buClr>
+            </a:pPr>
+            <a:r>
+              <a:rPr lang="de-DE" dirty="0" smtClean="0"/>
+              <a:t>ab.</a:t>
+            </a:r>
+          </a:p>
+          <a:p>
+            <a:pPr lvl="1">
+              <a:buClr>
+                <a:schemeClr val="tx2"/>
+              </a:buClr>
+            </a:pPr>
+            <a:endParaRPr lang="de-DE" dirty="0" smtClean="0"/>
+          </a:p>
+          <a:p>
+            <a:pPr marL="285750" indent="-285750">
+              <a:buClr>
+                <a:schemeClr val="tx2"/>
+              </a:buClr>
+              <a:buFont typeface="Arial" panose="020B0604020202020204" pitchFamily="34" charset="0"/>
+              <a:buChar char="•"/>
+            </a:pPr>
+            <a:r>
+              <a:rPr lang="de-DE" dirty="0" smtClean="0"/>
+              <a:t>Die Komplexität eines Modells kann durch eine Verringerung der Anzahl der geschätzten Freiheitsgrade reduziert werden. </a:t>
+            </a:r>
+          </a:p>
+          <a:p>
+            <a:pPr marL="285750" indent="-285750">
+              <a:buClr>
+                <a:schemeClr val="tx2"/>
+              </a:buClr>
+              <a:buFont typeface="Arial" panose="020B0604020202020204" pitchFamily="34" charset="0"/>
+              <a:buChar char="•"/>
+            </a:pPr>
+            <a:endParaRPr lang="de-DE" dirty="0"/>
+          </a:p>
+          <a:p>
+            <a:pPr marL="285750" indent="-285750">
+              <a:buClr>
+                <a:schemeClr val="tx2"/>
+              </a:buClr>
+              <a:buFont typeface="Arial" panose="020B0604020202020204" pitchFamily="34" charset="0"/>
+              <a:buChar char="•"/>
+            </a:pPr>
+            <a:r>
+              <a:rPr lang="de-DE" dirty="0" smtClean="0"/>
+              <a:t>Das Verständnis der Fachdomäne kann durch Interaktion mit den Daten und / oder dem Modell verbessert werden.</a:t>
+            </a:r>
+          </a:p>
+          <a:p>
+            <a:pPr>
+              <a:buClr>
+                <a:schemeClr val="tx2"/>
+              </a:buClr>
+            </a:pPr>
+            <a:endParaRPr lang="de-DE" dirty="0" smtClean="0"/>
+          </a:p>
+          <a:p>
+            <a:pPr marL="285750" indent="-285750">
+              <a:buClr>
+                <a:schemeClr val="tx2"/>
+              </a:buClr>
+              <a:buFont typeface="Arial" panose="020B0604020202020204" pitchFamily="34" charset="0"/>
+              <a:buChar char="•"/>
+            </a:pPr>
+            <a:r>
+              <a:rPr lang="de-DE" dirty="0" smtClean="0"/>
+              <a:t>Dies kann man erreichen durch</a:t>
+            </a:r>
+          </a:p>
+          <a:p>
+            <a:pPr marL="800100" lvl="1" indent="-342900">
+              <a:buClr>
+                <a:schemeClr val="tx2"/>
+              </a:buClr>
+              <a:buAutoNum type="alphaLcParenR"/>
+            </a:pPr>
+            <a:r>
+              <a:rPr lang="de-DE" dirty="0" smtClean="0"/>
+              <a:t>Aufteilen in mehrere Modelle mit höherer Spezialisierung</a:t>
+            </a:r>
+          </a:p>
+          <a:p>
+            <a:pPr marL="800100" lvl="1" indent="-342900">
+              <a:buClr>
+                <a:schemeClr val="tx2"/>
+              </a:buClr>
+              <a:buFontTx/>
+              <a:buAutoNum type="alphaLcParenR"/>
+            </a:pPr>
+            <a:r>
+              <a:rPr lang="de-DE" dirty="0" smtClean="0"/>
+              <a:t>Iteratives Entwickeln </a:t>
+            </a:r>
+            <a:r>
+              <a:rPr lang="de-DE" dirty="0"/>
+              <a:t>der </a:t>
+            </a:r>
+            <a:r>
+              <a:rPr lang="de-DE" dirty="0" smtClean="0"/>
+              <a:t>Merkmale</a:t>
+            </a:r>
+          </a:p>
+          <a:p>
+            <a:pPr marL="800100" lvl="1" indent="-342900">
+              <a:buClr>
+                <a:schemeClr val="tx2"/>
+              </a:buClr>
+              <a:buFontTx/>
+              <a:buAutoNum type="alphaLcParenR"/>
+            </a:pPr>
+            <a:r>
+              <a:rPr lang="de-DE" dirty="0" smtClean="0"/>
+              <a:t>Kodieren </a:t>
+            </a:r>
+            <a:r>
+              <a:rPr lang="de-DE" dirty="0"/>
+              <a:t>von Vorwissen im </a:t>
+            </a:r>
+            <a:r>
+              <a:rPr lang="de-DE" dirty="0" smtClean="0"/>
+              <a:t>Modell</a:t>
+            </a:r>
+          </a:p>
+          <a:p>
+            <a:pPr marL="800100" lvl="1" indent="-342900">
+              <a:buClr>
+                <a:schemeClr val="tx2"/>
+              </a:buClr>
+              <a:buAutoNum type="alphaLcParenR"/>
+            </a:pPr>
+            <a:r>
+              <a:rPr lang="de-DE" dirty="0" smtClean="0"/>
+              <a:t>Transfer Lernen zu leichter interpretierbaren Modellen</a:t>
+            </a:r>
+          </a:p>
+          <a:p>
+            <a:pPr marL="800100" lvl="1" indent="-342900">
+              <a:buClr>
+                <a:schemeClr val="tx2"/>
+              </a:buClr>
+              <a:buAutoNum type="alphaLcParenR"/>
+            </a:pPr>
+            <a:r>
+              <a:rPr lang="de-DE" dirty="0" smtClean="0"/>
+              <a:t>?</a:t>
+            </a:r>
+          </a:p>
+          <a:p>
+            <a:pPr marL="800100" lvl="1" indent="-342900">
+              <a:buClr>
+                <a:schemeClr val="tx2"/>
+              </a:buClr>
+              <a:buAutoNum type="alphaLcParenR"/>
+            </a:pPr>
+            <a:endParaRPr lang="de-DE" dirty="0" smtClean="0"/>
+          </a:p>
+          <a:p>
+            <a:pPr marL="800100" lvl="1" indent="-342900">
+              <a:buClr>
+                <a:schemeClr val="tx2"/>
+              </a:buClr>
+              <a:buAutoNum type="alphaLcParenR"/>
+            </a:pPr>
+            <a:endParaRPr lang="de-DE" dirty="0" smtClean="0"/>
+          </a:p>
+        </p:txBody>
+      </p:sp>
       <p:sp>
         <p:nvSpPr>
           <p:cNvPr id="4" name="Foliennummernplatzhalter 3"/>
@@ -8928,13 +10021,13 @@
               <a:pPr/>
               <a:t>7</a:t>
             </a:fld>
-            <a:endParaRPr lang="de-DE" dirty="0"/>
-          </a:p>
-        </p:txBody>
-      </p:sp>
-      <p:sp>
-        <p:nvSpPr>
-          <p:cNvPr id="6" name="Fußzeilenplatzhalter 5"/>
+            <a:endParaRPr lang="de-DE"/>
+          </a:p>
+        </p:txBody>
+      </p:sp>
+      <p:sp>
+        <p:nvSpPr>
+          <p:cNvPr id="5" name="Fußzeilenplatzhalter 4"/>
           <p:cNvSpPr>
             <a:spLocks noGrp="1"/>
           </p:cNvSpPr>
@@ -8948,25 +10041,17 @@
           <a:lstStyle/>
           <a:p>
             <a:r>
-              <a:rPr lang="en-US" dirty="0"/>
-              <a:t>Engineering Interpretable Cognitive Computing Systems, </a:t>
-            </a:r>
-            <a:r>
-              <a:rPr lang="en-US" dirty="0" err="1"/>
-              <a:t>Diss-Kurzcheck</a:t>
-            </a:r>
-            <a:r>
-              <a:rPr lang="en-US" dirty="0"/>
-              <a:t>, 15.08.2018, Jacqueline Büttner </a:t>
-            </a:r>
-            <a:endParaRPr lang="de-DE" dirty="0"/>
+              <a:rPr lang="en-US" smtClean="0"/>
+              <a:t>Engineering Interpretable Cognitive Computing Systems, Diss-Kurzcheck, 15.08.2018, Jacqueline Büttner </a:t>
+            </a:r>
+            <a:endParaRPr lang="de-DE"/>
           </a:p>
         </p:txBody>
       </p:sp>
     </p:spTree>
     <p:extLst>
       <p:ext uri="{BB962C8B-B14F-4D97-AF65-F5344CB8AC3E}">
-        <p14:creationId xmlns:p14="http://schemas.microsoft.com/office/powerpoint/2010/main" val="1269636602"/>
+        <p14:creationId xmlns:p14="http://schemas.microsoft.com/office/powerpoint/2010/main" val="274331917"/>
       </p:ext>
     </p:extLst>
   </p:cSld>
@@ -9017,7 +10102,7 @@
           <a:p>
             <a:r>
               <a:rPr lang="de-DE" dirty="0" smtClean="0"/>
-              <a:t>Hypothesen</a:t>
+              <a:t>Nächste Schritte</a:t>
             </a:r>
             <a:endParaRPr lang="de-DE" dirty="0"/>
           </a:p>
@@ -9053,14 +10138,29 @@
               <a:buChar char="•"/>
             </a:pPr>
             <a:r>
-              <a:rPr lang="de-DE" dirty="0" smtClean="0"/>
-              <a:t>Die Interpretierbarkeit eines Modells hängt maßgeblich </a:t>
-            </a:r>
-            <a:r>
-              <a:rPr lang="de-DE" dirty="0" smtClean="0"/>
-              <a:t>von</a:t>
-            </a:r>
-            <a:endParaRPr lang="de-DE" dirty="0" smtClean="0"/>
+              <a:rPr lang="de-DE" dirty="0" err="1" smtClean="0"/>
+              <a:t>Literature</a:t>
+            </a:r>
+            <a:r>
+              <a:rPr lang="de-DE" dirty="0" smtClean="0"/>
+              <a:t> Review zu </a:t>
+            </a:r>
+            <a:r>
+              <a:rPr lang="de-DE" dirty="0" err="1" smtClean="0"/>
+              <a:t>Explainable</a:t>
+            </a:r>
+            <a:r>
+              <a:rPr lang="de-DE" dirty="0" smtClean="0"/>
+              <a:t> </a:t>
+            </a:r>
+            <a:r>
+              <a:rPr lang="de-DE" dirty="0" err="1" smtClean="0"/>
+              <a:t>Machine</a:t>
+            </a:r>
+            <a:r>
+              <a:rPr lang="de-DE" dirty="0" smtClean="0"/>
+              <a:t> Learning</a:t>
+            </a:r>
           </a:p>
           <a:p>
             <a:pPr marL="742950" lvl="1" indent="-285750">
@@ -9071,22 +10171,34 @@
               <a:buChar char="•"/>
             </a:pPr>
             <a:r>
-              <a:rPr lang="de-DE" dirty="0" smtClean="0"/>
-              <a:t>d</a:t>
-            </a:r>
-            <a:r>
-              <a:rPr lang="de-DE" dirty="0" smtClean="0"/>
-              <a:t>er </a:t>
-            </a:r>
-            <a:r>
-              <a:rPr lang="de-DE" dirty="0" smtClean="0"/>
-              <a:t>Komplexität des statistischen </a:t>
-            </a:r>
-            <a:r>
-              <a:rPr lang="de-DE" dirty="0" smtClean="0"/>
-              <a:t>Modells</a:t>
-            </a:r>
-            <a:endParaRPr lang="de-DE" dirty="0" smtClean="0"/>
+              <a:rPr lang="en-US" dirty="0" err="1" smtClean="0"/>
+              <a:t>Kategorisierung</a:t>
+            </a:r>
+            <a:r>
+              <a:rPr lang="en-US" dirty="0" smtClean="0"/>
+              <a:t>, </a:t>
+            </a:r>
+            <a:r>
+              <a:rPr lang="en-US" dirty="0" err="1" smtClean="0"/>
+              <a:t>Einordnung</a:t>
+            </a:r>
+            <a:r>
+              <a:rPr lang="en-US" dirty="0" smtClean="0"/>
+              <a:t> </a:t>
+            </a:r>
+            <a:r>
+              <a:rPr lang="en-US" dirty="0" err="1" smtClean="0"/>
+              <a:t>vorhandener</a:t>
+            </a:r>
+            <a:r>
+              <a:rPr lang="en-US" dirty="0" smtClean="0"/>
+              <a:t> </a:t>
+            </a:r>
+            <a:r>
+              <a:rPr lang="en-US" dirty="0" err="1" smtClean="0"/>
+              <a:t>Ansätze</a:t>
+            </a:r>
+            <a:endParaRPr lang="en-US" dirty="0"/>
           </a:p>
           <a:p>
             <a:pPr marL="742950" lvl="1" indent="-285750">
@@ -9098,39 +10210,8 @@
             </a:pPr>
             <a:r>
               <a:rPr lang="de-DE" dirty="0" smtClean="0"/>
-              <a:t>d</a:t>
-            </a:r>
-            <a:r>
-              <a:rPr lang="de-DE" dirty="0" smtClean="0"/>
-              <a:t>em </a:t>
-            </a:r>
-            <a:r>
-              <a:rPr lang="de-DE" dirty="0" smtClean="0"/>
-              <a:t>Verständnis der </a:t>
-            </a:r>
-            <a:r>
-              <a:rPr lang="de-DE" dirty="0" smtClean="0"/>
-              <a:t>Fachdomäne </a:t>
-            </a:r>
-          </a:p>
-          <a:p>
-            <a:pPr lvl="1">
-              <a:buClr>
-                <a:schemeClr val="tx2"/>
-              </a:buClr>
-            </a:pPr>
-            <a:r>
-              <a:rPr lang="de-DE" dirty="0" smtClean="0"/>
-              <a:t>ab.</a:t>
-            </a:r>
-          </a:p>
-          <a:p>
-            <a:pPr lvl="1">
-              <a:buClr>
-                <a:schemeClr val="tx2"/>
-              </a:buClr>
-            </a:pPr>
-            <a:endParaRPr lang="de-DE" dirty="0" smtClean="0"/>
+              <a:t>Argumentation für fehlende Aspekte</a:t>
+            </a:r>
           </a:p>
           <a:p>
             <a:pPr marL="285750" indent="-285750">
@@ -9142,20 +10223,89 @@
             </a:pPr>
             <a:r>
               <a:rPr lang="de-DE" dirty="0" smtClean="0"/>
-              <a:t>Die Komplexität eines Modells </a:t>
-            </a:r>
-            <a:r>
-              <a:rPr lang="de-DE" dirty="0" smtClean="0"/>
-              <a:t>kann durch eine Verringerung der </a:t>
-            </a:r>
-            <a:r>
-              <a:rPr lang="de-DE" dirty="0" smtClean="0"/>
-              <a:t>Anzahl der geschätzten Freiheitsgrade </a:t>
-            </a:r>
-            <a:r>
-              <a:rPr lang="de-DE" dirty="0" smtClean="0"/>
-              <a:t>reduziert werden. </a:t>
-            </a:r>
+              <a:t>Weitere Aspekte / Themengebiete	</a:t>
+            </a:r>
+          </a:p>
+          <a:p>
+            <a:pPr marL="1200150" lvl="2" indent="-285750">
+              <a:buClr>
+                <a:schemeClr val="tx2"/>
+              </a:buClr>
+              <a:buFont typeface="Arial" panose="020B0604020202020204" pitchFamily="34" charset="0"/>
+              <a:buChar char="•"/>
+            </a:pPr>
+            <a:r>
+              <a:rPr lang="en-US" dirty="0" err="1" smtClean="0"/>
+              <a:t>Vorwissen</a:t>
+            </a:r>
+            <a:r>
+              <a:rPr lang="en-US" dirty="0" smtClean="0"/>
+              <a:t> in CCS </a:t>
+            </a:r>
+            <a:r>
+              <a:rPr lang="en-US" dirty="0" err="1" smtClean="0"/>
+              <a:t>einbringen</a:t>
+            </a:r>
+            <a:endParaRPr lang="en-US" dirty="0" smtClean="0"/>
+          </a:p>
+          <a:p>
+            <a:pPr marL="1200150" lvl="2" indent="-285750">
+              <a:buClr>
+                <a:schemeClr val="tx2"/>
+              </a:buClr>
+              <a:buFont typeface="Arial" panose="020B0604020202020204" pitchFamily="34" charset="0"/>
+              <a:buChar char="•"/>
+            </a:pPr>
+            <a:r>
+              <a:rPr lang="en-US" dirty="0" err="1" smtClean="0"/>
+              <a:t>Wege</a:t>
+            </a:r>
+            <a:r>
+              <a:rPr lang="en-US" dirty="0" smtClean="0"/>
+              <a:t> der </a:t>
+            </a:r>
+            <a:r>
+              <a:rPr lang="en-US" dirty="0" err="1" smtClean="0"/>
+              <a:t>Komplexitätsreduzierung</a:t>
+            </a:r>
+            <a:r>
+              <a:rPr lang="en-US" dirty="0" smtClean="0"/>
+              <a:t> von CCS</a:t>
+            </a:r>
+          </a:p>
+          <a:p>
+            <a:pPr marL="1200150" lvl="2" indent="-285750">
+              <a:buClr>
+                <a:schemeClr val="tx2"/>
+              </a:buClr>
+              <a:buFont typeface="Arial" panose="020B0604020202020204" pitchFamily="34" charset="0"/>
+              <a:buChar char="•"/>
+            </a:pPr>
+            <a:r>
+              <a:rPr lang="en-US" dirty="0" smtClean="0"/>
+              <a:t>Data Mining </a:t>
+            </a:r>
+            <a:r>
+              <a:rPr lang="en-US" dirty="0" err="1" smtClean="0"/>
+              <a:t>Ansätze</a:t>
+            </a:r>
+            <a:r>
+              <a:rPr lang="en-US" dirty="0" smtClean="0"/>
+              <a:t> </a:t>
+            </a:r>
+            <a:r>
+              <a:rPr lang="en-US" dirty="0" err="1" smtClean="0"/>
+              <a:t>für</a:t>
+            </a:r>
+            <a:r>
+              <a:rPr lang="en-US" dirty="0" smtClean="0"/>
+              <a:t> CCS </a:t>
+            </a:r>
+            <a:r>
+              <a:rPr lang="en-US" dirty="0" err="1" smtClean="0"/>
+              <a:t>anwenden</a:t>
+            </a:r>
+            <a:endParaRPr lang="en-US" dirty="0" smtClean="0"/>
           </a:p>
           <a:p>
             <a:pPr marL="285750" indent="-285750">
@@ -9165,7 +10315,35 @@
               <a:buFont typeface="Arial" panose="020B0604020202020204" pitchFamily="34" charset="0"/>
               <a:buChar char="•"/>
             </a:pPr>
-            <a:endParaRPr lang="de-DE" dirty="0"/>
+            <a:r>
+              <a:rPr lang="en-US" dirty="0" err="1" smtClean="0"/>
+              <a:t>Relevante</a:t>
+            </a:r>
+            <a:r>
+              <a:rPr lang="en-US" dirty="0" smtClean="0"/>
+              <a:t> </a:t>
+            </a:r>
+            <a:r>
+              <a:rPr lang="en-US" dirty="0" err="1" smtClean="0"/>
+              <a:t>Konferenzen</a:t>
+            </a:r>
+            <a:r>
+              <a:rPr lang="en-US" dirty="0" smtClean="0"/>
+              <a:t>, </a:t>
+            </a:r>
+            <a:r>
+              <a:rPr lang="en-US" dirty="0" err="1" smtClean="0"/>
+              <a:t>Autoren</a:t>
+            </a:r>
+            <a:r>
+              <a:rPr lang="en-US" dirty="0" smtClean="0"/>
+              <a:t> </a:t>
+            </a:r>
+            <a:r>
+              <a:rPr lang="en-US" dirty="0" err="1" smtClean="0"/>
+              <a:t>identifizieren</a:t>
+            </a:r>
+            <a:endParaRPr lang="en-US" dirty="0" smtClean="0"/>
           </a:p>
           <a:p>
             <a:pPr marL="285750" indent="-285750">
@@ -9176,17 +10354,30 @@
               <a:buChar char="•"/>
             </a:pPr>
             <a:r>
-              <a:rPr lang="de-DE" dirty="0" smtClean="0"/>
-              <a:t>Das Verständnis der Fachdomäne kann durch Interaktion mit den Daten und / oder dem Modell verbessert werden.</a:t>
-            </a:r>
-          </a:p>
-          <a:p>
-            <a:pPr>
-              <a:buClr>
-                <a:schemeClr val="tx2"/>
-              </a:buClr>
-            </a:pPr>
-            <a:endParaRPr lang="de-DE" dirty="0" smtClean="0"/>
+              <a:rPr lang="en-US" dirty="0" err="1" smtClean="0"/>
+              <a:t>Überarbeitung</a:t>
+            </a:r>
+            <a:r>
+              <a:rPr lang="en-US" dirty="0"/>
+              <a:t>/</a:t>
+            </a:r>
+            <a:r>
+              <a:rPr lang="en-US" dirty="0" smtClean="0"/>
+              <a:t> </a:t>
+            </a:r>
+            <a:r>
+              <a:rPr lang="en-US" dirty="0" err="1" smtClean="0"/>
+              <a:t>Eingrenzen</a:t>
+            </a:r>
+            <a:r>
+              <a:rPr lang="en-US" dirty="0" smtClean="0"/>
+              <a:t> der </a:t>
+            </a:r>
+            <a:r>
+              <a:rPr lang="en-US" dirty="0" err="1" smtClean="0"/>
+              <a:t>Hypothesen</a:t>
+            </a:r>
+            <a:endParaRPr lang="en-US" dirty="0" smtClean="0"/>
           </a:p>
           <a:p>
             <a:pPr marL="285750" indent="-285750">
@@ -9197,105 +10388,43 @@
               <a:buChar char="•"/>
             </a:pPr>
             <a:r>
-              <a:rPr lang="de-DE" dirty="0" smtClean="0"/>
-              <a:t>Dies </a:t>
-            </a:r>
-            <a:r>
-              <a:rPr lang="de-DE" dirty="0" smtClean="0"/>
-              <a:t>kann man erreichen durch</a:t>
-            </a:r>
-          </a:p>
-          <a:p>
-            <a:pPr marL="800100" lvl="1" indent="-342900">
+              <a:rPr lang="en-US" dirty="0" err="1" smtClean="0"/>
+              <a:t>Entwicklung</a:t>
+            </a:r>
+            <a:r>
+              <a:rPr lang="en-US" dirty="0" smtClean="0"/>
+              <a:t> </a:t>
+            </a:r>
+            <a:r>
+              <a:rPr lang="en-US" dirty="0" err="1" smtClean="0"/>
+              <a:t>eines</a:t>
+            </a:r>
+            <a:r>
+              <a:rPr lang="en-US" dirty="0" smtClean="0"/>
+              <a:t> Setting </a:t>
+            </a:r>
+            <a:r>
+              <a:rPr lang="en-US" dirty="0" err="1" smtClean="0"/>
+              <a:t>für</a:t>
+            </a:r>
+            <a:r>
+              <a:rPr lang="en-US" dirty="0" smtClean="0"/>
+              <a:t> die </a:t>
+            </a:r>
+            <a:r>
+              <a:rPr lang="en-US" dirty="0" err="1" smtClean="0"/>
+              <a:t>Validierung</a:t>
+            </a:r>
+            <a:endParaRPr lang="en-US" dirty="0" smtClean="0"/>
+          </a:p>
+          <a:p>
+            <a:pPr marL="742950" lvl="1" indent="-285750">
               <a:buClr>
                 <a:schemeClr val="tx2"/>
               </a:buClr>
-              <a:buAutoNum type="alphaLcParenR"/>
+              <a:buFont typeface="Arial" panose="020B0604020202020204" pitchFamily="34" charset="0"/>
+              <a:buChar char="•"/>
             </a:pPr>
-            <a:r>
-              <a:rPr lang="de-DE" dirty="0" smtClean="0"/>
-              <a:t>Aufteilen in mehrere Modelle mit höherer </a:t>
-            </a:r>
-            <a:r>
-              <a:rPr lang="de-DE" dirty="0" smtClean="0"/>
-              <a:t>Spezialisierung</a:t>
-            </a:r>
-            <a:endParaRPr lang="de-DE" dirty="0" smtClean="0"/>
-          </a:p>
-          <a:p>
-            <a:pPr marL="800100" lvl="1" indent="-342900">
-              <a:buClr>
-                <a:schemeClr val="tx2"/>
-              </a:buClr>
-              <a:buFontTx/>
-              <a:buAutoNum type="alphaLcParenR"/>
-            </a:pPr>
-            <a:r>
-              <a:rPr lang="de-DE" dirty="0" smtClean="0"/>
-              <a:t>Iteratives Entwickeln </a:t>
-            </a:r>
-            <a:r>
-              <a:rPr lang="de-DE" dirty="0"/>
-              <a:t>der </a:t>
-            </a:r>
-            <a:r>
-              <a:rPr lang="de-DE" dirty="0" smtClean="0"/>
-              <a:t>Merkmale</a:t>
-            </a:r>
-          </a:p>
-          <a:p>
-            <a:pPr marL="800100" lvl="1" indent="-342900">
-              <a:buClr>
-                <a:schemeClr val="tx2"/>
-              </a:buClr>
-              <a:buFontTx/>
-              <a:buAutoNum type="alphaLcParenR"/>
-            </a:pPr>
-            <a:r>
-              <a:rPr lang="de-DE" dirty="0" smtClean="0"/>
-              <a:t>Kodieren </a:t>
-            </a:r>
-            <a:r>
-              <a:rPr lang="de-DE" dirty="0"/>
-              <a:t>von Vorwissen im </a:t>
-            </a:r>
-            <a:r>
-              <a:rPr lang="de-DE" dirty="0" smtClean="0"/>
-              <a:t>Modell</a:t>
-            </a:r>
-            <a:endParaRPr lang="de-DE" dirty="0" smtClean="0"/>
-          </a:p>
-          <a:p>
-            <a:pPr marL="800100" lvl="1" indent="-342900">
-              <a:buClr>
-                <a:schemeClr val="tx2"/>
-              </a:buClr>
-              <a:buAutoNum type="alphaLcParenR"/>
-            </a:pPr>
-            <a:r>
-              <a:rPr lang="de-DE" dirty="0" smtClean="0"/>
-              <a:t>Transfer </a:t>
-            </a:r>
-            <a:r>
-              <a:rPr lang="de-DE" dirty="0" smtClean="0"/>
-              <a:t>Lernen zu leichter interpretierbaren </a:t>
-            </a:r>
-            <a:r>
-              <a:rPr lang="de-DE" dirty="0" smtClean="0"/>
-              <a:t>Modellen</a:t>
-            </a:r>
-          </a:p>
-          <a:p>
-            <a:pPr marL="800100" lvl="1" indent="-342900">
-              <a:buClr>
-                <a:schemeClr val="tx2"/>
-              </a:buClr>
-              <a:buAutoNum type="alphaLcParenR"/>
-            </a:pPr>
-            <a:r>
-              <a:rPr lang="de-DE" dirty="0" smtClean="0"/>
-              <a:t>?</a:t>
-            </a:r>
             <a:endParaRPr lang="de-DE" dirty="0" smtClean="0"/>
           </a:p>
           <a:p>
@@ -9307,15 +10436,6 @@
             </a:pPr>
             <a:endParaRPr lang="de-DE" dirty="0" smtClean="0"/>
           </a:p>
-          <a:p>
-            <a:pPr marL="800100" lvl="1" indent="-342900">
-              <a:buClr>
-                <a:schemeClr val="tx2"/>
-              </a:buClr>
-              <a:buAutoNum type="alphaLcParenR"/>
-            </a:pPr>
-            <a:endParaRPr lang="de-DE" dirty="0" smtClean="0"/>
-          </a:p>
         </p:txBody>
       </p:sp>
       <p:sp>
@@ -9368,7 +10488,7 @@
     </p:spTree>
     <p:extLst>
       <p:ext uri="{BB962C8B-B14F-4D97-AF65-F5344CB8AC3E}">
-        <p14:creationId xmlns:p14="http://schemas.microsoft.com/office/powerpoint/2010/main" val="274331917"/>
+        <p14:creationId xmlns:p14="http://schemas.microsoft.com/office/powerpoint/2010/main" val="791579922"/>
       </p:ext>
     </p:extLst>
   </p:cSld>
@@ -9419,244 +10539,9 @@
           <a:p>
             <a:r>
               <a:rPr lang="de-DE" dirty="0" smtClean="0"/>
-              <a:t>Nächste Schritte</a:t>
+              <a:t>Fragen oder Anmerkungen?</a:t>
             </a:r>
             <a:endParaRPr lang="de-DE" dirty="0"/>
-          </a:p>
-        </p:txBody>
-      </p:sp>
-      <p:sp>
-        <p:nvSpPr>
-          <p:cNvPr id="3" name="Textfeld 2"/>
-          <p:cNvSpPr txBox="1"/>
-          <p:nvPr/>
-        </p:nvSpPr>
-        <p:spPr>
-          <a:xfrm>
-            <a:off x="457200" y="946150"/>
-            <a:ext cx="8103996" cy="5303925"/>
-          </a:xfrm>
-          <a:prstGeom prst="rect">
-            <a:avLst/>
-          </a:prstGeom>
-          <a:noFill/>
-        </p:spPr>
-        <p:txBody>
-          <a:bodyPr wrap="square" lIns="0" rIns="0" rtlCol="0">
-            <a:noAutofit/>
-          </a:bodyPr>
-          <a:lstStyle/>
-          <a:p>
-            <a:pPr marL="285750" indent="-285750">
-              <a:buClr>
-                <a:schemeClr val="tx2"/>
-              </a:buClr>
-              <a:buFont typeface="Arial" panose="020B0604020202020204" pitchFamily="34" charset="0"/>
-              <a:buChar char="•"/>
-            </a:pPr>
-            <a:r>
-              <a:rPr lang="de-DE" dirty="0" err="1" smtClean="0"/>
-              <a:t>Literature</a:t>
-            </a:r>
-            <a:r>
-              <a:rPr lang="de-DE" dirty="0" smtClean="0"/>
-              <a:t> Review</a:t>
-            </a:r>
-          </a:p>
-          <a:p>
-            <a:pPr marL="742950" lvl="1" indent="-285750">
-              <a:buClr>
-                <a:schemeClr val="tx2"/>
-              </a:buClr>
-              <a:buFont typeface="Arial" panose="020B0604020202020204" pitchFamily="34" charset="0"/>
-              <a:buChar char="•"/>
-            </a:pPr>
-            <a:r>
-              <a:rPr lang="de-DE" dirty="0" smtClean="0"/>
-              <a:t>Themengebiete	</a:t>
-            </a:r>
-          </a:p>
-          <a:p>
-            <a:pPr marL="1200150" lvl="2" indent="-285750">
-              <a:buClr>
-                <a:schemeClr val="tx2"/>
-              </a:buClr>
-              <a:buFont typeface="Arial" panose="020B0604020202020204" pitchFamily="34" charset="0"/>
-              <a:buChar char="•"/>
-            </a:pPr>
-            <a:r>
-              <a:rPr lang="en-US" dirty="0"/>
-              <a:t>Encoding previous knowledge for machine </a:t>
-            </a:r>
-            <a:r>
-              <a:rPr lang="en-US" dirty="0" smtClean="0"/>
-              <a:t>learning</a:t>
-            </a:r>
-          </a:p>
-          <a:p>
-            <a:pPr marL="1200150" lvl="2" indent="-285750">
-              <a:buClr>
-                <a:schemeClr val="tx2"/>
-              </a:buClr>
-              <a:buFont typeface="Arial" panose="020B0604020202020204" pitchFamily="34" charset="0"/>
-              <a:buChar char="•"/>
-            </a:pPr>
-            <a:r>
-              <a:rPr lang="en-US" dirty="0" smtClean="0"/>
-              <a:t>Reducing the complexity of machine learning systems</a:t>
-            </a:r>
-          </a:p>
-          <a:p>
-            <a:pPr marL="1200150" lvl="2" indent="-285750">
-              <a:buClr>
-                <a:schemeClr val="tx2"/>
-              </a:buClr>
-              <a:buFont typeface="Arial" panose="020B0604020202020204" pitchFamily="34" charset="0"/>
-              <a:buChar char="•"/>
-            </a:pPr>
-            <a:r>
-              <a:rPr lang="en-US" dirty="0" smtClean="0"/>
-              <a:t>Explainable/ Interactive machine learning</a:t>
-            </a:r>
-          </a:p>
-          <a:p>
-            <a:pPr marL="742950" lvl="1" indent="-285750">
-              <a:buClr>
-                <a:schemeClr val="tx2"/>
-              </a:buClr>
-              <a:buFont typeface="Arial" panose="020B0604020202020204" pitchFamily="34" charset="0"/>
-              <a:buChar char="•"/>
-            </a:pPr>
-            <a:r>
-              <a:rPr lang="en-US" dirty="0" err="1" smtClean="0"/>
-              <a:t>Weitere</a:t>
-            </a:r>
-            <a:r>
-              <a:rPr lang="en-US" dirty="0" smtClean="0"/>
-              <a:t> </a:t>
-            </a:r>
-            <a:r>
-              <a:rPr lang="en-US" dirty="0" err="1" smtClean="0"/>
-              <a:t>Kategorisierung</a:t>
-            </a:r>
-            <a:endParaRPr lang="en-US" dirty="0" smtClean="0"/>
-          </a:p>
-          <a:p>
-            <a:pPr marL="285750" indent="-285750">
-              <a:buClr>
-                <a:schemeClr val="tx2"/>
-              </a:buClr>
-              <a:buFont typeface="Arial" panose="020B0604020202020204" pitchFamily="34" charset="0"/>
-              <a:buChar char="•"/>
-            </a:pPr>
-            <a:r>
-              <a:rPr lang="en-US" dirty="0" err="1" smtClean="0"/>
-              <a:t>Relevante</a:t>
-            </a:r>
-            <a:r>
-              <a:rPr lang="en-US" dirty="0" smtClean="0"/>
-              <a:t> </a:t>
-            </a:r>
-            <a:r>
-              <a:rPr lang="en-US" dirty="0" err="1" smtClean="0"/>
-              <a:t>Konferenzen</a:t>
-            </a:r>
-            <a:r>
-              <a:rPr lang="en-US" dirty="0" smtClean="0"/>
-              <a:t>, </a:t>
-            </a:r>
-            <a:r>
-              <a:rPr lang="en-US" dirty="0" err="1" smtClean="0"/>
-              <a:t>Autoren</a:t>
-            </a:r>
-            <a:endParaRPr lang="en-US" dirty="0" smtClean="0"/>
-          </a:p>
-          <a:p>
-            <a:pPr marL="285750" indent="-285750">
-              <a:buClr>
-                <a:schemeClr val="tx2"/>
-              </a:buClr>
-              <a:buFont typeface="Arial" panose="020B0604020202020204" pitchFamily="34" charset="0"/>
-              <a:buChar char="•"/>
-            </a:pPr>
-            <a:r>
-              <a:rPr lang="en-US" dirty="0" err="1" smtClean="0"/>
-              <a:t>Verfeinerung</a:t>
-            </a:r>
-            <a:r>
-              <a:rPr lang="en-US" dirty="0" smtClean="0"/>
-              <a:t> und </a:t>
-            </a:r>
-            <a:r>
-              <a:rPr lang="en-US" dirty="0" err="1" smtClean="0"/>
-              <a:t>Eingrenzung</a:t>
-            </a:r>
-            <a:r>
-              <a:rPr lang="en-US" dirty="0" smtClean="0"/>
-              <a:t> der </a:t>
-            </a:r>
-            <a:r>
-              <a:rPr lang="en-US" dirty="0" err="1" smtClean="0"/>
-              <a:t>Hypothesen</a:t>
-            </a:r>
-            <a:endParaRPr lang="en-US" dirty="0" smtClean="0"/>
-          </a:p>
-          <a:p>
-            <a:pPr marL="285750" indent="-285750">
-              <a:buClr>
-                <a:schemeClr val="tx2"/>
-              </a:buClr>
-              <a:buFont typeface="Arial" panose="020B0604020202020204" pitchFamily="34" charset="0"/>
-              <a:buChar char="•"/>
-            </a:pPr>
-            <a:r>
-              <a:rPr lang="en-US" dirty="0" err="1" smtClean="0"/>
-              <a:t>Entwicklung</a:t>
-            </a:r>
-            <a:r>
-              <a:rPr lang="en-US" dirty="0" smtClean="0"/>
-              <a:t> </a:t>
-            </a:r>
-            <a:r>
-              <a:rPr lang="en-US" dirty="0" err="1" smtClean="0"/>
-              <a:t>eines</a:t>
-            </a:r>
-            <a:r>
-              <a:rPr lang="en-US" dirty="0" smtClean="0"/>
-              <a:t> Setting </a:t>
-            </a:r>
-            <a:r>
-              <a:rPr lang="en-US" dirty="0" err="1" smtClean="0"/>
-              <a:t>für</a:t>
-            </a:r>
-            <a:r>
-              <a:rPr lang="en-US" dirty="0" smtClean="0"/>
-              <a:t> die </a:t>
-            </a:r>
-            <a:r>
-              <a:rPr lang="en-US" dirty="0" err="1" smtClean="0"/>
-              <a:t>Validierung</a:t>
-            </a:r>
-            <a:endParaRPr lang="en-US" dirty="0" smtClean="0"/>
-          </a:p>
-          <a:p>
-            <a:pPr marL="742950" lvl="1" indent="-285750">
-              <a:buClr>
-                <a:schemeClr val="tx2"/>
-              </a:buClr>
-              <a:buFont typeface="Arial" panose="020B0604020202020204" pitchFamily="34" charset="0"/>
-              <a:buChar char="•"/>
-            </a:pPr>
-            <a:endParaRPr lang="de-DE" dirty="0" smtClean="0"/>
-          </a:p>
-          <a:p>
-            <a:pPr marL="800100" lvl="1" indent="-342900">
-              <a:buClr>
-                <a:schemeClr val="tx2"/>
-              </a:buClr>
-              <a:buAutoNum type="alphaLcParenR"/>
-            </a:pPr>
-            <a:endParaRPr lang="de-DE" dirty="0" smtClean="0"/>
           </a:p>
         </p:txBody>
       </p:sp>
@@ -9707,10 +10592,51 @@
           </a:p>
         </p:txBody>
       </p:sp>
+      <p:pic>
+        <p:nvPicPr>
+          <p:cNvPr id="1026" name="Picture 2" descr="Bildergebnis fÃ¼r Diskussion"/>
+          <p:cNvPicPr>
+            <a:picLocks noChangeAspect="1" noChangeArrowheads="1"/>
+          </p:cNvPicPr>
+          <p:nvPr/>
+        </p:nvPicPr>
+        <p:blipFill>
+          <a:blip r:embed="rId2">
+            <a:extLst>
+              <a:ext uri="{28A0092B-C50C-407E-A947-70E740481C1C}">
+                <a14:useLocalDpi xmlns:a14="http://schemas.microsoft.com/office/drawing/2010/main" val="0"/>
+              </a:ext>
+            </a:extLst>
+          </a:blip>
+          <a:srcRect/>
+          <a:stretch>
+            <a:fillRect/>
+          </a:stretch>
+        </p:blipFill>
+        <p:spPr bwMode="auto">
+          <a:xfrm>
+            <a:off x="1880212" y="1322884"/>
+            <a:ext cx="4959870" cy="4563527"/>
+          </a:xfrm>
+          <a:prstGeom prst="rect">
+            <a:avLst/>
+          </a:prstGeom>
+          <a:noFill/>
+          <a:extLst>
+            <a:ext uri="{909E8E84-426E-40DD-AFC4-6F175D3DCCD1}">
+              <a14:hiddenFill xmlns:a14="http://schemas.microsoft.com/office/drawing/2010/main">
+                <a:solidFill>
+                  <a:srgbClr val="FFFFFF"/>
+                </a:solidFill>
+              </a14:hiddenFill>
+            </a:ext>
+          </a:extLst>
+        </p:spPr>
+      </p:pic>
     </p:spTree>
     <p:extLst>
       <p:ext uri="{BB962C8B-B14F-4D97-AF65-F5344CB8AC3E}">
-        <p14:creationId xmlns:p14="http://schemas.microsoft.com/office/powerpoint/2010/main" val="791579922"/>
+        <p14:creationId xmlns:p14="http://schemas.microsoft.com/office/powerpoint/2010/main" val="3305474654"/>
       </p:ext>
     </p:extLst>
   </p:cSld>
